--- a/rapport de stage/RApport de stage Slides.pptx
+++ b/rapport de stage/RApport de stage Slides.pptx
@@ -5,8 +5,19 @@
     <p:sldMasterId id="2147483648" r:id="rId1"/>
   </p:sldMasterIdLst>
   <p:sldIdLst>
-    <p:sldId id="256" r:id="rId2"/>
+    <p:sldId id="260" r:id="rId2"/>
     <p:sldId id="257" r:id="rId3"/>
+    <p:sldId id="263" r:id="rId4"/>
+    <p:sldId id="264" r:id="rId5"/>
+    <p:sldId id="265" r:id="rId6"/>
+    <p:sldId id="268" r:id="rId7"/>
+    <p:sldId id="269" r:id="rId8"/>
+    <p:sldId id="267" r:id="rId9"/>
+    <p:sldId id="270" r:id="rId10"/>
+    <p:sldId id="271" r:id="rId11"/>
+    <p:sldId id="272" r:id="rId12"/>
+    <p:sldId id="273" r:id="rId13"/>
+    <p:sldId id="274" r:id="rId14"/>
   </p:sldIdLst>
   <p:sldSz cx="12192000" cy="6858000"/>
   <p:notesSz cx="6858000" cy="9144000"/>
@@ -106,6 +117,39 @@
     </a:lvl9pPr>
   </p:defaultTextStyle>
   <p:extLst>
+    <p:ext uri="{521415D9-36F7-43E2-AB2F-B90AF26B5E84}">
+      <p14:sectionLst xmlns:p14="http://schemas.microsoft.com/office/powerpoint/2010/main">
+        <p14:section name="Preface" id="{19899F1D-4DA2-4F95-9621-E67508F4ADF5}">
+          <p14:sldIdLst>
+            <p14:sldId id="260"/>
+            <p14:sldId id="257"/>
+            <p14:sldId id="263"/>
+            <p14:sldId id="264"/>
+          </p14:sldIdLst>
+        </p14:section>
+        <p14:section name="Entreprise" id="{4768734A-5EA1-45A3-BD0E-8449D3591393}">
+          <p14:sldIdLst>
+            <p14:sldId id="265"/>
+            <p14:sldId id="268"/>
+            <p14:sldId id="269"/>
+            <p14:sldId id="267"/>
+          </p14:sldIdLst>
+        </p14:section>
+        <p14:section name="Projet" id="{AEB6D6CC-A1D0-4EC8-9DD8-110BEFE8702C}">
+          <p14:sldIdLst>
+            <p14:sldId id="270"/>
+            <p14:sldId id="271"/>
+            <p14:sldId id="272"/>
+            <p14:sldId id="273"/>
+          </p14:sldIdLst>
+        </p14:section>
+        <p14:section name="Application" id="{67A3C43E-2391-4166-BF04-51BD9F70C30D}">
+          <p14:sldIdLst>
+            <p14:sldId id="274"/>
+          </p14:sldIdLst>
+        </p14:section>
+      </p14:sectionLst>
+    </p:ext>
     <p:ext uri="{EFAFB233-063F-42B5-8137-9DF3F51BA10A}">
       <p15:sldGuideLst xmlns:p15="http://schemas.microsoft.com/office/powerpoint/2012/main">
         <p15:guide id="1" orient="horz" pos="2160" userDrawn="1">
@@ -118,6 +162,11 @@
             <a:srgbClr val="A4A3A4"/>
           </p15:clr>
         </p15:guide>
+        <p15:guide id="3" pos="3940" userDrawn="1">
+          <p15:clr>
+            <a:srgbClr val="A4A3A4"/>
+          </p15:clr>
+        </p15:guide>
       </p15:sldGuideLst>
     </p:ext>
   </p:extLst>
@@ -125,7 +174,7 @@
 </file>
 
 <file path=ppt/slideLayouts/slideLayout1.xml><?xml version="1.0" encoding="utf-8"?>
-<p:sldLayout xmlns:a="http://schemas.openxmlformats.org/drawingml/2006/main" xmlns:r="http://schemas.openxmlformats.org/officeDocument/2006/relationships" xmlns:p="http://schemas.openxmlformats.org/presentationml/2006/main" showMasterSp="0" type="title" preserve="1">
+<p:sldLayout xmlns:a="http://schemas.openxmlformats.org/drawingml/2006/main" xmlns:r="http://schemas.openxmlformats.org/officeDocument/2006/relationships" xmlns:p="http://schemas.openxmlformats.org/presentationml/2006/main" type="title" preserve="1">
   <p:cSld name="Diapositive de titre">
     <p:spTree>
       <p:nvGrpSpPr>
@@ -849,7 +898,7 @@
             <a:fld id="{B61BEF0D-F0BB-DE4B-95CE-6DB70DBA9567}" type="datetimeFigureOut">
               <a:rPr lang="en-US" dirty="0"/>
               <a:pPr/>
-              <a:t>5/29/2020</a:t>
+              <a:t>6/11/2020</a:t>
             </a:fld>
             <a:endParaRPr lang="en-US" dirty="0"/>
           </a:p>
@@ -1097,7 +1146,7 @@
             <a:fld id="{B61BEF0D-F0BB-DE4B-95CE-6DB70DBA9567}" type="datetimeFigureOut">
               <a:rPr lang="en-US" dirty="0"/>
               <a:pPr/>
-              <a:t>5/29/2020</a:t>
+              <a:t>6/11/2020</a:t>
             </a:fld>
             <a:endParaRPr lang="en-US" dirty="0"/>
           </a:p>
@@ -1408,7 +1457,7 @@
             <a:fld id="{B61BEF0D-F0BB-DE4B-95CE-6DB70DBA9567}" type="datetimeFigureOut">
               <a:rPr lang="en-US" dirty="0"/>
               <a:pPr/>
-              <a:t>5/29/2020</a:t>
+              <a:t>6/11/2020</a:t>
             </a:fld>
             <a:endParaRPr lang="en-US" dirty="0"/>
           </a:p>
@@ -1732,7 +1781,7 @@
             <a:fld id="{B61BEF0D-F0BB-DE4B-95CE-6DB70DBA9567}" type="datetimeFigureOut">
               <a:rPr lang="en-US" dirty="0"/>
               <a:pPr/>
-              <a:t>5/29/2020</a:t>
+              <a:t>6/11/2020</a:t>
             </a:fld>
             <a:endParaRPr lang="en-US" dirty="0"/>
           </a:p>
@@ -2043,7 +2092,7 @@
             <a:fld id="{B61BEF0D-F0BB-DE4B-95CE-6DB70DBA9567}" type="datetimeFigureOut">
               <a:rPr lang="en-US" dirty="0"/>
               <a:pPr/>
-              <a:t>5/29/2020</a:t>
+              <a:t>6/11/2020</a:t>
             </a:fld>
             <a:endParaRPr lang="en-US" dirty="0"/>
           </a:p>
@@ -2427,7 +2476,7 @@
             <a:fld id="{B61BEF0D-F0BB-DE4B-95CE-6DB70DBA9567}" type="datetimeFigureOut">
               <a:rPr lang="en-US" dirty="0"/>
               <a:pPr/>
-              <a:t>5/29/2020</a:t>
+              <a:t>6/11/2020</a:t>
             </a:fld>
             <a:endParaRPr lang="en-US" dirty="0"/>
           </a:p>
@@ -2593,7 +2642,7 @@
           <a:p>
             <a:fld id="{55C6B4A9-1611-4792-9094-5F34BCA07E0B}" type="datetimeFigureOut">
               <a:rPr lang="en-US" dirty="0"/>
-              <a:t>5/29/2020</a:t>
+              <a:t>6/11/2020</a:t>
             </a:fld>
             <a:endParaRPr lang="en-US" dirty="0"/>
           </a:p>
@@ -2769,7 +2818,7 @@
             <a:fld id="{B61BEF0D-F0BB-DE4B-95CE-6DB70DBA9567}" type="datetimeFigureOut">
               <a:rPr lang="en-US" dirty="0"/>
               <a:pPr/>
-              <a:t>5/29/2020</a:t>
+              <a:t>6/11/2020</a:t>
             </a:fld>
             <a:endParaRPr lang="en-US" dirty="0"/>
           </a:p>
@@ -2942,7 +2991,7 @@
             <a:fld id="{B61BEF0D-F0BB-DE4B-95CE-6DB70DBA9567}" type="datetimeFigureOut">
               <a:rPr lang="en-US" dirty="0"/>
               <a:pPr/>
-              <a:t>5/29/2020</a:t>
+              <a:t>6/11/2020</a:t>
             </a:fld>
             <a:endParaRPr lang="en-US" dirty="0"/>
           </a:p>
@@ -3186,7 +3235,7 @@
             <a:fld id="{B61BEF0D-F0BB-DE4B-95CE-6DB70DBA9567}" type="datetimeFigureOut">
               <a:rPr lang="en-US" dirty="0"/>
               <a:pPr/>
-              <a:t>5/29/2020</a:t>
+              <a:t>6/11/2020</a:t>
             </a:fld>
             <a:endParaRPr lang="en-US" dirty="0"/>
           </a:p>
@@ -3414,7 +3463,7 @@
           <a:p>
             <a:fld id="{EB712588-04B1-427B-82EE-E8DB90309F08}" type="datetimeFigureOut">
               <a:rPr lang="en-US" dirty="0"/>
-              <a:t>5/29/2020</a:t>
+              <a:t>6/11/2020</a:t>
             </a:fld>
             <a:endParaRPr lang="en-US" dirty="0"/>
           </a:p>
@@ -3784,7 +3833,7 @@
             <a:fld id="{B61BEF0D-F0BB-DE4B-95CE-6DB70DBA9567}" type="datetimeFigureOut">
               <a:rPr lang="en-US" dirty="0"/>
               <a:pPr/>
-              <a:t>5/29/2020</a:t>
+              <a:t>6/11/2020</a:t>
             </a:fld>
             <a:endParaRPr lang="en-US" dirty="0"/>
           </a:p>
@@ -3904,7 +3953,7 @@
             <a:fld id="{B61BEF0D-F0BB-DE4B-95CE-6DB70DBA9567}" type="datetimeFigureOut">
               <a:rPr lang="en-US" dirty="0"/>
               <a:pPr/>
-              <a:t>5/29/2020</a:t>
+              <a:t>6/11/2020</a:t>
             </a:fld>
             <a:endParaRPr lang="en-US" dirty="0"/>
           </a:p>
@@ -3996,7 +4045,7 @@
             <a:fld id="{B61BEF0D-F0BB-DE4B-95CE-6DB70DBA9567}" type="datetimeFigureOut">
               <a:rPr lang="en-US" dirty="0"/>
               <a:pPr/>
-              <a:t>5/29/2020</a:t>
+              <a:t>6/11/2020</a:t>
             </a:fld>
             <a:endParaRPr lang="en-US" dirty="0"/>
           </a:p>
@@ -4247,7 +4296,7 @@
           <a:p>
             <a:fld id="{42A54C80-263E-416B-A8E0-580EDEADCBDC}" type="datetimeFigureOut">
               <a:rPr lang="en-US" dirty="0"/>
-              <a:t>5/29/2020</a:t>
+              <a:t>6/11/2020</a:t>
             </a:fld>
             <a:endParaRPr lang="en-US" dirty="0"/>
           </a:p>
@@ -4506,7 +4555,7 @@
             <a:fld id="{B61BEF0D-F0BB-DE4B-95CE-6DB70DBA9567}" type="datetimeFigureOut">
               <a:rPr lang="en-US" dirty="0"/>
               <a:pPr/>
-              <a:t>5/29/2020</a:t>
+              <a:t>6/11/2020</a:t>
             </a:fld>
             <a:endParaRPr lang="en-US" dirty="0"/>
           </a:p>
@@ -4567,9 +4616,24 @@
 <p:sldMaster xmlns:a="http://schemas.openxmlformats.org/drawingml/2006/main" xmlns:r="http://schemas.openxmlformats.org/officeDocument/2006/relationships" xmlns:p="http://schemas.openxmlformats.org/presentationml/2006/main">
   <p:cSld>
     <p:bg>
-      <p:bgRef idx="1001">
-        <a:schemeClr val="bg2"/>
-      </p:bgRef>
+      <p:bgPr>
+        <a:gradFill flip="none" rotWithShape="1">
+          <a:gsLst>
+            <a:gs pos="0">
+              <a:schemeClr val="bg2"/>
+            </a:gs>
+            <a:gs pos="74000">
+              <a:schemeClr val="bg2"/>
+            </a:gs>
+            <a:gs pos="100000">
+              <a:schemeClr val="bg2"/>
+            </a:gs>
+          </a:gsLst>
+          <a:lin ang="5400000" scaled="1"/>
+          <a:tileRect/>
+        </a:gradFill>
+        <a:effectLst/>
+      </p:bgPr>
     </p:bg>
     <p:spTree>
       <p:nvGrpSpPr>
@@ -5248,7 +5312,7 @@
             <a:fld id="{B61BEF0D-F0BB-DE4B-95CE-6DB70DBA9567}" type="datetimeFigureOut">
               <a:rPr lang="en-US" dirty="0"/>
               <a:pPr/>
-              <a:t>5/29/2020</a:t>
+              <a:t>6/11/2020</a:t>
             </a:fld>
             <a:endParaRPr lang="en-US" dirty="0"/>
           </a:p>
@@ -5778,11 +5842,21 @@
             <p:ph type="ctrTitle"/>
           </p:nvPr>
         </p:nvSpPr>
-        <p:spPr/>
+        <p:spPr>
+          <a:xfrm>
+            <a:off x="914195" y="2538585"/>
+            <a:ext cx="7766936" cy="1646302"/>
+          </a:xfrm>
+        </p:spPr>
         <p:txBody>
           <a:bodyPr/>
           <a:lstStyle/>
           <a:p>
+            <a:pPr>
+              <a:lnSpc>
+                <a:spcPct val="150000"/>
+              </a:lnSpc>
+            </a:pPr>
             <a:r>
               <a:rPr lang="fr-FR" sz="3200" b="1" dirty="0"/>
               <a:t>MISE EN PLACE D’UNE PLATE-FORME DE</a:t>
@@ -5811,23 +5885,33 @@
       </p:sp>
       <p:sp>
         <p:nvSpPr>
-          <p:cNvPr id="3" name="Sous-titre 2"/>
-          <p:cNvSpPr>
-            <a:spLocks noGrp="1"/>
-          </p:cNvSpPr>
-          <p:nvPr>
-            <p:ph type="subTitle" idx="1"/>
-          </p:nvPr>
+          <p:cNvPr id="5" name="ZoneTexte 4"/>
+          <p:cNvSpPr txBox="1"/>
+          <p:nvPr/>
         </p:nvSpPr>
-        <p:spPr/>
+        <p:spPr>
+          <a:xfrm>
+            <a:off x="2277034" y="3471377"/>
+            <a:ext cx="7421148" cy="2585323"/>
+          </a:xfrm>
+          <a:prstGeom prst="rect">
+            <a:avLst/>
+          </a:prstGeom>
+          <a:noFill/>
+        </p:spPr>
         <p:txBody>
-          <a:bodyPr>
-            <a:normAutofit lnSpcReduction="10000"/>
+          <a:bodyPr wrap="square" rtlCol="0">
+            <a:spAutoFit/>
           </a:bodyPr>
           <a:lstStyle/>
           <a:p>
-            <a:r>
-              <a:rPr lang="en-US" dirty="0" err="1" smtClean="0">
+            <a:pPr algn="r">
+              <a:lnSpc>
+                <a:spcPct val="150000"/>
+              </a:lnSpc>
+            </a:pPr>
+            <a:r>
+              <a:rPr lang="en-US" dirty="0" err="1">
                 <a:solidFill>
                   <a:schemeClr val="accent3">
                     <a:lumMod val="20000"/>
@@ -5838,7 +5922,7 @@
               <a:t>Pr</a:t>
             </a:r>
             <a:r>
-              <a:rPr lang="fr-CM" dirty="0" err="1" smtClean="0">
+              <a:rPr lang="fr-CM" dirty="0" err="1">
                 <a:solidFill>
                   <a:schemeClr val="accent3">
                     <a:lumMod val="20000"/>
@@ -5849,7 +5933,7 @@
               <a:t>ésenté</a:t>
             </a:r>
             <a:r>
-              <a:rPr lang="fr-CM" dirty="0" smtClean="0">
+              <a:rPr lang="fr-CM" dirty="0">
                 <a:solidFill>
                   <a:schemeClr val="accent3">
                     <a:lumMod val="20000"/>
@@ -5861,8 +5945,13 @@
             </a:r>
           </a:p>
           <a:p>
-            <a:r>
-              <a:rPr lang="fr-CM" dirty="0" smtClean="0">
+            <a:pPr algn="r">
+              <a:lnSpc>
+                <a:spcPct val="150000"/>
+              </a:lnSpc>
+            </a:pPr>
+            <a:r>
+              <a:rPr lang="fr-CM" dirty="0">
                 <a:solidFill>
                   <a:schemeClr val="accent3">
                     <a:lumMod val="20000"/>
@@ -5874,8 +5963,13 @@
             </a:r>
           </a:p>
           <a:p>
-            <a:r>
-              <a:rPr lang="fr-CM" dirty="0" smtClean="0">
+            <a:pPr algn="r">
+              <a:lnSpc>
+                <a:spcPct val="150000"/>
+              </a:lnSpc>
+            </a:pPr>
+            <a:r>
+              <a:rPr lang="fr-CM" dirty="0">
                 <a:solidFill>
                   <a:schemeClr val="accent3">
                     <a:lumMod val="20000"/>
@@ -5883,7 +5977,114 @@
                   </a:schemeClr>
                 </a:solidFill>
               </a:rPr>
-              <a:t>Etudiant en informatique Génie logiciel</a:t>
+              <a:t>Etudiant en informatique Génie </a:t>
+            </a:r>
+            <a:r>
+              <a:rPr lang="fr-CM" dirty="0" smtClean="0">
+                <a:solidFill>
+                  <a:schemeClr val="accent3">
+                    <a:lumMod val="20000"/>
+                    <a:lumOff val="80000"/>
+                  </a:schemeClr>
+                </a:solidFill>
+              </a:rPr>
+              <a:t>logiciel</a:t>
+            </a:r>
+          </a:p>
+          <a:p>
+            <a:pPr algn="r">
+              <a:lnSpc>
+                <a:spcPct val="150000"/>
+              </a:lnSpc>
+            </a:pPr>
+            <a:endParaRPr lang="fr-CM" dirty="0">
+              <a:solidFill>
+                <a:schemeClr val="accent3">
+                  <a:lumMod val="20000"/>
+                  <a:lumOff val="80000"/>
+                </a:schemeClr>
+              </a:solidFill>
+            </a:endParaRPr>
+          </a:p>
+          <a:p>
+            <a:pPr algn="r">
+              <a:lnSpc>
+                <a:spcPct val="150000"/>
+              </a:lnSpc>
+            </a:pPr>
+            <a:r>
+              <a:rPr lang="fr-CM" dirty="0" smtClean="0">
+                <a:solidFill>
+                  <a:schemeClr val="accent3">
+                    <a:lumMod val="20000"/>
+                    <a:lumOff val="80000"/>
+                  </a:schemeClr>
+                </a:solidFill>
+              </a:rPr>
+              <a:t>Stage </a:t>
+            </a:r>
+            <a:r>
+              <a:rPr lang="fr-CM" dirty="0" err="1" smtClean="0">
+                <a:solidFill>
+                  <a:schemeClr val="accent3">
+                    <a:lumMod val="20000"/>
+                    <a:lumOff val="80000"/>
+                  </a:schemeClr>
+                </a:solidFill>
+              </a:rPr>
+              <a:t>effectu</a:t>
+            </a:r>
+            <a:r>
+              <a:rPr lang="en-US" dirty="0"/>
+              <a:t>é</a:t>
+            </a:r>
+            <a:r>
+              <a:rPr lang="fr-CM" dirty="0" smtClean="0">
+                <a:solidFill>
+                  <a:schemeClr val="accent3">
+                    <a:lumMod val="20000"/>
+                    <a:lumOff val="80000"/>
+                  </a:schemeClr>
+                </a:solidFill>
+              </a:rPr>
+              <a:t> </a:t>
+            </a:r>
+            <a:r>
+              <a:rPr lang="fr-CM" dirty="0"/>
+              <a:t>à</a:t>
+            </a:r>
+            <a:r>
+              <a:rPr lang="fr-CM" dirty="0" smtClean="0">
+                <a:solidFill>
+                  <a:schemeClr val="accent3">
+                    <a:lumMod val="20000"/>
+                    <a:lumOff val="80000"/>
+                  </a:schemeClr>
+                </a:solidFill>
+              </a:rPr>
+              <a:t> </a:t>
+            </a:r>
+            <a:r>
+              <a:rPr lang="fr-CM" dirty="0" err="1" smtClean="0">
+                <a:solidFill>
+                  <a:schemeClr val="accent3">
+                    <a:lumMod val="20000"/>
+                    <a:lumOff val="80000"/>
+                  </a:schemeClr>
+                </a:solidFill>
+              </a:rPr>
+              <a:t>Abodah</a:t>
+            </a:r>
+            <a:r>
+              <a:rPr lang="fr-CM" dirty="0" smtClean="0">
+                <a:solidFill>
+                  <a:schemeClr val="accent3">
+                    <a:lumMod val="20000"/>
+                    <a:lumOff val="80000"/>
+                  </a:schemeClr>
+                </a:solidFill>
+              </a:rPr>
+              <a:t> Corporation</a:t>
             </a:r>
             <a:endParaRPr lang="en-US" dirty="0">
               <a:solidFill>
@@ -5894,18 +6095,2373 @@
               </a:solidFill>
             </a:endParaRPr>
           </a:p>
+          <a:p>
+            <a:pPr algn="r">
+              <a:lnSpc>
+                <a:spcPct val="150000"/>
+              </a:lnSpc>
+            </a:pPr>
+            <a:endParaRPr lang="en-US" dirty="0"/>
+          </a:p>
+        </p:txBody>
+      </p:sp>
+      <p:sp>
+        <p:nvSpPr>
+          <p:cNvPr id="6" name="ZoneTexte 5"/>
+          <p:cNvSpPr txBox="1"/>
+          <p:nvPr/>
+        </p:nvSpPr>
+        <p:spPr>
+          <a:xfrm>
+            <a:off x="1060076" y="848145"/>
+            <a:ext cx="2433917" cy="369332"/>
+          </a:xfrm>
+          <a:prstGeom prst="rect">
+            <a:avLst/>
+          </a:prstGeom>
+          <a:noFill/>
+        </p:spPr>
+        <p:txBody>
+          <a:bodyPr wrap="square" rtlCol="0">
+            <a:spAutoFit/>
+          </a:bodyPr>
+          <a:lstStyle/>
+          <a:p>
+            <a:r>
+              <a:rPr lang="en-US" dirty="0" smtClean="0"/>
+              <a:t>THEME:</a:t>
+            </a:r>
+            <a:endParaRPr lang="en-US" dirty="0"/>
+          </a:p>
         </p:txBody>
       </p:sp>
     </p:spTree>
     <p:extLst>
       <p:ext uri="{BB962C8B-B14F-4D97-AF65-F5344CB8AC3E}">
-        <p14:creationId xmlns:p14="http://schemas.microsoft.com/office/powerpoint/2010/main" val="3306972669"/>
+        <p14:creationId xmlns:p14="http://schemas.microsoft.com/office/powerpoint/2010/main" val="785384293"/>
       </p:ext>
     </p:extLst>
   </p:cSld>
   <p:clrMapOvr>
     <a:masterClrMapping/>
   </p:clrMapOvr>
+  <mc:AlternateContent xmlns:mc="http://schemas.openxmlformats.org/markup-compatibility/2006">
+    <mc:Choice xmlns:p14="http://schemas.microsoft.com/office/powerpoint/2010/main" Requires="p14">
+      <p:transition spd="med" p14:dur="700">
+        <p:fade/>
+      </p:transition>
+    </mc:Choice>
+    <mc:Fallback>
+      <p:transition spd="med">
+        <p:fade/>
+      </p:transition>
+    </mc:Fallback>
+  </mc:AlternateContent>
+  <p:timing>
+    <p:tnLst>
+      <p:par>
+        <p:cTn id="1" dur="indefinite" restart="never" nodeType="tmRoot">
+          <p:childTnLst>
+            <p:seq concurrent="1" nextAc="seek">
+              <p:cTn id="2" dur="indefinite" nodeType="mainSeq">
+                <p:childTnLst>
+                  <p:par>
+                    <p:cTn id="3" fill="hold">
+                      <p:stCondLst>
+                        <p:cond delay="indefinite"/>
+                      </p:stCondLst>
+                      <p:childTnLst>
+                        <p:par>
+                          <p:cTn id="4" fill="hold">
+                            <p:stCondLst>
+                              <p:cond delay="0"/>
+                            </p:stCondLst>
+                            <p:childTnLst>
+                              <p:par>
+                                <p:cTn id="5" presetID="14" presetClass="entr" presetSubtype="10" fill="hold" grpId="0" nodeType="clickEffect">
+                                  <p:stCondLst>
+                                    <p:cond delay="0"/>
+                                  </p:stCondLst>
+                                  <p:childTnLst>
+                                    <p:set>
+                                      <p:cBhvr>
+                                        <p:cTn id="6" dur="1" fill="hold">
+                                          <p:stCondLst>
+                                            <p:cond delay="0"/>
+                                          </p:stCondLst>
+                                        </p:cTn>
+                                        <p:tgtEl>
+                                          <p:spTgt spid="5"/>
+                                        </p:tgtEl>
+                                        <p:attrNameLst>
+                                          <p:attrName>style.visibility</p:attrName>
+                                        </p:attrNameLst>
+                                      </p:cBhvr>
+                                      <p:to>
+                                        <p:strVal val="visible"/>
+                                      </p:to>
+                                    </p:set>
+                                    <p:animEffect transition="in" filter="randombar(horizontal)">
+                                      <p:cBhvr>
+                                        <p:cTn id="7" dur="500"/>
+                                        <p:tgtEl>
+                                          <p:spTgt spid="5"/>
+                                        </p:tgtEl>
+                                      </p:cBhvr>
+                                    </p:animEffect>
+                                  </p:childTnLst>
+                                </p:cTn>
+                              </p:par>
+                            </p:childTnLst>
+                          </p:cTn>
+                        </p:par>
+                      </p:childTnLst>
+                    </p:cTn>
+                  </p:par>
+                </p:childTnLst>
+              </p:cTn>
+              <p:prevCondLst>
+                <p:cond evt="onPrev" delay="0">
+                  <p:tgtEl>
+                    <p:sldTgt/>
+                  </p:tgtEl>
+                </p:cond>
+              </p:prevCondLst>
+              <p:nextCondLst>
+                <p:cond evt="onNext" delay="0">
+                  <p:tgtEl>
+                    <p:sldTgt/>
+                  </p:tgtEl>
+                </p:cond>
+              </p:nextCondLst>
+            </p:seq>
+          </p:childTnLst>
+        </p:cTn>
+      </p:par>
+    </p:tnLst>
+    <p:bldLst>
+      <p:bldP spid="5" grpId="0"/>
+    </p:bldLst>
+  </p:timing>
+</p:sld>
+</file>
+
+<file path=ppt/slides/slide10.xml><?xml version="1.0" encoding="utf-8"?>
+<p:sld xmlns:a="http://schemas.openxmlformats.org/drawingml/2006/main" xmlns:r="http://schemas.openxmlformats.org/officeDocument/2006/relationships" xmlns:p="http://schemas.openxmlformats.org/presentationml/2006/main">
+  <p:cSld>
+    <p:spTree>
+      <p:nvGrpSpPr>
+        <p:cNvPr id="1" name=""/>
+        <p:cNvGrpSpPr/>
+        <p:nvPr/>
+      </p:nvGrpSpPr>
+      <p:grpSpPr>
+        <a:xfrm>
+          <a:off x="0" y="0"/>
+          <a:ext cx="0" cy="0"/>
+          <a:chOff x="0" y="0"/>
+          <a:chExt cx="0" cy="0"/>
+        </a:xfrm>
+      </p:grpSpPr>
+      <p:sp>
+        <p:nvSpPr>
+          <p:cNvPr id="4" name="Titre 1"/>
+          <p:cNvSpPr txBox="1">
+            <a:spLocks/>
+          </p:cNvSpPr>
+          <p:nvPr/>
+        </p:nvSpPr>
+        <p:spPr>
+          <a:xfrm>
+            <a:off x="247843" y="466437"/>
+            <a:ext cx="10253902" cy="850435"/>
+          </a:xfrm>
+          <a:prstGeom prst="rect">
+            <a:avLst/>
+          </a:prstGeom>
+        </p:spPr>
+        <p:txBody>
+          <a:bodyPr vert="horz" lIns="91440" tIns="45720" rIns="91440" bIns="45720" rtlCol="0" anchor="t">
+            <a:normAutofit/>
+          </a:bodyPr>
+          <a:lstStyle>
+            <a:lvl1pPr algn="l" defTabSz="457200" rtl="0" eaLnBrk="1" latinLnBrk="0" hangingPunct="1">
+              <a:spcBef>
+                <a:spcPct val="0"/>
+              </a:spcBef>
+              <a:buNone/>
+              <a:defRPr sz="3600" kern="1200">
+                <a:solidFill>
+                  <a:schemeClr val="accent1"/>
+                </a:solidFill>
+                <a:latin typeface="+mj-lt"/>
+                <a:ea typeface="+mj-ea"/>
+                <a:cs typeface="+mj-cs"/>
+              </a:defRPr>
+            </a:lvl1pPr>
+            <a:lvl2pPr eaLnBrk="1" hangingPunct="1">
+              <a:defRPr>
+                <a:solidFill>
+                  <a:schemeClr val="tx2"/>
+                </a:solidFill>
+              </a:defRPr>
+            </a:lvl2pPr>
+            <a:lvl3pPr eaLnBrk="1" hangingPunct="1">
+              <a:defRPr>
+                <a:solidFill>
+                  <a:schemeClr val="tx2"/>
+                </a:solidFill>
+              </a:defRPr>
+            </a:lvl3pPr>
+            <a:lvl4pPr eaLnBrk="1" hangingPunct="1">
+              <a:defRPr>
+                <a:solidFill>
+                  <a:schemeClr val="tx2"/>
+                </a:solidFill>
+              </a:defRPr>
+            </a:lvl4pPr>
+            <a:lvl5pPr eaLnBrk="1" hangingPunct="1">
+              <a:defRPr>
+                <a:solidFill>
+                  <a:schemeClr val="tx2"/>
+                </a:solidFill>
+              </a:defRPr>
+            </a:lvl5pPr>
+            <a:lvl6pPr eaLnBrk="1" hangingPunct="1">
+              <a:defRPr>
+                <a:solidFill>
+                  <a:schemeClr val="tx2"/>
+                </a:solidFill>
+              </a:defRPr>
+            </a:lvl6pPr>
+            <a:lvl7pPr eaLnBrk="1" hangingPunct="1">
+              <a:defRPr>
+                <a:solidFill>
+                  <a:schemeClr val="tx2"/>
+                </a:solidFill>
+              </a:defRPr>
+            </a:lvl7pPr>
+            <a:lvl8pPr eaLnBrk="1" hangingPunct="1">
+              <a:defRPr>
+                <a:solidFill>
+                  <a:schemeClr val="tx2"/>
+                </a:solidFill>
+              </a:defRPr>
+            </a:lvl8pPr>
+            <a:lvl9pPr eaLnBrk="1" hangingPunct="1">
+              <a:defRPr>
+                <a:solidFill>
+                  <a:schemeClr val="tx2"/>
+                </a:solidFill>
+              </a:defRPr>
+            </a:lvl9pPr>
+          </a:lstStyle>
+          <a:p>
+            <a:pPr marL="0" marR="0" lvl="0" indent="0" algn="l" defTabSz="457200" rtl="0" eaLnBrk="1" fontAlgn="auto" latinLnBrk="0" hangingPunct="1">
+              <a:lnSpc>
+                <a:spcPct val="100000"/>
+              </a:lnSpc>
+              <a:spcBef>
+                <a:spcPct val="0"/>
+              </a:spcBef>
+              <a:spcAft>
+                <a:spcPts val="0"/>
+              </a:spcAft>
+              <a:buClrTx/>
+              <a:buSzTx/>
+              <a:buFontTx/>
+              <a:buNone/>
+              <a:tabLst/>
+              <a:defRPr/>
+            </a:pPr>
+            <a:r>
+              <a:rPr kumimoji="0" lang="en-US" sz="3600" b="0" i="0" u="none" strike="noStrike" kern="1200" cap="none" spc="0" normalizeH="0" baseline="0" noProof="0" dirty="0" err="1">
+                <a:ln>
+                  <a:noFill/>
+                </a:ln>
+                <a:solidFill>
+                  <a:srgbClr val="90C226"/>
+                </a:solidFill>
+                <a:effectLst/>
+                <a:uLnTx/>
+                <a:uFillTx/>
+                <a:latin typeface="Trebuchet MS" panose="020B0603020202020204"/>
+                <a:ea typeface="+mj-ea"/>
+                <a:cs typeface="+mj-cs"/>
+              </a:rPr>
+              <a:t>Présentation</a:t>
+            </a:r>
+            <a:r>
+              <a:rPr kumimoji="0" lang="en-US" sz="3600" b="0" i="0" u="none" strike="noStrike" kern="1200" cap="none" spc="0" normalizeH="0" baseline="0" noProof="0" dirty="0">
+                <a:ln>
+                  <a:noFill/>
+                </a:ln>
+                <a:solidFill>
+                  <a:srgbClr val="90C226"/>
+                </a:solidFill>
+                <a:effectLst/>
+                <a:uLnTx/>
+                <a:uFillTx/>
+                <a:latin typeface="Trebuchet MS" panose="020B0603020202020204"/>
+                <a:ea typeface="+mj-ea"/>
+                <a:cs typeface="+mj-cs"/>
+              </a:rPr>
+              <a:t> </a:t>
+            </a:r>
+            <a:r>
+              <a:rPr kumimoji="0" lang="en-US" sz="3600" b="0" i="0" u="none" strike="noStrike" kern="1200" cap="none" spc="0" normalizeH="0" baseline="0" noProof="0" dirty="0" smtClean="0">
+                <a:ln>
+                  <a:noFill/>
+                </a:ln>
+                <a:solidFill>
+                  <a:srgbClr val="90C226"/>
+                </a:solidFill>
+                <a:effectLst/>
+                <a:uLnTx/>
+                <a:uFillTx/>
+                <a:latin typeface="Trebuchet MS" panose="020B0603020202020204"/>
+                <a:ea typeface="+mj-ea"/>
+                <a:cs typeface="+mj-cs"/>
+              </a:rPr>
+              <a:t>du </a:t>
+            </a:r>
+            <a:r>
+              <a:rPr kumimoji="0" lang="en-US" sz="3600" b="0" i="0" u="none" strike="noStrike" kern="1200" cap="none" spc="0" normalizeH="0" baseline="0" noProof="0" dirty="0" err="1" smtClean="0">
+                <a:ln>
+                  <a:noFill/>
+                </a:ln>
+                <a:solidFill>
+                  <a:srgbClr val="90C226"/>
+                </a:solidFill>
+                <a:effectLst/>
+                <a:uLnTx/>
+                <a:uFillTx/>
+                <a:latin typeface="Trebuchet MS" panose="020B0603020202020204"/>
+                <a:ea typeface="+mj-ea"/>
+                <a:cs typeface="+mj-cs"/>
+              </a:rPr>
+              <a:t>projet</a:t>
+            </a:r>
+            <a:endParaRPr kumimoji="0" lang="en-US" sz="3600" b="0" i="0" u="none" strike="noStrike" kern="1200" cap="none" spc="0" normalizeH="0" baseline="0" noProof="0" dirty="0">
+              <a:ln>
+                <a:noFill/>
+              </a:ln>
+              <a:solidFill>
+                <a:srgbClr val="90C226"/>
+              </a:solidFill>
+              <a:effectLst/>
+              <a:uLnTx/>
+              <a:uFillTx/>
+              <a:latin typeface="Trebuchet MS" panose="020B0603020202020204"/>
+              <a:ea typeface="+mj-ea"/>
+              <a:cs typeface="+mj-cs"/>
+            </a:endParaRPr>
+          </a:p>
+        </p:txBody>
+      </p:sp>
+      <p:sp>
+        <p:nvSpPr>
+          <p:cNvPr id="6" name="Sous-titre 2"/>
+          <p:cNvSpPr txBox="1">
+            <a:spLocks/>
+          </p:cNvSpPr>
+          <p:nvPr/>
+        </p:nvSpPr>
+        <p:spPr>
+          <a:xfrm>
+            <a:off x="952884" y="2360826"/>
+            <a:ext cx="7766936" cy="4062276"/>
+          </a:xfrm>
+          <a:prstGeom prst="rect">
+            <a:avLst/>
+          </a:prstGeom>
+        </p:spPr>
+        <p:txBody>
+          <a:bodyPr vert="horz" lIns="91440" tIns="45720" rIns="91440" bIns="45720" rtlCol="0">
+            <a:normAutofit/>
+          </a:bodyPr>
+          <a:lstStyle>
+            <a:lvl1pPr marL="342900" indent="-342900" algn="l" defTabSz="457200" rtl="0" eaLnBrk="1" latinLnBrk="0" hangingPunct="1">
+              <a:spcBef>
+                <a:spcPts val="1000"/>
+              </a:spcBef>
+              <a:spcAft>
+                <a:spcPts val="0"/>
+              </a:spcAft>
+              <a:buClr>
+                <a:schemeClr val="accent1"/>
+              </a:buClr>
+              <a:buSzPct val="80000"/>
+              <a:buFont typeface="Wingdings 3" charset="2"/>
+              <a:buChar char=""/>
+              <a:defRPr sz="1800" kern="1200">
+                <a:solidFill>
+                  <a:schemeClr val="tx1">
+                    <a:lumMod val="75000"/>
+                    <a:lumOff val="25000"/>
+                  </a:schemeClr>
+                </a:solidFill>
+                <a:latin typeface="+mn-lt"/>
+                <a:ea typeface="+mn-ea"/>
+                <a:cs typeface="+mn-cs"/>
+              </a:defRPr>
+            </a:lvl1pPr>
+            <a:lvl2pPr marL="742950" indent="-285750" algn="l" defTabSz="457200" rtl="0" eaLnBrk="1" latinLnBrk="0" hangingPunct="1">
+              <a:spcBef>
+                <a:spcPts val="1000"/>
+              </a:spcBef>
+              <a:spcAft>
+                <a:spcPts val="0"/>
+              </a:spcAft>
+              <a:buClr>
+                <a:schemeClr val="accent1"/>
+              </a:buClr>
+              <a:buSzPct val="80000"/>
+              <a:buFont typeface="Wingdings 3" charset="2"/>
+              <a:buChar char=""/>
+              <a:defRPr sz="1600" kern="1200">
+                <a:solidFill>
+                  <a:schemeClr val="tx1">
+                    <a:lumMod val="75000"/>
+                    <a:lumOff val="25000"/>
+                  </a:schemeClr>
+                </a:solidFill>
+                <a:latin typeface="+mn-lt"/>
+                <a:ea typeface="+mn-ea"/>
+                <a:cs typeface="+mn-cs"/>
+              </a:defRPr>
+            </a:lvl2pPr>
+            <a:lvl3pPr marL="1143000" indent="-228600" algn="l" defTabSz="457200" rtl="0" eaLnBrk="1" latinLnBrk="0" hangingPunct="1">
+              <a:spcBef>
+                <a:spcPts val="1000"/>
+              </a:spcBef>
+              <a:spcAft>
+                <a:spcPts val="0"/>
+              </a:spcAft>
+              <a:buClr>
+                <a:schemeClr val="accent1"/>
+              </a:buClr>
+              <a:buSzPct val="80000"/>
+              <a:buFont typeface="Wingdings 3" charset="2"/>
+              <a:buChar char=""/>
+              <a:defRPr sz="1400" kern="1200">
+                <a:solidFill>
+                  <a:schemeClr val="tx1">
+                    <a:lumMod val="75000"/>
+                    <a:lumOff val="25000"/>
+                  </a:schemeClr>
+                </a:solidFill>
+                <a:latin typeface="+mn-lt"/>
+                <a:ea typeface="+mn-ea"/>
+                <a:cs typeface="+mn-cs"/>
+              </a:defRPr>
+            </a:lvl3pPr>
+            <a:lvl4pPr marL="1600200" indent="-228600" algn="l" defTabSz="457200" rtl="0" eaLnBrk="1" latinLnBrk="0" hangingPunct="1">
+              <a:spcBef>
+                <a:spcPts val="1000"/>
+              </a:spcBef>
+              <a:spcAft>
+                <a:spcPts val="0"/>
+              </a:spcAft>
+              <a:buClr>
+                <a:schemeClr val="accent1"/>
+              </a:buClr>
+              <a:buSzPct val="80000"/>
+              <a:buFont typeface="Wingdings 3" charset="2"/>
+              <a:buChar char=""/>
+              <a:defRPr sz="1200" kern="1200">
+                <a:solidFill>
+                  <a:schemeClr val="tx1">
+                    <a:lumMod val="75000"/>
+                    <a:lumOff val="25000"/>
+                  </a:schemeClr>
+                </a:solidFill>
+                <a:latin typeface="+mn-lt"/>
+                <a:ea typeface="+mn-ea"/>
+                <a:cs typeface="+mn-cs"/>
+              </a:defRPr>
+            </a:lvl4pPr>
+            <a:lvl5pPr marL="2057400" indent="-228600" algn="l" defTabSz="457200" rtl="0" eaLnBrk="1" latinLnBrk="0" hangingPunct="1">
+              <a:spcBef>
+                <a:spcPts val="1000"/>
+              </a:spcBef>
+              <a:spcAft>
+                <a:spcPts val="0"/>
+              </a:spcAft>
+              <a:buClr>
+                <a:schemeClr val="accent1"/>
+              </a:buClr>
+              <a:buSzPct val="80000"/>
+              <a:buFont typeface="Wingdings 3" charset="2"/>
+              <a:buChar char=""/>
+              <a:defRPr sz="1200" kern="1200">
+                <a:solidFill>
+                  <a:schemeClr val="tx1">
+                    <a:lumMod val="75000"/>
+                    <a:lumOff val="25000"/>
+                  </a:schemeClr>
+                </a:solidFill>
+                <a:latin typeface="+mn-lt"/>
+                <a:ea typeface="+mn-ea"/>
+                <a:cs typeface="+mn-cs"/>
+              </a:defRPr>
+            </a:lvl5pPr>
+            <a:lvl6pPr marL="2514600" indent="-228600" algn="l" defTabSz="457200" rtl="0" eaLnBrk="1" latinLnBrk="0" hangingPunct="1">
+              <a:spcBef>
+                <a:spcPts val="1000"/>
+              </a:spcBef>
+              <a:spcAft>
+                <a:spcPts val="0"/>
+              </a:spcAft>
+              <a:buClr>
+                <a:schemeClr val="accent1"/>
+              </a:buClr>
+              <a:buSzPct val="80000"/>
+              <a:buFont typeface="Wingdings 3" charset="2"/>
+              <a:buChar char=""/>
+              <a:defRPr sz="1200" kern="1200">
+                <a:solidFill>
+                  <a:schemeClr val="tx1">
+                    <a:lumMod val="75000"/>
+                    <a:lumOff val="25000"/>
+                  </a:schemeClr>
+                </a:solidFill>
+                <a:latin typeface="+mn-lt"/>
+                <a:ea typeface="+mn-ea"/>
+                <a:cs typeface="+mn-cs"/>
+              </a:defRPr>
+            </a:lvl6pPr>
+            <a:lvl7pPr marL="2971800" indent="-228600" algn="l" defTabSz="457200" rtl="0" eaLnBrk="1" latinLnBrk="0" hangingPunct="1">
+              <a:spcBef>
+                <a:spcPts val="1000"/>
+              </a:spcBef>
+              <a:spcAft>
+                <a:spcPts val="0"/>
+              </a:spcAft>
+              <a:buClr>
+                <a:schemeClr val="accent1"/>
+              </a:buClr>
+              <a:buSzPct val="80000"/>
+              <a:buFont typeface="Wingdings 3" charset="2"/>
+              <a:buChar char=""/>
+              <a:defRPr sz="1200" kern="1200">
+                <a:solidFill>
+                  <a:schemeClr val="tx1">
+                    <a:lumMod val="75000"/>
+                    <a:lumOff val="25000"/>
+                  </a:schemeClr>
+                </a:solidFill>
+                <a:latin typeface="+mn-lt"/>
+                <a:ea typeface="+mn-ea"/>
+                <a:cs typeface="+mn-cs"/>
+              </a:defRPr>
+            </a:lvl7pPr>
+            <a:lvl8pPr marL="3429000" indent="-228600" algn="l" defTabSz="457200" rtl="0" eaLnBrk="1" latinLnBrk="0" hangingPunct="1">
+              <a:spcBef>
+                <a:spcPts val="1000"/>
+              </a:spcBef>
+              <a:spcAft>
+                <a:spcPts val="0"/>
+              </a:spcAft>
+              <a:buClr>
+                <a:schemeClr val="accent1"/>
+              </a:buClr>
+              <a:buSzPct val="80000"/>
+              <a:buFont typeface="Wingdings 3" charset="2"/>
+              <a:buChar char=""/>
+              <a:defRPr sz="1200" kern="1200">
+                <a:solidFill>
+                  <a:schemeClr val="tx1">
+                    <a:lumMod val="75000"/>
+                    <a:lumOff val="25000"/>
+                  </a:schemeClr>
+                </a:solidFill>
+                <a:latin typeface="+mn-lt"/>
+                <a:ea typeface="+mn-ea"/>
+                <a:cs typeface="+mn-cs"/>
+              </a:defRPr>
+            </a:lvl8pPr>
+            <a:lvl9pPr marL="3886200" indent="-228600" algn="l" defTabSz="457200" rtl="0" eaLnBrk="1" latinLnBrk="0" hangingPunct="1">
+              <a:spcBef>
+                <a:spcPts val="1000"/>
+              </a:spcBef>
+              <a:spcAft>
+                <a:spcPts val="0"/>
+              </a:spcAft>
+              <a:buClr>
+                <a:schemeClr val="accent1"/>
+              </a:buClr>
+              <a:buSzPct val="80000"/>
+              <a:buFont typeface="Wingdings 3" charset="2"/>
+              <a:buChar char=""/>
+              <a:defRPr sz="1200" kern="1200">
+                <a:solidFill>
+                  <a:schemeClr val="tx1">
+                    <a:lumMod val="75000"/>
+                    <a:lumOff val="25000"/>
+                  </a:schemeClr>
+                </a:solidFill>
+                <a:latin typeface="+mn-lt"/>
+                <a:ea typeface="+mn-ea"/>
+                <a:cs typeface="+mn-cs"/>
+              </a:defRPr>
+            </a:lvl9pPr>
+          </a:lstStyle>
+          <a:p>
+            <a:pPr marL="0" lvl="0" indent="0">
+              <a:lnSpc>
+                <a:spcPct val="150000"/>
+              </a:lnSpc>
+              <a:buClr>
+                <a:srgbClr val="90C226"/>
+              </a:buClr>
+              <a:buNone/>
+            </a:pPr>
+            <a:r>
+              <a:rPr lang="fr-CM" dirty="0"/>
+              <a:t>Le financement </a:t>
+            </a:r>
+            <a:r>
+              <a:rPr lang="fr-CM" dirty="0" smtClean="0"/>
+              <a:t>participatif </a:t>
+            </a:r>
+            <a:r>
+              <a:rPr lang="fr-CM" dirty="0"/>
+              <a:t>est une technique de financement de projets utilisant internet comme canal de mise en </a:t>
+            </a:r>
+            <a:r>
+              <a:rPr lang="fr-CM" dirty="0" smtClean="0"/>
+              <a:t>support visant </a:t>
+            </a:r>
+            <a:r>
+              <a:rPr lang="fr-CM" dirty="0"/>
+              <a:t>à</a:t>
+            </a:r>
+            <a:r>
+              <a:rPr lang="fr-CM" dirty="0" smtClean="0"/>
+              <a:t> désintermédiation </a:t>
+            </a:r>
+            <a:r>
+              <a:rPr lang="fr-CM" dirty="0"/>
+              <a:t>des acteurs traditionnels </a:t>
+            </a:r>
+            <a:r>
+              <a:rPr lang="fr-CM" dirty="0" smtClean="0"/>
+              <a:t>du financement. </a:t>
+            </a:r>
+          </a:p>
+          <a:p>
+            <a:pPr marL="0" lvl="0" indent="0">
+              <a:lnSpc>
+                <a:spcPct val="150000"/>
+              </a:lnSpc>
+              <a:buClr>
+                <a:srgbClr val="90C226"/>
+              </a:buClr>
+              <a:buNone/>
+            </a:pPr>
+            <a:r>
+              <a:rPr lang="fr-CM" dirty="0" smtClean="0"/>
+              <a:t>La </a:t>
+            </a:r>
+            <a:r>
+              <a:rPr lang="fr-CM" dirty="0"/>
+              <a:t>philosophie du financement participatif n’est pas de tirer seulement profit de son investissement mais d’apporter une modeste contribution à </a:t>
+            </a:r>
+            <a:r>
+              <a:rPr lang="fr-CM" dirty="0" smtClean="0"/>
+              <a:t>la réalisation d’un projet.</a:t>
+            </a:r>
+            <a:endParaRPr kumimoji="0" lang="en-US" sz="1800" b="0" i="0" u="none" strike="noStrike" kern="1200" cap="none" spc="0" normalizeH="0" baseline="0" noProof="0" dirty="0">
+              <a:ln>
+                <a:noFill/>
+              </a:ln>
+              <a:solidFill>
+                <a:prstClr val="white">
+                  <a:lumMod val="75000"/>
+                  <a:lumOff val="25000"/>
+                </a:prstClr>
+              </a:solidFill>
+              <a:effectLst/>
+              <a:uLnTx/>
+              <a:uFillTx/>
+              <a:latin typeface="Trebuchet MS" panose="020B0603020202020204"/>
+              <a:ea typeface="+mn-ea"/>
+              <a:cs typeface="+mn-cs"/>
+            </a:endParaRPr>
+          </a:p>
+        </p:txBody>
+      </p:sp>
+    </p:spTree>
+    <p:extLst>
+      <p:ext uri="{BB962C8B-B14F-4D97-AF65-F5344CB8AC3E}">
+        <p14:creationId xmlns:p14="http://schemas.microsoft.com/office/powerpoint/2010/main" val="4146783608"/>
+      </p:ext>
+    </p:extLst>
+  </p:cSld>
+  <p:clrMapOvr>
+    <a:masterClrMapping/>
+  </p:clrMapOvr>
+  <mc:AlternateContent xmlns:mc="http://schemas.openxmlformats.org/markup-compatibility/2006">
+    <mc:Choice xmlns:p14="http://schemas.microsoft.com/office/powerpoint/2010/main" Requires="p14">
+      <p:transition spd="med" p14:dur="700">
+        <p:fade/>
+      </p:transition>
+    </mc:Choice>
+    <mc:Fallback>
+      <p:transition spd="med">
+        <p:fade/>
+      </p:transition>
+    </mc:Fallback>
+  </mc:AlternateContent>
+  <p:timing>
+    <p:tnLst>
+      <p:par>
+        <p:cTn id="1" dur="indefinite" restart="never" nodeType="tmRoot"/>
+      </p:par>
+    </p:tnLst>
+  </p:timing>
+</p:sld>
+</file>
+
+<file path=ppt/slides/slide11.xml><?xml version="1.0" encoding="utf-8"?>
+<p:sld xmlns:a="http://schemas.openxmlformats.org/drawingml/2006/main" xmlns:r="http://schemas.openxmlformats.org/officeDocument/2006/relationships" xmlns:p="http://schemas.openxmlformats.org/presentationml/2006/main">
+  <p:cSld>
+    <p:spTree>
+      <p:nvGrpSpPr>
+        <p:cNvPr id="1" name=""/>
+        <p:cNvGrpSpPr/>
+        <p:nvPr/>
+      </p:nvGrpSpPr>
+      <p:grpSpPr>
+        <a:xfrm>
+          <a:off x="0" y="0"/>
+          <a:ext cx="0" cy="0"/>
+          <a:chOff x="0" y="0"/>
+          <a:chExt cx="0" cy="0"/>
+        </a:xfrm>
+      </p:grpSpPr>
+      <p:sp>
+        <p:nvSpPr>
+          <p:cNvPr id="4" name="Titre 1"/>
+          <p:cNvSpPr txBox="1">
+            <a:spLocks/>
+          </p:cNvSpPr>
+          <p:nvPr/>
+        </p:nvSpPr>
+        <p:spPr>
+          <a:xfrm>
+            <a:off x="247843" y="466437"/>
+            <a:ext cx="10253902" cy="850435"/>
+          </a:xfrm>
+          <a:prstGeom prst="rect">
+            <a:avLst/>
+          </a:prstGeom>
+        </p:spPr>
+        <p:txBody>
+          <a:bodyPr vert="horz" lIns="91440" tIns="45720" rIns="91440" bIns="45720" rtlCol="0" anchor="t">
+            <a:normAutofit/>
+          </a:bodyPr>
+          <a:lstStyle>
+            <a:lvl1pPr algn="l" defTabSz="457200" rtl="0" eaLnBrk="1" latinLnBrk="0" hangingPunct="1">
+              <a:spcBef>
+                <a:spcPct val="0"/>
+              </a:spcBef>
+              <a:buNone/>
+              <a:defRPr sz="3600" kern="1200">
+                <a:solidFill>
+                  <a:schemeClr val="accent1"/>
+                </a:solidFill>
+                <a:latin typeface="+mj-lt"/>
+                <a:ea typeface="+mj-ea"/>
+                <a:cs typeface="+mj-cs"/>
+              </a:defRPr>
+            </a:lvl1pPr>
+            <a:lvl2pPr eaLnBrk="1" hangingPunct="1">
+              <a:defRPr>
+                <a:solidFill>
+                  <a:schemeClr val="tx2"/>
+                </a:solidFill>
+              </a:defRPr>
+            </a:lvl2pPr>
+            <a:lvl3pPr eaLnBrk="1" hangingPunct="1">
+              <a:defRPr>
+                <a:solidFill>
+                  <a:schemeClr val="tx2"/>
+                </a:solidFill>
+              </a:defRPr>
+            </a:lvl3pPr>
+            <a:lvl4pPr eaLnBrk="1" hangingPunct="1">
+              <a:defRPr>
+                <a:solidFill>
+                  <a:schemeClr val="tx2"/>
+                </a:solidFill>
+              </a:defRPr>
+            </a:lvl4pPr>
+            <a:lvl5pPr eaLnBrk="1" hangingPunct="1">
+              <a:defRPr>
+                <a:solidFill>
+                  <a:schemeClr val="tx2"/>
+                </a:solidFill>
+              </a:defRPr>
+            </a:lvl5pPr>
+            <a:lvl6pPr eaLnBrk="1" hangingPunct="1">
+              <a:defRPr>
+                <a:solidFill>
+                  <a:schemeClr val="tx2"/>
+                </a:solidFill>
+              </a:defRPr>
+            </a:lvl6pPr>
+            <a:lvl7pPr eaLnBrk="1" hangingPunct="1">
+              <a:defRPr>
+                <a:solidFill>
+                  <a:schemeClr val="tx2"/>
+                </a:solidFill>
+              </a:defRPr>
+            </a:lvl7pPr>
+            <a:lvl8pPr eaLnBrk="1" hangingPunct="1">
+              <a:defRPr>
+                <a:solidFill>
+                  <a:schemeClr val="tx2"/>
+                </a:solidFill>
+              </a:defRPr>
+            </a:lvl8pPr>
+            <a:lvl9pPr eaLnBrk="1" hangingPunct="1">
+              <a:defRPr>
+                <a:solidFill>
+                  <a:schemeClr val="tx2"/>
+                </a:solidFill>
+              </a:defRPr>
+            </a:lvl9pPr>
+          </a:lstStyle>
+          <a:p>
+            <a:pPr marL="0" marR="0" lvl="0" indent="0" algn="l" defTabSz="457200" rtl="0" eaLnBrk="1" fontAlgn="auto" latinLnBrk="0" hangingPunct="1">
+              <a:lnSpc>
+                <a:spcPct val="100000"/>
+              </a:lnSpc>
+              <a:spcBef>
+                <a:spcPct val="0"/>
+              </a:spcBef>
+              <a:spcAft>
+                <a:spcPts val="0"/>
+              </a:spcAft>
+              <a:buClrTx/>
+              <a:buSzTx/>
+              <a:buFontTx/>
+              <a:buNone/>
+              <a:tabLst/>
+              <a:defRPr/>
+            </a:pPr>
+            <a:r>
+              <a:rPr kumimoji="0" lang="en-US" sz="3600" b="0" i="0" u="none" strike="noStrike" kern="1200" cap="none" spc="0" normalizeH="0" baseline="0" noProof="0" dirty="0" err="1">
+                <a:ln>
+                  <a:noFill/>
+                </a:ln>
+                <a:solidFill>
+                  <a:srgbClr val="90C226"/>
+                </a:solidFill>
+                <a:effectLst/>
+                <a:uLnTx/>
+                <a:uFillTx/>
+                <a:latin typeface="Trebuchet MS" panose="020B0603020202020204"/>
+                <a:ea typeface="+mj-ea"/>
+                <a:cs typeface="+mj-cs"/>
+              </a:rPr>
+              <a:t>Présentation</a:t>
+            </a:r>
+            <a:r>
+              <a:rPr kumimoji="0" lang="en-US" sz="3600" b="0" i="0" u="none" strike="noStrike" kern="1200" cap="none" spc="0" normalizeH="0" baseline="0" noProof="0" dirty="0">
+                <a:ln>
+                  <a:noFill/>
+                </a:ln>
+                <a:solidFill>
+                  <a:srgbClr val="90C226"/>
+                </a:solidFill>
+                <a:effectLst/>
+                <a:uLnTx/>
+                <a:uFillTx/>
+                <a:latin typeface="Trebuchet MS" panose="020B0603020202020204"/>
+                <a:ea typeface="+mj-ea"/>
+                <a:cs typeface="+mj-cs"/>
+              </a:rPr>
+              <a:t> </a:t>
+            </a:r>
+            <a:r>
+              <a:rPr kumimoji="0" lang="en-US" sz="3600" b="0" i="0" u="none" strike="noStrike" kern="1200" cap="none" spc="0" normalizeH="0" baseline="0" noProof="0" dirty="0" smtClean="0">
+                <a:ln>
+                  <a:noFill/>
+                </a:ln>
+                <a:solidFill>
+                  <a:srgbClr val="90C226"/>
+                </a:solidFill>
+                <a:effectLst/>
+                <a:uLnTx/>
+                <a:uFillTx/>
+                <a:latin typeface="Trebuchet MS" panose="020B0603020202020204"/>
+                <a:ea typeface="+mj-ea"/>
+                <a:cs typeface="+mj-cs"/>
+              </a:rPr>
+              <a:t>du </a:t>
+            </a:r>
+            <a:r>
+              <a:rPr kumimoji="0" lang="en-US" sz="3600" b="0" i="0" u="none" strike="noStrike" kern="1200" cap="none" spc="0" normalizeH="0" baseline="0" noProof="0" dirty="0" err="1" smtClean="0">
+                <a:ln>
+                  <a:noFill/>
+                </a:ln>
+                <a:solidFill>
+                  <a:srgbClr val="90C226"/>
+                </a:solidFill>
+                <a:effectLst/>
+                <a:uLnTx/>
+                <a:uFillTx/>
+                <a:latin typeface="Trebuchet MS" panose="020B0603020202020204"/>
+                <a:ea typeface="+mj-ea"/>
+                <a:cs typeface="+mj-cs"/>
+              </a:rPr>
+              <a:t>projet</a:t>
+            </a:r>
+            <a:endParaRPr kumimoji="0" lang="en-US" sz="3600" b="0" i="0" u="none" strike="noStrike" kern="1200" cap="none" spc="0" normalizeH="0" baseline="0" noProof="0" dirty="0">
+              <a:ln>
+                <a:noFill/>
+              </a:ln>
+              <a:solidFill>
+                <a:srgbClr val="90C226"/>
+              </a:solidFill>
+              <a:effectLst/>
+              <a:uLnTx/>
+              <a:uFillTx/>
+              <a:latin typeface="Trebuchet MS" panose="020B0603020202020204"/>
+              <a:ea typeface="+mj-ea"/>
+              <a:cs typeface="+mj-cs"/>
+            </a:endParaRPr>
+          </a:p>
+        </p:txBody>
+      </p:sp>
+      <p:sp>
+        <p:nvSpPr>
+          <p:cNvPr id="6" name="Sous-titre 2"/>
+          <p:cNvSpPr txBox="1">
+            <a:spLocks/>
+          </p:cNvSpPr>
+          <p:nvPr/>
+        </p:nvSpPr>
+        <p:spPr>
+          <a:xfrm>
+            <a:off x="952884" y="2360826"/>
+            <a:ext cx="7766936" cy="4062276"/>
+          </a:xfrm>
+          <a:prstGeom prst="rect">
+            <a:avLst/>
+          </a:prstGeom>
+        </p:spPr>
+        <p:txBody>
+          <a:bodyPr vert="horz" lIns="91440" tIns="45720" rIns="91440" bIns="45720" rtlCol="0">
+            <a:normAutofit/>
+          </a:bodyPr>
+          <a:lstStyle>
+            <a:lvl1pPr marL="342900" indent="-342900" algn="l" defTabSz="457200" rtl="0" eaLnBrk="1" latinLnBrk="0" hangingPunct="1">
+              <a:spcBef>
+                <a:spcPts val="1000"/>
+              </a:spcBef>
+              <a:spcAft>
+                <a:spcPts val="0"/>
+              </a:spcAft>
+              <a:buClr>
+                <a:schemeClr val="accent1"/>
+              </a:buClr>
+              <a:buSzPct val="80000"/>
+              <a:buFont typeface="Wingdings 3" charset="2"/>
+              <a:buChar char=""/>
+              <a:defRPr sz="1800" kern="1200">
+                <a:solidFill>
+                  <a:schemeClr val="tx1">
+                    <a:lumMod val="75000"/>
+                    <a:lumOff val="25000"/>
+                  </a:schemeClr>
+                </a:solidFill>
+                <a:latin typeface="+mn-lt"/>
+                <a:ea typeface="+mn-ea"/>
+                <a:cs typeface="+mn-cs"/>
+              </a:defRPr>
+            </a:lvl1pPr>
+            <a:lvl2pPr marL="742950" indent="-285750" algn="l" defTabSz="457200" rtl="0" eaLnBrk="1" latinLnBrk="0" hangingPunct="1">
+              <a:spcBef>
+                <a:spcPts val="1000"/>
+              </a:spcBef>
+              <a:spcAft>
+                <a:spcPts val="0"/>
+              </a:spcAft>
+              <a:buClr>
+                <a:schemeClr val="accent1"/>
+              </a:buClr>
+              <a:buSzPct val="80000"/>
+              <a:buFont typeface="Wingdings 3" charset="2"/>
+              <a:buChar char=""/>
+              <a:defRPr sz="1600" kern="1200">
+                <a:solidFill>
+                  <a:schemeClr val="tx1">
+                    <a:lumMod val="75000"/>
+                    <a:lumOff val="25000"/>
+                  </a:schemeClr>
+                </a:solidFill>
+                <a:latin typeface="+mn-lt"/>
+                <a:ea typeface="+mn-ea"/>
+                <a:cs typeface="+mn-cs"/>
+              </a:defRPr>
+            </a:lvl2pPr>
+            <a:lvl3pPr marL="1143000" indent="-228600" algn="l" defTabSz="457200" rtl="0" eaLnBrk="1" latinLnBrk="0" hangingPunct="1">
+              <a:spcBef>
+                <a:spcPts val="1000"/>
+              </a:spcBef>
+              <a:spcAft>
+                <a:spcPts val="0"/>
+              </a:spcAft>
+              <a:buClr>
+                <a:schemeClr val="accent1"/>
+              </a:buClr>
+              <a:buSzPct val="80000"/>
+              <a:buFont typeface="Wingdings 3" charset="2"/>
+              <a:buChar char=""/>
+              <a:defRPr sz="1400" kern="1200">
+                <a:solidFill>
+                  <a:schemeClr val="tx1">
+                    <a:lumMod val="75000"/>
+                    <a:lumOff val="25000"/>
+                  </a:schemeClr>
+                </a:solidFill>
+                <a:latin typeface="+mn-lt"/>
+                <a:ea typeface="+mn-ea"/>
+                <a:cs typeface="+mn-cs"/>
+              </a:defRPr>
+            </a:lvl3pPr>
+            <a:lvl4pPr marL="1600200" indent="-228600" algn="l" defTabSz="457200" rtl="0" eaLnBrk="1" latinLnBrk="0" hangingPunct="1">
+              <a:spcBef>
+                <a:spcPts val="1000"/>
+              </a:spcBef>
+              <a:spcAft>
+                <a:spcPts val="0"/>
+              </a:spcAft>
+              <a:buClr>
+                <a:schemeClr val="accent1"/>
+              </a:buClr>
+              <a:buSzPct val="80000"/>
+              <a:buFont typeface="Wingdings 3" charset="2"/>
+              <a:buChar char=""/>
+              <a:defRPr sz="1200" kern="1200">
+                <a:solidFill>
+                  <a:schemeClr val="tx1">
+                    <a:lumMod val="75000"/>
+                    <a:lumOff val="25000"/>
+                  </a:schemeClr>
+                </a:solidFill>
+                <a:latin typeface="+mn-lt"/>
+                <a:ea typeface="+mn-ea"/>
+                <a:cs typeface="+mn-cs"/>
+              </a:defRPr>
+            </a:lvl4pPr>
+            <a:lvl5pPr marL="2057400" indent="-228600" algn="l" defTabSz="457200" rtl="0" eaLnBrk="1" latinLnBrk="0" hangingPunct="1">
+              <a:spcBef>
+                <a:spcPts val="1000"/>
+              </a:spcBef>
+              <a:spcAft>
+                <a:spcPts val="0"/>
+              </a:spcAft>
+              <a:buClr>
+                <a:schemeClr val="accent1"/>
+              </a:buClr>
+              <a:buSzPct val="80000"/>
+              <a:buFont typeface="Wingdings 3" charset="2"/>
+              <a:buChar char=""/>
+              <a:defRPr sz="1200" kern="1200">
+                <a:solidFill>
+                  <a:schemeClr val="tx1">
+                    <a:lumMod val="75000"/>
+                    <a:lumOff val="25000"/>
+                  </a:schemeClr>
+                </a:solidFill>
+                <a:latin typeface="+mn-lt"/>
+                <a:ea typeface="+mn-ea"/>
+                <a:cs typeface="+mn-cs"/>
+              </a:defRPr>
+            </a:lvl5pPr>
+            <a:lvl6pPr marL="2514600" indent="-228600" algn="l" defTabSz="457200" rtl="0" eaLnBrk="1" latinLnBrk="0" hangingPunct="1">
+              <a:spcBef>
+                <a:spcPts val="1000"/>
+              </a:spcBef>
+              <a:spcAft>
+                <a:spcPts val="0"/>
+              </a:spcAft>
+              <a:buClr>
+                <a:schemeClr val="accent1"/>
+              </a:buClr>
+              <a:buSzPct val="80000"/>
+              <a:buFont typeface="Wingdings 3" charset="2"/>
+              <a:buChar char=""/>
+              <a:defRPr sz="1200" kern="1200">
+                <a:solidFill>
+                  <a:schemeClr val="tx1">
+                    <a:lumMod val="75000"/>
+                    <a:lumOff val="25000"/>
+                  </a:schemeClr>
+                </a:solidFill>
+                <a:latin typeface="+mn-lt"/>
+                <a:ea typeface="+mn-ea"/>
+                <a:cs typeface="+mn-cs"/>
+              </a:defRPr>
+            </a:lvl6pPr>
+            <a:lvl7pPr marL="2971800" indent="-228600" algn="l" defTabSz="457200" rtl="0" eaLnBrk="1" latinLnBrk="0" hangingPunct="1">
+              <a:spcBef>
+                <a:spcPts val="1000"/>
+              </a:spcBef>
+              <a:spcAft>
+                <a:spcPts val="0"/>
+              </a:spcAft>
+              <a:buClr>
+                <a:schemeClr val="accent1"/>
+              </a:buClr>
+              <a:buSzPct val="80000"/>
+              <a:buFont typeface="Wingdings 3" charset="2"/>
+              <a:buChar char=""/>
+              <a:defRPr sz="1200" kern="1200">
+                <a:solidFill>
+                  <a:schemeClr val="tx1">
+                    <a:lumMod val="75000"/>
+                    <a:lumOff val="25000"/>
+                  </a:schemeClr>
+                </a:solidFill>
+                <a:latin typeface="+mn-lt"/>
+                <a:ea typeface="+mn-ea"/>
+                <a:cs typeface="+mn-cs"/>
+              </a:defRPr>
+            </a:lvl7pPr>
+            <a:lvl8pPr marL="3429000" indent="-228600" algn="l" defTabSz="457200" rtl="0" eaLnBrk="1" latinLnBrk="0" hangingPunct="1">
+              <a:spcBef>
+                <a:spcPts val="1000"/>
+              </a:spcBef>
+              <a:spcAft>
+                <a:spcPts val="0"/>
+              </a:spcAft>
+              <a:buClr>
+                <a:schemeClr val="accent1"/>
+              </a:buClr>
+              <a:buSzPct val="80000"/>
+              <a:buFont typeface="Wingdings 3" charset="2"/>
+              <a:buChar char=""/>
+              <a:defRPr sz="1200" kern="1200">
+                <a:solidFill>
+                  <a:schemeClr val="tx1">
+                    <a:lumMod val="75000"/>
+                    <a:lumOff val="25000"/>
+                  </a:schemeClr>
+                </a:solidFill>
+                <a:latin typeface="+mn-lt"/>
+                <a:ea typeface="+mn-ea"/>
+                <a:cs typeface="+mn-cs"/>
+              </a:defRPr>
+            </a:lvl8pPr>
+            <a:lvl9pPr marL="3886200" indent="-228600" algn="l" defTabSz="457200" rtl="0" eaLnBrk="1" latinLnBrk="0" hangingPunct="1">
+              <a:spcBef>
+                <a:spcPts val="1000"/>
+              </a:spcBef>
+              <a:spcAft>
+                <a:spcPts val="0"/>
+              </a:spcAft>
+              <a:buClr>
+                <a:schemeClr val="accent1"/>
+              </a:buClr>
+              <a:buSzPct val="80000"/>
+              <a:buFont typeface="Wingdings 3" charset="2"/>
+              <a:buChar char=""/>
+              <a:defRPr sz="1200" kern="1200">
+                <a:solidFill>
+                  <a:schemeClr val="tx1">
+                    <a:lumMod val="75000"/>
+                    <a:lumOff val="25000"/>
+                  </a:schemeClr>
+                </a:solidFill>
+                <a:latin typeface="+mn-lt"/>
+                <a:ea typeface="+mn-ea"/>
+                <a:cs typeface="+mn-cs"/>
+              </a:defRPr>
+            </a:lvl9pPr>
+          </a:lstStyle>
+          <a:p>
+            <a:pPr marL="0" lvl="0" indent="0">
+              <a:lnSpc>
+                <a:spcPct val="150000"/>
+              </a:lnSpc>
+              <a:buClr>
+                <a:srgbClr val="90C226"/>
+              </a:buClr>
+              <a:buNone/>
+            </a:pPr>
+            <a:r>
+              <a:rPr lang="fr-CM" dirty="0" smtClean="0"/>
+              <a:t>Cette pratique </a:t>
+            </a:r>
+            <a:r>
+              <a:rPr lang="fr-CM" dirty="0"/>
+              <a:t>naît</a:t>
+            </a:r>
+            <a:r>
+              <a:rPr lang="fr-CM" dirty="0" smtClean="0"/>
+              <a:t> dans </a:t>
+            </a:r>
+            <a:r>
+              <a:rPr lang="fr-CM" dirty="0"/>
+              <a:t>les pays développés notamment aux Etats Unis par les deux plates-formes américaines </a:t>
+            </a:r>
+            <a:r>
+              <a:rPr lang="fr-CM" dirty="0" err="1">
+                <a:hlinkClick r:id="rId2"/>
+              </a:rPr>
+              <a:t>indiegogo</a:t>
+            </a:r>
+            <a:r>
+              <a:rPr lang="fr-CM" dirty="0"/>
+              <a:t> (lancée en 2008) et </a:t>
+            </a:r>
+            <a:r>
+              <a:rPr lang="fr-CM" dirty="0" err="1">
+                <a:hlinkClick r:id="rId3"/>
+              </a:rPr>
+              <a:t>kickstarter</a:t>
+            </a:r>
+            <a:r>
+              <a:rPr lang="en-US" dirty="0"/>
+              <a:t> </a:t>
+            </a:r>
+            <a:r>
+              <a:rPr lang="fr-CM" dirty="0"/>
+              <a:t> (créée en 2009</a:t>
+            </a:r>
+            <a:r>
+              <a:rPr lang="fr-CM" dirty="0" smtClean="0"/>
+              <a:t>).</a:t>
+            </a:r>
+          </a:p>
+          <a:p>
+            <a:pPr marL="0" lvl="0" indent="0">
+              <a:lnSpc>
+                <a:spcPct val="150000"/>
+              </a:lnSpc>
+              <a:buClr>
+                <a:srgbClr val="90C226"/>
+              </a:buClr>
+              <a:buNone/>
+            </a:pPr>
+            <a:endParaRPr kumimoji="0" lang="fr-CM" sz="1800" b="0" i="0" u="none" strike="noStrike" kern="1200" cap="none" spc="0" normalizeH="0" baseline="0" noProof="0" dirty="0" smtClean="0">
+              <a:ln>
+                <a:noFill/>
+              </a:ln>
+              <a:solidFill>
+                <a:prstClr val="white">
+                  <a:lumMod val="75000"/>
+                  <a:lumOff val="25000"/>
+                </a:prstClr>
+              </a:solidFill>
+              <a:effectLst/>
+              <a:uLnTx/>
+              <a:uFillTx/>
+              <a:latin typeface="Trebuchet MS" panose="020B0603020202020204"/>
+              <a:ea typeface="+mn-ea"/>
+              <a:cs typeface="+mn-cs"/>
+            </a:endParaRPr>
+          </a:p>
+          <a:p>
+            <a:pPr marL="0" lvl="0" indent="0">
+              <a:lnSpc>
+                <a:spcPct val="150000"/>
+              </a:lnSpc>
+              <a:buClr>
+                <a:srgbClr val="90C226"/>
+              </a:buClr>
+              <a:buNone/>
+            </a:pPr>
+            <a:r>
+              <a:rPr lang="fr-CM" noProof="0" dirty="0" smtClean="0">
+                <a:solidFill>
+                  <a:prstClr val="white">
+                    <a:lumMod val="75000"/>
+                    <a:lumOff val="25000"/>
+                  </a:prstClr>
+                </a:solidFill>
+                <a:latin typeface="Trebuchet MS" panose="020B0603020202020204"/>
+              </a:rPr>
+              <a:t>Il a fait ses preuves par </a:t>
+            </a:r>
+            <a:r>
+              <a:rPr lang="fr-CM" dirty="0" smtClean="0"/>
+              <a:t>la </a:t>
+            </a:r>
+            <a:r>
+              <a:rPr lang="fr-CM" dirty="0"/>
+              <a:t>levée de 150 Millions de dollars </a:t>
+            </a:r>
+            <a:r>
+              <a:rPr lang="fr-CM" noProof="0" dirty="0" smtClean="0">
+                <a:solidFill>
+                  <a:prstClr val="white">
+                    <a:lumMod val="75000"/>
+                    <a:lumOff val="25000"/>
+                  </a:prstClr>
+                </a:solidFill>
+                <a:latin typeface="Trebuchet MS" panose="020B0603020202020204"/>
+              </a:rPr>
+              <a:t> par  </a:t>
+            </a:r>
+            <a:r>
+              <a:rPr lang="fr-CM" dirty="0" smtClean="0"/>
+              <a:t>Barack </a:t>
+            </a:r>
+            <a:r>
+              <a:rPr lang="fr-CM" dirty="0"/>
+              <a:t>Obama pour financer sa campagne électorale en 2012.</a:t>
+            </a:r>
+            <a:endParaRPr kumimoji="0" lang="fr-CM" sz="1800" b="0" i="0" u="none" strike="noStrike" kern="1200" cap="none" spc="0" normalizeH="0" baseline="0" noProof="0" dirty="0">
+              <a:ln>
+                <a:noFill/>
+              </a:ln>
+              <a:solidFill>
+                <a:prstClr val="white">
+                  <a:lumMod val="75000"/>
+                  <a:lumOff val="25000"/>
+                </a:prstClr>
+              </a:solidFill>
+              <a:effectLst/>
+              <a:uLnTx/>
+              <a:uFillTx/>
+              <a:latin typeface="Trebuchet MS" panose="020B0603020202020204"/>
+              <a:ea typeface="+mn-ea"/>
+              <a:cs typeface="+mn-cs"/>
+            </a:endParaRPr>
+          </a:p>
+          <a:p>
+            <a:pPr marL="0" lvl="0" indent="0">
+              <a:lnSpc>
+                <a:spcPct val="150000"/>
+              </a:lnSpc>
+              <a:buClr>
+                <a:srgbClr val="90C226"/>
+              </a:buClr>
+              <a:buNone/>
+            </a:pPr>
+            <a:endParaRPr kumimoji="0" lang="en-US" sz="1800" b="0" i="0" u="none" strike="noStrike" kern="1200" cap="none" spc="0" normalizeH="0" baseline="0" noProof="0" dirty="0">
+              <a:ln>
+                <a:noFill/>
+              </a:ln>
+              <a:solidFill>
+                <a:prstClr val="white">
+                  <a:lumMod val="75000"/>
+                  <a:lumOff val="25000"/>
+                </a:prstClr>
+              </a:solidFill>
+              <a:effectLst/>
+              <a:uLnTx/>
+              <a:uFillTx/>
+              <a:latin typeface="Trebuchet MS" panose="020B0603020202020204"/>
+              <a:ea typeface="+mn-ea"/>
+              <a:cs typeface="+mn-cs"/>
+            </a:endParaRPr>
+          </a:p>
+        </p:txBody>
+      </p:sp>
+    </p:spTree>
+    <p:extLst>
+      <p:ext uri="{BB962C8B-B14F-4D97-AF65-F5344CB8AC3E}">
+        <p14:creationId xmlns:p14="http://schemas.microsoft.com/office/powerpoint/2010/main" val="3821556881"/>
+      </p:ext>
+    </p:extLst>
+  </p:cSld>
+  <p:clrMapOvr>
+    <a:masterClrMapping/>
+  </p:clrMapOvr>
+  <mc:AlternateContent xmlns:mc="http://schemas.openxmlformats.org/markup-compatibility/2006">
+    <mc:Choice xmlns:p14="http://schemas.microsoft.com/office/powerpoint/2010/main" Requires="p14">
+      <p:transition spd="med" p14:dur="700">
+        <p:fade/>
+      </p:transition>
+    </mc:Choice>
+    <mc:Fallback>
+      <p:transition spd="med">
+        <p:fade/>
+      </p:transition>
+    </mc:Fallback>
+  </mc:AlternateContent>
+  <p:timing>
+    <p:tnLst>
+      <p:par>
+        <p:cTn id="1" dur="indefinite" restart="never" nodeType="tmRoot"/>
+      </p:par>
+    </p:tnLst>
+  </p:timing>
+</p:sld>
+</file>
+
+<file path=ppt/slides/slide12.xml><?xml version="1.0" encoding="utf-8"?>
+<p:sld xmlns:a="http://schemas.openxmlformats.org/drawingml/2006/main" xmlns:r="http://schemas.openxmlformats.org/officeDocument/2006/relationships" xmlns:p="http://schemas.openxmlformats.org/presentationml/2006/main">
+  <p:cSld>
+    <p:spTree>
+      <p:nvGrpSpPr>
+        <p:cNvPr id="1" name=""/>
+        <p:cNvGrpSpPr/>
+        <p:nvPr/>
+      </p:nvGrpSpPr>
+      <p:grpSpPr>
+        <a:xfrm>
+          <a:off x="0" y="0"/>
+          <a:ext cx="0" cy="0"/>
+          <a:chOff x="0" y="0"/>
+          <a:chExt cx="0" cy="0"/>
+        </a:xfrm>
+      </p:grpSpPr>
+      <p:sp>
+        <p:nvSpPr>
+          <p:cNvPr id="4" name="Titre 1"/>
+          <p:cNvSpPr txBox="1">
+            <a:spLocks/>
+          </p:cNvSpPr>
+          <p:nvPr/>
+        </p:nvSpPr>
+        <p:spPr>
+          <a:xfrm>
+            <a:off x="247843" y="466437"/>
+            <a:ext cx="10253902" cy="850435"/>
+          </a:xfrm>
+          <a:prstGeom prst="rect">
+            <a:avLst/>
+          </a:prstGeom>
+        </p:spPr>
+        <p:txBody>
+          <a:bodyPr vert="horz" lIns="91440" tIns="45720" rIns="91440" bIns="45720" rtlCol="0" anchor="t">
+            <a:normAutofit/>
+          </a:bodyPr>
+          <a:lstStyle>
+            <a:lvl1pPr algn="l" defTabSz="457200" rtl="0" eaLnBrk="1" latinLnBrk="0" hangingPunct="1">
+              <a:spcBef>
+                <a:spcPct val="0"/>
+              </a:spcBef>
+              <a:buNone/>
+              <a:defRPr sz="3600" kern="1200">
+                <a:solidFill>
+                  <a:schemeClr val="accent1"/>
+                </a:solidFill>
+                <a:latin typeface="+mj-lt"/>
+                <a:ea typeface="+mj-ea"/>
+                <a:cs typeface="+mj-cs"/>
+              </a:defRPr>
+            </a:lvl1pPr>
+            <a:lvl2pPr eaLnBrk="1" hangingPunct="1">
+              <a:defRPr>
+                <a:solidFill>
+                  <a:schemeClr val="tx2"/>
+                </a:solidFill>
+              </a:defRPr>
+            </a:lvl2pPr>
+            <a:lvl3pPr eaLnBrk="1" hangingPunct="1">
+              <a:defRPr>
+                <a:solidFill>
+                  <a:schemeClr val="tx2"/>
+                </a:solidFill>
+              </a:defRPr>
+            </a:lvl3pPr>
+            <a:lvl4pPr eaLnBrk="1" hangingPunct="1">
+              <a:defRPr>
+                <a:solidFill>
+                  <a:schemeClr val="tx2"/>
+                </a:solidFill>
+              </a:defRPr>
+            </a:lvl4pPr>
+            <a:lvl5pPr eaLnBrk="1" hangingPunct="1">
+              <a:defRPr>
+                <a:solidFill>
+                  <a:schemeClr val="tx2"/>
+                </a:solidFill>
+              </a:defRPr>
+            </a:lvl5pPr>
+            <a:lvl6pPr eaLnBrk="1" hangingPunct="1">
+              <a:defRPr>
+                <a:solidFill>
+                  <a:schemeClr val="tx2"/>
+                </a:solidFill>
+              </a:defRPr>
+            </a:lvl6pPr>
+            <a:lvl7pPr eaLnBrk="1" hangingPunct="1">
+              <a:defRPr>
+                <a:solidFill>
+                  <a:schemeClr val="tx2"/>
+                </a:solidFill>
+              </a:defRPr>
+            </a:lvl7pPr>
+            <a:lvl8pPr eaLnBrk="1" hangingPunct="1">
+              <a:defRPr>
+                <a:solidFill>
+                  <a:schemeClr val="tx2"/>
+                </a:solidFill>
+              </a:defRPr>
+            </a:lvl8pPr>
+            <a:lvl9pPr eaLnBrk="1" hangingPunct="1">
+              <a:defRPr>
+                <a:solidFill>
+                  <a:schemeClr val="tx2"/>
+                </a:solidFill>
+              </a:defRPr>
+            </a:lvl9pPr>
+          </a:lstStyle>
+          <a:p>
+            <a:pPr lvl="0">
+              <a:defRPr/>
+            </a:pPr>
+            <a:r>
+              <a:rPr lang="en-US" dirty="0" err="1" smtClean="0">
+                <a:solidFill>
+                  <a:srgbClr val="90C226"/>
+                </a:solidFill>
+              </a:rPr>
+              <a:t>Problématique</a:t>
+            </a:r>
+            <a:endParaRPr lang="en-US" dirty="0">
+              <a:solidFill>
+                <a:srgbClr val="90C226"/>
+              </a:solidFill>
+            </a:endParaRPr>
+          </a:p>
+        </p:txBody>
+      </p:sp>
+      <p:sp>
+        <p:nvSpPr>
+          <p:cNvPr id="6" name="Sous-titre 2"/>
+          <p:cNvSpPr txBox="1">
+            <a:spLocks/>
+          </p:cNvSpPr>
+          <p:nvPr/>
+        </p:nvSpPr>
+        <p:spPr>
+          <a:xfrm>
+            <a:off x="807918" y="2702554"/>
+            <a:ext cx="7766936" cy="1452891"/>
+          </a:xfrm>
+          <a:prstGeom prst="rect">
+            <a:avLst/>
+          </a:prstGeom>
+        </p:spPr>
+        <p:txBody>
+          <a:bodyPr vert="horz" lIns="91440" tIns="45720" rIns="91440" bIns="45720" rtlCol="0">
+            <a:normAutofit/>
+          </a:bodyPr>
+          <a:lstStyle>
+            <a:lvl1pPr marL="342900" indent="-342900" algn="l" defTabSz="457200" rtl="0" eaLnBrk="1" latinLnBrk="0" hangingPunct="1">
+              <a:spcBef>
+                <a:spcPts val="1000"/>
+              </a:spcBef>
+              <a:spcAft>
+                <a:spcPts val="0"/>
+              </a:spcAft>
+              <a:buClr>
+                <a:schemeClr val="accent1"/>
+              </a:buClr>
+              <a:buSzPct val="80000"/>
+              <a:buFont typeface="Wingdings 3" charset="2"/>
+              <a:buChar char=""/>
+              <a:defRPr sz="1800" kern="1200">
+                <a:solidFill>
+                  <a:schemeClr val="tx1">
+                    <a:lumMod val="75000"/>
+                    <a:lumOff val="25000"/>
+                  </a:schemeClr>
+                </a:solidFill>
+                <a:latin typeface="+mn-lt"/>
+                <a:ea typeface="+mn-ea"/>
+                <a:cs typeface="+mn-cs"/>
+              </a:defRPr>
+            </a:lvl1pPr>
+            <a:lvl2pPr marL="742950" indent="-285750" algn="l" defTabSz="457200" rtl="0" eaLnBrk="1" latinLnBrk="0" hangingPunct="1">
+              <a:spcBef>
+                <a:spcPts val="1000"/>
+              </a:spcBef>
+              <a:spcAft>
+                <a:spcPts val="0"/>
+              </a:spcAft>
+              <a:buClr>
+                <a:schemeClr val="accent1"/>
+              </a:buClr>
+              <a:buSzPct val="80000"/>
+              <a:buFont typeface="Wingdings 3" charset="2"/>
+              <a:buChar char=""/>
+              <a:defRPr sz="1600" kern="1200">
+                <a:solidFill>
+                  <a:schemeClr val="tx1">
+                    <a:lumMod val="75000"/>
+                    <a:lumOff val="25000"/>
+                  </a:schemeClr>
+                </a:solidFill>
+                <a:latin typeface="+mn-lt"/>
+                <a:ea typeface="+mn-ea"/>
+                <a:cs typeface="+mn-cs"/>
+              </a:defRPr>
+            </a:lvl2pPr>
+            <a:lvl3pPr marL="1143000" indent="-228600" algn="l" defTabSz="457200" rtl="0" eaLnBrk="1" latinLnBrk="0" hangingPunct="1">
+              <a:spcBef>
+                <a:spcPts val="1000"/>
+              </a:spcBef>
+              <a:spcAft>
+                <a:spcPts val="0"/>
+              </a:spcAft>
+              <a:buClr>
+                <a:schemeClr val="accent1"/>
+              </a:buClr>
+              <a:buSzPct val="80000"/>
+              <a:buFont typeface="Wingdings 3" charset="2"/>
+              <a:buChar char=""/>
+              <a:defRPr sz="1400" kern="1200">
+                <a:solidFill>
+                  <a:schemeClr val="tx1">
+                    <a:lumMod val="75000"/>
+                    <a:lumOff val="25000"/>
+                  </a:schemeClr>
+                </a:solidFill>
+                <a:latin typeface="+mn-lt"/>
+                <a:ea typeface="+mn-ea"/>
+                <a:cs typeface="+mn-cs"/>
+              </a:defRPr>
+            </a:lvl3pPr>
+            <a:lvl4pPr marL="1600200" indent="-228600" algn="l" defTabSz="457200" rtl="0" eaLnBrk="1" latinLnBrk="0" hangingPunct="1">
+              <a:spcBef>
+                <a:spcPts val="1000"/>
+              </a:spcBef>
+              <a:spcAft>
+                <a:spcPts val="0"/>
+              </a:spcAft>
+              <a:buClr>
+                <a:schemeClr val="accent1"/>
+              </a:buClr>
+              <a:buSzPct val="80000"/>
+              <a:buFont typeface="Wingdings 3" charset="2"/>
+              <a:buChar char=""/>
+              <a:defRPr sz="1200" kern="1200">
+                <a:solidFill>
+                  <a:schemeClr val="tx1">
+                    <a:lumMod val="75000"/>
+                    <a:lumOff val="25000"/>
+                  </a:schemeClr>
+                </a:solidFill>
+                <a:latin typeface="+mn-lt"/>
+                <a:ea typeface="+mn-ea"/>
+                <a:cs typeface="+mn-cs"/>
+              </a:defRPr>
+            </a:lvl4pPr>
+            <a:lvl5pPr marL="2057400" indent="-228600" algn="l" defTabSz="457200" rtl="0" eaLnBrk="1" latinLnBrk="0" hangingPunct="1">
+              <a:spcBef>
+                <a:spcPts val="1000"/>
+              </a:spcBef>
+              <a:spcAft>
+                <a:spcPts val="0"/>
+              </a:spcAft>
+              <a:buClr>
+                <a:schemeClr val="accent1"/>
+              </a:buClr>
+              <a:buSzPct val="80000"/>
+              <a:buFont typeface="Wingdings 3" charset="2"/>
+              <a:buChar char=""/>
+              <a:defRPr sz="1200" kern="1200">
+                <a:solidFill>
+                  <a:schemeClr val="tx1">
+                    <a:lumMod val="75000"/>
+                    <a:lumOff val="25000"/>
+                  </a:schemeClr>
+                </a:solidFill>
+                <a:latin typeface="+mn-lt"/>
+                <a:ea typeface="+mn-ea"/>
+                <a:cs typeface="+mn-cs"/>
+              </a:defRPr>
+            </a:lvl5pPr>
+            <a:lvl6pPr marL="2514600" indent="-228600" algn="l" defTabSz="457200" rtl="0" eaLnBrk="1" latinLnBrk="0" hangingPunct="1">
+              <a:spcBef>
+                <a:spcPts val="1000"/>
+              </a:spcBef>
+              <a:spcAft>
+                <a:spcPts val="0"/>
+              </a:spcAft>
+              <a:buClr>
+                <a:schemeClr val="accent1"/>
+              </a:buClr>
+              <a:buSzPct val="80000"/>
+              <a:buFont typeface="Wingdings 3" charset="2"/>
+              <a:buChar char=""/>
+              <a:defRPr sz="1200" kern="1200">
+                <a:solidFill>
+                  <a:schemeClr val="tx1">
+                    <a:lumMod val="75000"/>
+                    <a:lumOff val="25000"/>
+                  </a:schemeClr>
+                </a:solidFill>
+                <a:latin typeface="+mn-lt"/>
+                <a:ea typeface="+mn-ea"/>
+                <a:cs typeface="+mn-cs"/>
+              </a:defRPr>
+            </a:lvl6pPr>
+            <a:lvl7pPr marL="2971800" indent="-228600" algn="l" defTabSz="457200" rtl="0" eaLnBrk="1" latinLnBrk="0" hangingPunct="1">
+              <a:spcBef>
+                <a:spcPts val="1000"/>
+              </a:spcBef>
+              <a:spcAft>
+                <a:spcPts val="0"/>
+              </a:spcAft>
+              <a:buClr>
+                <a:schemeClr val="accent1"/>
+              </a:buClr>
+              <a:buSzPct val="80000"/>
+              <a:buFont typeface="Wingdings 3" charset="2"/>
+              <a:buChar char=""/>
+              <a:defRPr sz="1200" kern="1200">
+                <a:solidFill>
+                  <a:schemeClr val="tx1">
+                    <a:lumMod val="75000"/>
+                    <a:lumOff val="25000"/>
+                  </a:schemeClr>
+                </a:solidFill>
+                <a:latin typeface="+mn-lt"/>
+                <a:ea typeface="+mn-ea"/>
+                <a:cs typeface="+mn-cs"/>
+              </a:defRPr>
+            </a:lvl7pPr>
+            <a:lvl8pPr marL="3429000" indent="-228600" algn="l" defTabSz="457200" rtl="0" eaLnBrk="1" latinLnBrk="0" hangingPunct="1">
+              <a:spcBef>
+                <a:spcPts val="1000"/>
+              </a:spcBef>
+              <a:spcAft>
+                <a:spcPts val="0"/>
+              </a:spcAft>
+              <a:buClr>
+                <a:schemeClr val="accent1"/>
+              </a:buClr>
+              <a:buSzPct val="80000"/>
+              <a:buFont typeface="Wingdings 3" charset="2"/>
+              <a:buChar char=""/>
+              <a:defRPr sz="1200" kern="1200">
+                <a:solidFill>
+                  <a:schemeClr val="tx1">
+                    <a:lumMod val="75000"/>
+                    <a:lumOff val="25000"/>
+                  </a:schemeClr>
+                </a:solidFill>
+                <a:latin typeface="+mn-lt"/>
+                <a:ea typeface="+mn-ea"/>
+                <a:cs typeface="+mn-cs"/>
+              </a:defRPr>
+            </a:lvl8pPr>
+            <a:lvl9pPr marL="3886200" indent="-228600" algn="l" defTabSz="457200" rtl="0" eaLnBrk="1" latinLnBrk="0" hangingPunct="1">
+              <a:spcBef>
+                <a:spcPts val="1000"/>
+              </a:spcBef>
+              <a:spcAft>
+                <a:spcPts val="0"/>
+              </a:spcAft>
+              <a:buClr>
+                <a:schemeClr val="accent1"/>
+              </a:buClr>
+              <a:buSzPct val="80000"/>
+              <a:buFont typeface="Wingdings 3" charset="2"/>
+              <a:buChar char=""/>
+              <a:defRPr sz="1200" kern="1200">
+                <a:solidFill>
+                  <a:schemeClr val="tx1">
+                    <a:lumMod val="75000"/>
+                    <a:lumOff val="25000"/>
+                  </a:schemeClr>
+                </a:solidFill>
+                <a:latin typeface="+mn-lt"/>
+                <a:ea typeface="+mn-ea"/>
+                <a:cs typeface="+mn-cs"/>
+              </a:defRPr>
+            </a:lvl9pPr>
+          </a:lstStyle>
+          <a:p>
+            <a:pPr marL="180340" indent="0">
+              <a:lnSpc>
+                <a:spcPct val="150000"/>
+              </a:lnSpc>
+              <a:spcAft>
+                <a:spcPts val="800"/>
+              </a:spcAft>
+              <a:buNone/>
+              <a:tabLst>
+                <a:tab pos="270510" algn="l"/>
+              </a:tabLst>
+            </a:pPr>
+            <a:r>
+              <a:rPr lang="fr-CM" dirty="0">
+                <a:latin typeface="Arial" panose="020B0604020202020204" pitchFamily="34" charset="0"/>
+                <a:ea typeface="Calibri" panose="020F0502020204030204" pitchFamily="34" charset="0"/>
+                <a:cs typeface="Arial" panose="020B0604020202020204" pitchFamily="34" charset="0"/>
+              </a:rPr>
+              <a:t>Les entrepreneurs souhaitent percevoir des financements pour leurs projets et les apporteurs de capitaux quant à eux recherchent des projets à financer. </a:t>
+            </a:r>
+            <a:endParaRPr lang="en-US" dirty="0">
+              <a:latin typeface="Arial" panose="020B0604020202020204" pitchFamily="34" charset="0"/>
+              <a:ea typeface="Calibri" panose="020F0502020204030204" pitchFamily="34" charset="0"/>
+              <a:cs typeface="Arial" panose="020B0604020202020204" pitchFamily="34" charset="0"/>
+            </a:endParaRPr>
+          </a:p>
+        </p:txBody>
+      </p:sp>
+    </p:spTree>
+    <p:extLst>
+      <p:ext uri="{BB962C8B-B14F-4D97-AF65-F5344CB8AC3E}">
+        <p14:creationId xmlns:p14="http://schemas.microsoft.com/office/powerpoint/2010/main" val="1125902104"/>
+      </p:ext>
+    </p:extLst>
+  </p:cSld>
+  <p:clrMapOvr>
+    <a:masterClrMapping/>
+  </p:clrMapOvr>
+  <mc:AlternateContent xmlns:mc="http://schemas.openxmlformats.org/markup-compatibility/2006">
+    <mc:Choice xmlns:p14="http://schemas.microsoft.com/office/powerpoint/2010/main" Requires="p14">
+      <p:transition spd="med" p14:dur="700">
+        <p:fade/>
+      </p:transition>
+    </mc:Choice>
+    <mc:Fallback>
+      <p:transition spd="med">
+        <p:fade/>
+      </p:transition>
+    </mc:Fallback>
+  </mc:AlternateContent>
+  <p:timing>
+    <p:tnLst>
+      <p:par>
+        <p:cTn id="1" dur="indefinite" restart="never" nodeType="tmRoot"/>
+      </p:par>
+    </p:tnLst>
+  </p:timing>
+</p:sld>
+</file>
+
+<file path=ppt/slides/slide13.xml><?xml version="1.0" encoding="utf-8"?>
+<p:sld xmlns:a="http://schemas.openxmlformats.org/drawingml/2006/main" xmlns:r="http://schemas.openxmlformats.org/officeDocument/2006/relationships" xmlns:p="http://schemas.openxmlformats.org/presentationml/2006/main">
+  <p:cSld>
+    <p:spTree>
+      <p:nvGrpSpPr>
+        <p:cNvPr id="1" name=""/>
+        <p:cNvGrpSpPr/>
+        <p:nvPr/>
+      </p:nvGrpSpPr>
+      <p:grpSpPr>
+        <a:xfrm>
+          <a:off x="0" y="0"/>
+          <a:ext cx="0" cy="0"/>
+          <a:chOff x="0" y="0"/>
+          <a:chExt cx="0" cy="0"/>
+        </a:xfrm>
+      </p:grpSpPr>
+      <p:sp>
+        <p:nvSpPr>
+          <p:cNvPr id="4" name="Titre 1"/>
+          <p:cNvSpPr txBox="1">
+            <a:spLocks/>
+          </p:cNvSpPr>
+          <p:nvPr/>
+        </p:nvSpPr>
+        <p:spPr>
+          <a:xfrm>
+            <a:off x="247843" y="466437"/>
+            <a:ext cx="10253902" cy="850435"/>
+          </a:xfrm>
+          <a:prstGeom prst="rect">
+            <a:avLst/>
+          </a:prstGeom>
+        </p:spPr>
+        <p:txBody>
+          <a:bodyPr vert="horz" lIns="91440" tIns="45720" rIns="91440" bIns="45720" rtlCol="0" anchor="t">
+            <a:normAutofit/>
+          </a:bodyPr>
+          <a:lstStyle>
+            <a:lvl1pPr algn="l" defTabSz="457200" rtl="0" eaLnBrk="1" latinLnBrk="0" hangingPunct="1">
+              <a:spcBef>
+                <a:spcPct val="0"/>
+              </a:spcBef>
+              <a:buNone/>
+              <a:defRPr sz="3600" kern="1200">
+                <a:solidFill>
+                  <a:schemeClr val="accent1"/>
+                </a:solidFill>
+                <a:latin typeface="+mj-lt"/>
+                <a:ea typeface="+mj-ea"/>
+                <a:cs typeface="+mj-cs"/>
+              </a:defRPr>
+            </a:lvl1pPr>
+            <a:lvl2pPr eaLnBrk="1" hangingPunct="1">
+              <a:defRPr>
+                <a:solidFill>
+                  <a:schemeClr val="tx2"/>
+                </a:solidFill>
+              </a:defRPr>
+            </a:lvl2pPr>
+            <a:lvl3pPr eaLnBrk="1" hangingPunct="1">
+              <a:defRPr>
+                <a:solidFill>
+                  <a:schemeClr val="tx2"/>
+                </a:solidFill>
+              </a:defRPr>
+            </a:lvl3pPr>
+            <a:lvl4pPr eaLnBrk="1" hangingPunct="1">
+              <a:defRPr>
+                <a:solidFill>
+                  <a:schemeClr val="tx2"/>
+                </a:solidFill>
+              </a:defRPr>
+            </a:lvl4pPr>
+            <a:lvl5pPr eaLnBrk="1" hangingPunct="1">
+              <a:defRPr>
+                <a:solidFill>
+                  <a:schemeClr val="tx2"/>
+                </a:solidFill>
+              </a:defRPr>
+            </a:lvl5pPr>
+            <a:lvl6pPr eaLnBrk="1" hangingPunct="1">
+              <a:defRPr>
+                <a:solidFill>
+                  <a:schemeClr val="tx2"/>
+                </a:solidFill>
+              </a:defRPr>
+            </a:lvl6pPr>
+            <a:lvl7pPr eaLnBrk="1" hangingPunct="1">
+              <a:defRPr>
+                <a:solidFill>
+                  <a:schemeClr val="tx2"/>
+                </a:solidFill>
+              </a:defRPr>
+            </a:lvl7pPr>
+            <a:lvl8pPr eaLnBrk="1" hangingPunct="1">
+              <a:defRPr>
+                <a:solidFill>
+                  <a:schemeClr val="tx2"/>
+                </a:solidFill>
+              </a:defRPr>
+            </a:lvl8pPr>
+            <a:lvl9pPr eaLnBrk="1" hangingPunct="1">
+              <a:defRPr>
+                <a:solidFill>
+                  <a:schemeClr val="tx2"/>
+                </a:solidFill>
+              </a:defRPr>
+            </a:lvl9pPr>
+          </a:lstStyle>
+          <a:p>
+            <a:r>
+              <a:rPr lang="en-US" dirty="0" err="1"/>
+              <a:t>Présentation</a:t>
+            </a:r>
+            <a:r>
+              <a:rPr lang="en-US" dirty="0"/>
+              <a:t> de la solution</a:t>
+            </a:r>
+            <a:endParaRPr lang="en-US" dirty="0"/>
+          </a:p>
+        </p:txBody>
+      </p:sp>
+      <p:sp>
+        <p:nvSpPr>
+          <p:cNvPr id="6" name="Sous-titre 2"/>
+          <p:cNvSpPr txBox="1">
+            <a:spLocks/>
+          </p:cNvSpPr>
+          <p:nvPr/>
+        </p:nvSpPr>
+        <p:spPr>
+          <a:xfrm>
+            <a:off x="807918" y="2702554"/>
+            <a:ext cx="7766936" cy="1452891"/>
+          </a:xfrm>
+          <a:prstGeom prst="rect">
+            <a:avLst/>
+          </a:prstGeom>
+        </p:spPr>
+        <p:txBody>
+          <a:bodyPr vert="horz" lIns="91440" tIns="45720" rIns="91440" bIns="45720" rtlCol="0">
+            <a:normAutofit fontScale="92500" lnSpcReduction="10000"/>
+          </a:bodyPr>
+          <a:lstStyle>
+            <a:lvl1pPr marL="342900" indent="-342900" algn="l" defTabSz="457200" rtl="0" eaLnBrk="1" latinLnBrk="0" hangingPunct="1">
+              <a:spcBef>
+                <a:spcPts val="1000"/>
+              </a:spcBef>
+              <a:spcAft>
+                <a:spcPts val="0"/>
+              </a:spcAft>
+              <a:buClr>
+                <a:schemeClr val="accent1"/>
+              </a:buClr>
+              <a:buSzPct val="80000"/>
+              <a:buFont typeface="Wingdings 3" charset="2"/>
+              <a:buChar char=""/>
+              <a:defRPr sz="1800" kern="1200">
+                <a:solidFill>
+                  <a:schemeClr val="tx1">
+                    <a:lumMod val="75000"/>
+                    <a:lumOff val="25000"/>
+                  </a:schemeClr>
+                </a:solidFill>
+                <a:latin typeface="+mn-lt"/>
+                <a:ea typeface="+mn-ea"/>
+                <a:cs typeface="+mn-cs"/>
+              </a:defRPr>
+            </a:lvl1pPr>
+            <a:lvl2pPr marL="742950" indent="-285750" algn="l" defTabSz="457200" rtl="0" eaLnBrk="1" latinLnBrk="0" hangingPunct="1">
+              <a:spcBef>
+                <a:spcPts val="1000"/>
+              </a:spcBef>
+              <a:spcAft>
+                <a:spcPts val="0"/>
+              </a:spcAft>
+              <a:buClr>
+                <a:schemeClr val="accent1"/>
+              </a:buClr>
+              <a:buSzPct val="80000"/>
+              <a:buFont typeface="Wingdings 3" charset="2"/>
+              <a:buChar char=""/>
+              <a:defRPr sz="1600" kern="1200">
+                <a:solidFill>
+                  <a:schemeClr val="tx1">
+                    <a:lumMod val="75000"/>
+                    <a:lumOff val="25000"/>
+                  </a:schemeClr>
+                </a:solidFill>
+                <a:latin typeface="+mn-lt"/>
+                <a:ea typeface="+mn-ea"/>
+                <a:cs typeface="+mn-cs"/>
+              </a:defRPr>
+            </a:lvl2pPr>
+            <a:lvl3pPr marL="1143000" indent="-228600" algn="l" defTabSz="457200" rtl="0" eaLnBrk="1" latinLnBrk="0" hangingPunct="1">
+              <a:spcBef>
+                <a:spcPts val="1000"/>
+              </a:spcBef>
+              <a:spcAft>
+                <a:spcPts val="0"/>
+              </a:spcAft>
+              <a:buClr>
+                <a:schemeClr val="accent1"/>
+              </a:buClr>
+              <a:buSzPct val="80000"/>
+              <a:buFont typeface="Wingdings 3" charset="2"/>
+              <a:buChar char=""/>
+              <a:defRPr sz="1400" kern="1200">
+                <a:solidFill>
+                  <a:schemeClr val="tx1">
+                    <a:lumMod val="75000"/>
+                    <a:lumOff val="25000"/>
+                  </a:schemeClr>
+                </a:solidFill>
+                <a:latin typeface="+mn-lt"/>
+                <a:ea typeface="+mn-ea"/>
+                <a:cs typeface="+mn-cs"/>
+              </a:defRPr>
+            </a:lvl3pPr>
+            <a:lvl4pPr marL="1600200" indent="-228600" algn="l" defTabSz="457200" rtl="0" eaLnBrk="1" latinLnBrk="0" hangingPunct="1">
+              <a:spcBef>
+                <a:spcPts val="1000"/>
+              </a:spcBef>
+              <a:spcAft>
+                <a:spcPts val="0"/>
+              </a:spcAft>
+              <a:buClr>
+                <a:schemeClr val="accent1"/>
+              </a:buClr>
+              <a:buSzPct val="80000"/>
+              <a:buFont typeface="Wingdings 3" charset="2"/>
+              <a:buChar char=""/>
+              <a:defRPr sz="1200" kern="1200">
+                <a:solidFill>
+                  <a:schemeClr val="tx1">
+                    <a:lumMod val="75000"/>
+                    <a:lumOff val="25000"/>
+                  </a:schemeClr>
+                </a:solidFill>
+                <a:latin typeface="+mn-lt"/>
+                <a:ea typeface="+mn-ea"/>
+                <a:cs typeface="+mn-cs"/>
+              </a:defRPr>
+            </a:lvl4pPr>
+            <a:lvl5pPr marL="2057400" indent="-228600" algn="l" defTabSz="457200" rtl="0" eaLnBrk="1" latinLnBrk="0" hangingPunct="1">
+              <a:spcBef>
+                <a:spcPts val="1000"/>
+              </a:spcBef>
+              <a:spcAft>
+                <a:spcPts val="0"/>
+              </a:spcAft>
+              <a:buClr>
+                <a:schemeClr val="accent1"/>
+              </a:buClr>
+              <a:buSzPct val="80000"/>
+              <a:buFont typeface="Wingdings 3" charset="2"/>
+              <a:buChar char=""/>
+              <a:defRPr sz="1200" kern="1200">
+                <a:solidFill>
+                  <a:schemeClr val="tx1">
+                    <a:lumMod val="75000"/>
+                    <a:lumOff val="25000"/>
+                  </a:schemeClr>
+                </a:solidFill>
+                <a:latin typeface="+mn-lt"/>
+                <a:ea typeface="+mn-ea"/>
+                <a:cs typeface="+mn-cs"/>
+              </a:defRPr>
+            </a:lvl5pPr>
+            <a:lvl6pPr marL="2514600" indent="-228600" algn="l" defTabSz="457200" rtl="0" eaLnBrk="1" latinLnBrk="0" hangingPunct="1">
+              <a:spcBef>
+                <a:spcPts val="1000"/>
+              </a:spcBef>
+              <a:spcAft>
+                <a:spcPts val="0"/>
+              </a:spcAft>
+              <a:buClr>
+                <a:schemeClr val="accent1"/>
+              </a:buClr>
+              <a:buSzPct val="80000"/>
+              <a:buFont typeface="Wingdings 3" charset="2"/>
+              <a:buChar char=""/>
+              <a:defRPr sz="1200" kern="1200">
+                <a:solidFill>
+                  <a:schemeClr val="tx1">
+                    <a:lumMod val="75000"/>
+                    <a:lumOff val="25000"/>
+                  </a:schemeClr>
+                </a:solidFill>
+                <a:latin typeface="+mn-lt"/>
+                <a:ea typeface="+mn-ea"/>
+                <a:cs typeface="+mn-cs"/>
+              </a:defRPr>
+            </a:lvl6pPr>
+            <a:lvl7pPr marL="2971800" indent="-228600" algn="l" defTabSz="457200" rtl="0" eaLnBrk="1" latinLnBrk="0" hangingPunct="1">
+              <a:spcBef>
+                <a:spcPts val="1000"/>
+              </a:spcBef>
+              <a:spcAft>
+                <a:spcPts val="0"/>
+              </a:spcAft>
+              <a:buClr>
+                <a:schemeClr val="accent1"/>
+              </a:buClr>
+              <a:buSzPct val="80000"/>
+              <a:buFont typeface="Wingdings 3" charset="2"/>
+              <a:buChar char=""/>
+              <a:defRPr sz="1200" kern="1200">
+                <a:solidFill>
+                  <a:schemeClr val="tx1">
+                    <a:lumMod val="75000"/>
+                    <a:lumOff val="25000"/>
+                  </a:schemeClr>
+                </a:solidFill>
+                <a:latin typeface="+mn-lt"/>
+                <a:ea typeface="+mn-ea"/>
+                <a:cs typeface="+mn-cs"/>
+              </a:defRPr>
+            </a:lvl7pPr>
+            <a:lvl8pPr marL="3429000" indent="-228600" algn="l" defTabSz="457200" rtl="0" eaLnBrk="1" latinLnBrk="0" hangingPunct="1">
+              <a:spcBef>
+                <a:spcPts val="1000"/>
+              </a:spcBef>
+              <a:spcAft>
+                <a:spcPts val="0"/>
+              </a:spcAft>
+              <a:buClr>
+                <a:schemeClr val="accent1"/>
+              </a:buClr>
+              <a:buSzPct val="80000"/>
+              <a:buFont typeface="Wingdings 3" charset="2"/>
+              <a:buChar char=""/>
+              <a:defRPr sz="1200" kern="1200">
+                <a:solidFill>
+                  <a:schemeClr val="tx1">
+                    <a:lumMod val="75000"/>
+                    <a:lumOff val="25000"/>
+                  </a:schemeClr>
+                </a:solidFill>
+                <a:latin typeface="+mn-lt"/>
+                <a:ea typeface="+mn-ea"/>
+                <a:cs typeface="+mn-cs"/>
+              </a:defRPr>
+            </a:lvl8pPr>
+            <a:lvl9pPr marL="3886200" indent="-228600" algn="l" defTabSz="457200" rtl="0" eaLnBrk="1" latinLnBrk="0" hangingPunct="1">
+              <a:spcBef>
+                <a:spcPts val="1000"/>
+              </a:spcBef>
+              <a:spcAft>
+                <a:spcPts val="0"/>
+              </a:spcAft>
+              <a:buClr>
+                <a:schemeClr val="accent1"/>
+              </a:buClr>
+              <a:buSzPct val="80000"/>
+              <a:buFont typeface="Wingdings 3" charset="2"/>
+              <a:buChar char=""/>
+              <a:defRPr sz="1200" kern="1200">
+                <a:solidFill>
+                  <a:schemeClr val="tx1">
+                    <a:lumMod val="75000"/>
+                    <a:lumOff val="25000"/>
+                  </a:schemeClr>
+                </a:solidFill>
+                <a:latin typeface="+mn-lt"/>
+                <a:ea typeface="+mn-ea"/>
+                <a:cs typeface="+mn-cs"/>
+              </a:defRPr>
+            </a:lvl9pPr>
+          </a:lstStyle>
+          <a:p>
+            <a:pPr lvl="0">
+              <a:lnSpc>
+                <a:spcPct val="150000"/>
+              </a:lnSpc>
+            </a:pPr>
+            <a:r>
+              <a:rPr lang="en-US" dirty="0" err="1" smtClean="0"/>
+              <a:t>Quelles</a:t>
+            </a:r>
+            <a:r>
+              <a:rPr lang="en-US" dirty="0" smtClean="0"/>
+              <a:t> </a:t>
+            </a:r>
+            <a:r>
+              <a:rPr lang="en-US" dirty="0" err="1" smtClean="0"/>
+              <a:t>sont</a:t>
+            </a:r>
+            <a:r>
+              <a:rPr lang="en-US" dirty="0" smtClean="0"/>
+              <a:t> les </a:t>
+            </a:r>
+            <a:r>
+              <a:rPr lang="en-US" dirty="0" err="1" smtClean="0"/>
+              <a:t>fonctionnalit</a:t>
+            </a:r>
+            <a:r>
+              <a:rPr lang="en-US" dirty="0" err="1"/>
+              <a:t>é</a:t>
+            </a:r>
+            <a:r>
+              <a:rPr lang="en-US" dirty="0" err="1" smtClean="0"/>
+              <a:t>s</a:t>
+            </a:r>
+            <a:r>
+              <a:rPr lang="en-US" dirty="0" smtClean="0"/>
+              <a:t> </a:t>
+            </a:r>
+            <a:r>
+              <a:rPr lang="en-US" dirty="0" err="1" smtClean="0"/>
+              <a:t>implement</a:t>
+            </a:r>
+            <a:r>
+              <a:rPr lang="en-US" dirty="0" err="1"/>
+              <a:t>é</a:t>
+            </a:r>
+            <a:r>
+              <a:rPr lang="en-US" dirty="0" err="1" smtClean="0"/>
+              <a:t>es</a:t>
+            </a:r>
+            <a:r>
+              <a:rPr lang="nl-NL" dirty="0" smtClean="0"/>
+              <a:t>?</a:t>
+            </a:r>
+            <a:endParaRPr lang="nl-NL" dirty="0"/>
+          </a:p>
+          <a:p>
+            <a:pPr>
+              <a:lnSpc>
+                <a:spcPct val="150000"/>
+              </a:lnSpc>
+            </a:pPr>
+            <a:r>
+              <a:rPr lang="en-US" dirty="0" err="1"/>
+              <a:t>Quelles</a:t>
+            </a:r>
+            <a:r>
+              <a:rPr lang="en-US" dirty="0"/>
+              <a:t> </a:t>
+            </a:r>
+            <a:r>
+              <a:rPr lang="en-US" dirty="0" err="1"/>
+              <a:t>sont</a:t>
+            </a:r>
+            <a:r>
+              <a:rPr lang="en-US" dirty="0"/>
+              <a:t> </a:t>
+            </a:r>
+            <a:r>
+              <a:rPr lang="en-US" dirty="0" err="1"/>
+              <a:t>ses</a:t>
+            </a:r>
+            <a:r>
+              <a:rPr lang="en-US" dirty="0"/>
+              <a:t> </a:t>
+            </a:r>
+            <a:r>
+              <a:rPr lang="en-US" dirty="0" err="1"/>
+              <a:t>origines</a:t>
+            </a:r>
+            <a:r>
+              <a:rPr lang="en-US" dirty="0"/>
+              <a:t> </a:t>
+            </a:r>
+            <a:r>
+              <a:rPr lang="nl-NL" dirty="0"/>
+              <a:t>?</a:t>
+            </a:r>
+          </a:p>
+          <a:p>
+            <a:pPr lvl="0">
+              <a:lnSpc>
+                <a:spcPct val="150000"/>
+              </a:lnSpc>
+            </a:pPr>
+            <a:r>
+              <a:rPr lang="en-US" dirty="0"/>
+              <a:t>Son impact sur le </a:t>
+            </a:r>
+            <a:r>
+              <a:rPr lang="en-US" dirty="0" err="1"/>
+              <a:t>développement</a:t>
+            </a:r>
+            <a:r>
+              <a:rPr lang="en-US" dirty="0"/>
+              <a:t> </a:t>
+            </a:r>
+            <a:r>
+              <a:rPr lang="en-US" dirty="0" err="1"/>
+              <a:t>économique</a:t>
+            </a:r>
+            <a:endParaRPr lang="en-US" dirty="0"/>
+          </a:p>
+        </p:txBody>
+      </p:sp>
+    </p:spTree>
+    <p:extLst>
+      <p:ext uri="{BB962C8B-B14F-4D97-AF65-F5344CB8AC3E}">
+        <p14:creationId xmlns:p14="http://schemas.microsoft.com/office/powerpoint/2010/main" val="3364439925"/>
+      </p:ext>
+    </p:extLst>
+  </p:cSld>
+  <p:clrMapOvr>
+    <a:masterClrMapping/>
+  </p:clrMapOvr>
+  <mc:AlternateContent xmlns:mc="http://schemas.openxmlformats.org/markup-compatibility/2006">
+    <mc:Choice xmlns:p14="http://schemas.microsoft.com/office/powerpoint/2010/main" Requires="p14">
+      <p:transition spd="med" p14:dur="700">
+        <p:fade/>
+      </p:transition>
+    </mc:Choice>
+    <mc:Fallback>
+      <p:transition spd="med">
+        <p:fade/>
+      </p:transition>
+    </mc:Fallback>
+  </mc:AlternateContent>
+  <p:timing>
+    <p:tnLst>
+      <p:par>
+        <p:cTn id="1" dur="indefinite" restart="never" nodeType="tmRoot"/>
+      </p:par>
+    </p:tnLst>
+  </p:timing>
 </p:sld>
 </file>
 
@@ -5936,7 +8492,12 @@
             <p:ph type="title"/>
           </p:nvPr>
         </p:nvSpPr>
-        <p:spPr/>
+        <p:spPr>
+          <a:xfrm>
+            <a:off x="247843" y="429491"/>
+            <a:ext cx="8596668" cy="1320800"/>
+          </a:xfrm>
+        </p:spPr>
         <p:txBody>
           <a:bodyPr/>
           <a:lstStyle/>
@@ -5959,12 +8520,20 @@
             <p:ph idx="1"/>
           </p:nvPr>
         </p:nvSpPr>
-        <p:spPr/>
+        <p:spPr>
+          <a:xfrm>
+            <a:off x="989454" y="2029845"/>
+            <a:ext cx="8596668" cy="3880773"/>
+          </a:xfrm>
+        </p:spPr>
         <p:txBody>
           <a:bodyPr/>
           <a:lstStyle/>
           <a:p>
             <a:pPr marL="0" indent="0">
+              <a:lnSpc>
+                <a:spcPct val="150000"/>
+              </a:lnSpc>
               <a:buNone/>
             </a:pPr>
             <a:r>
@@ -6015,6 +8584,4114 @@
   <p:clrMapOvr>
     <a:masterClrMapping/>
   </p:clrMapOvr>
+  <mc:AlternateContent xmlns:mc="http://schemas.openxmlformats.org/markup-compatibility/2006">
+    <mc:Choice xmlns:p14="http://schemas.microsoft.com/office/powerpoint/2010/main" Requires="p14">
+      <p:transition spd="med" p14:dur="700">
+        <p:fade/>
+      </p:transition>
+    </mc:Choice>
+    <mc:Fallback>
+      <p:transition spd="med">
+        <p:fade/>
+      </p:transition>
+    </mc:Fallback>
+  </mc:AlternateContent>
+  <p:timing>
+    <p:tnLst>
+      <p:par>
+        <p:cTn id="1" dur="indefinite" restart="never" nodeType="tmRoot"/>
+      </p:par>
+    </p:tnLst>
+  </p:timing>
+</p:sld>
+</file>
+
+<file path=ppt/slides/slide3.xml><?xml version="1.0" encoding="utf-8"?>
+<p:sld xmlns:a="http://schemas.openxmlformats.org/drawingml/2006/main" xmlns:r="http://schemas.openxmlformats.org/officeDocument/2006/relationships" xmlns:p="http://schemas.openxmlformats.org/presentationml/2006/main">
+  <p:cSld>
+    <p:spTree>
+      <p:nvGrpSpPr>
+        <p:cNvPr id="1" name=""/>
+        <p:cNvGrpSpPr/>
+        <p:nvPr/>
+      </p:nvGrpSpPr>
+      <p:grpSpPr>
+        <a:xfrm>
+          <a:off x="0" y="0"/>
+          <a:ext cx="0" cy="0"/>
+          <a:chOff x="0" y="0"/>
+          <a:chExt cx="0" cy="0"/>
+        </a:xfrm>
+      </p:grpSpPr>
+      <p:sp>
+        <p:nvSpPr>
+          <p:cNvPr id="4" name="Titre 1"/>
+          <p:cNvSpPr txBox="1">
+            <a:spLocks/>
+          </p:cNvSpPr>
+          <p:nvPr/>
+        </p:nvSpPr>
+        <p:spPr>
+          <a:xfrm>
+            <a:off x="247843" y="466437"/>
+            <a:ext cx="7766936" cy="850435"/>
+          </a:xfrm>
+          <a:prstGeom prst="rect">
+            <a:avLst/>
+          </a:prstGeom>
+        </p:spPr>
+        <p:txBody>
+          <a:bodyPr vert="horz" lIns="91440" tIns="45720" rIns="91440" bIns="45720" rtlCol="0" anchor="t">
+            <a:normAutofit/>
+          </a:bodyPr>
+          <a:lstStyle>
+            <a:lvl1pPr algn="l" defTabSz="457200" rtl="0" eaLnBrk="1" latinLnBrk="0" hangingPunct="1">
+              <a:spcBef>
+                <a:spcPct val="0"/>
+              </a:spcBef>
+              <a:buNone/>
+              <a:defRPr sz="3600" kern="1200">
+                <a:solidFill>
+                  <a:schemeClr val="accent1"/>
+                </a:solidFill>
+                <a:latin typeface="+mj-lt"/>
+                <a:ea typeface="+mj-ea"/>
+                <a:cs typeface="+mj-cs"/>
+              </a:defRPr>
+            </a:lvl1pPr>
+            <a:lvl2pPr eaLnBrk="1" hangingPunct="1">
+              <a:defRPr>
+                <a:solidFill>
+                  <a:schemeClr val="tx2"/>
+                </a:solidFill>
+              </a:defRPr>
+            </a:lvl2pPr>
+            <a:lvl3pPr eaLnBrk="1" hangingPunct="1">
+              <a:defRPr>
+                <a:solidFill>
+                  <a:schemeClr val="tx2"/>
+                </a:solidFill>
+              </a:defRPr>
+            </a:lvl3pPr>
+            <a:lvl4pPr eaLnBrk="1" hangingPunct="1">
+              <a:defRPr>
+                <a:solidFill>
+                  <a:schemeClr val="tx2"/>
+                </a:solidFill>
+              </a:defRPr>
+            </a:lvl4pPr>
+            <a:lvl5pPr eaLnBrk="1" hangingPunct="1">
+              <a:defRPr>
+                <a:solidFill>
+                  <a:schemeClr val="tx2"/>
+                </a:solidFill>
+              </a:defRPr>
+            </a:lvl5pPr>
+            <a:lvl6pPr eaLnBrk="1" hangingPunct="1">
+              <a:defRPr>
+                <a:solidFill>
+                  <a:schemeClr val="tx2"/>
+                </a:solidFill>
+              </a:defRPr>
+            </a:lvl6pPr>
+            <a:lvl7pPr eaLnBrk="1" hangingPunct="1">
+              <a:defRPr>
+                <a:solidFill>
+                  <a:schemeClr val="tx2"/>
+                </a:solidFill>
+              </a:defRPr>
+            </a:lvl7pPr>
+            <a:lvl8pPr eaLnBrk="1" hangingPunct="1">
+              <a:defRPr>
+                <a:solidFill>
+                  <a:schemeClr val="tx2"/>
+                </a:solidFill>
+              </a:defRPr>
+            </a:lvl8pPr>
+            <a:lvl9pPr eaLnBrk="1" hangingPunct="1">
+              <a:defRPr>
+                <a:solidFill>
+                  <a:schemeClr val="tx2"/>
+                </a:solidFill>
+              </a:defRPr>
+            </a:lvl9pPr>
+          </a:lstStyle>
+          <a:p>
+            <a:r>
+              <a:rPr lang="en-US" dirty="0" smtClean="0"/>
+              <a:t>Plan de </a:t>
+            </a:r>
+            <a:r>
+              <a:rPr lang="en-US" dirty="0" err="1" smtClean="0"/>
+              <a:t>présentation</a:t>
+            </a:r>
+            <a:r>
+              <a:rPr lang="en-US" dirty="0" smtClean="0"/>
+              <a:t> </a:t>
+            </a:r>
+            <a:endParaRPr lang="en-US" dirty="0"/>
+          </a:p>
+        </p:txBody>
+      </p:sp>
+      <p:sp>
+        <p:nvSpPr>
+          <p:cNvPr id="6" name="Sous-titre 2"/>
+          <p:cNvSpPr txBox="1">
+            <a:spLocks/>
+          </p:cNvSpPr>
+          <p:nvPr/>
+        </p:nvSpPr>
+        <p:spPr>
+          <a:xfrm>
+            <a:off x="952884" y="2360826"/>
+            <a:ext cx="7766936" cy="2136348"/>
+          </a:xfrm>
+          <a:prstGeom prst="rect">
+            <a:avLst/>
+          </a:prstGeom>
+        </p:spPr>
+        <p:txBody>
+          <a:bodyPr vert="horz" lIns="91440" tIns="45720" rIns="91440" bIns="45720" rtlCol="0">
+            <a:normAutofit/>
+          </a:bodyPr>
+          <a:lstStyle>
+            <a:lvl1pPr marL="342900" indent="-342900" algn="l" defTabSz="457200" rtl="0" eaLnBrk="1" latinLnBrk="0" hangingPunct="1">
+              <a:spcBef>
+                <a:spcPts val="1000"/>
+              </a:spcBef>
+              <a:spcAft>
+                <a:spcPts val="0"/>
+              </a:spcAft>
+              <a:buClr>
+                <a:schemeClr val="accent1"/>
+              </a:buClr>
+              <a:buSzPct val="80000"/>
+              <a:buFont typeface="Wingdings 3" charset="2"/>
+              <a:buChar char=""/>
+              <a:defRPr sz="1800" kern="1200">
+                <a:solidFill>
+                  <a:schemeClr val="tx1">
+                    <a:lumMod val="75000"/>
+                    <a:lumOff val="25000"/>
+                  </a:schemeClr>
+                </a:solidFill>
+                <a:latin typeface="+mn-lt"/>
+                <a:ea typeface="+mn-ea"/>
+                <a:cs typeface="+mn-cs"/>
+              </a:defRPr>
+            </a:lvl1pPr>
+            <a:lvl2pPr marL="742950" indent="-285750" algn="l" defTabSz="457200" rtl="0" eaLnBrk="1" latinLnBrk="0" hangingPunct="1">
+              <a:spcBef>
+                <a:spcPts val="1000"/>
+              </a:spcBef>
+              <a:spcAft>
+                <a:spcPts val="0"/>
+              </a:spcAft>
+              <a:buClr>
+                <a:schemeClr val="accent1"/>
+              </a:buClr>
+              <a:buSzPct val="80000"/>
+              <a:buFont typeface="Wingdings 3" charset="2"/>
+              <a:buChar char=""/>
+              <a:defRPr sz="1600" kern="1200">
+                <a:solidFill>
+                  <a:schemeClr val="tx1">
+                    <a:lumMod val="75000"/>
+                    <a:lumOff val="25000"/>
+                  </a:schemeClr>
+                </a:solidFill>
+                <a:latin typeface="+mn-lt"/>
+                <a:ea typeface="+mn-ea"/>
+                <a:cs typeface="+mn-cs"/>
+              </a:defRPr>
+            </a:lvl2pPr>
+            <a:lvl3pPr marL="1143000" indent="-228600" algn="l" defTabSz="457200" rtl="0" eaLnBrk="1" latinLnBrk="0" hangingPunct="1">
+              <a:spcBef>
+                <a:spcPts val="1000"/>
+              </a:spcBef>
+              <a:spcAft>
+                <a:spcPts val="0"/>
+              </a:spcAft>
+              <a:buClr>
+                <a:schemeClr val="accent1"/>
+              </a:buClr>
+              <a:buSzPct val="80000"/>
+              <a:buFont typeface="Wingdings 3" charset="2"/>
+              <a:buChar char=""/>
+              <a:defRPr sz="1400" kern="1200">
+                <a:solidFill>
+                  <a:schemeClr val="tx1">
+                    <a:lumMod val="75000"/>
+                    <a:lumOff val="25000"/>
+                  </a:schemeClr>
+                </a:solidFill>
+                <a:latin typeface="+mn-lt"/>
+                <a:ea typeface="+mn-ea"/>
+                <a:cs typeface="+mn-cs"/>
+              </a:defRPr>
+            </a:lvl3pPr>
+            <a:lvl4pPr marL="1600200" indent="-228600" algn="l" defTabSz="457200" rtl="0" eaLnBrk="1" latinLnBrk="0" hangingPunct="1">
+              <a:spcBef>
+                <a:spcPts val="1000"/>
+              </a:spcBef>
+              <a:spcAft>
+                <a:spcPts val="0"/>
+              </a:spcAft>
+              <a:buClr>
+                <a:schemeClr val="accent1"/>
+              </a:buClr>
+              <a:buSzPct val="80000"/>
+              <a:buFont typeface="Wingdings 3" charset="2"/>
+              <a:buChar char=""/>
+              <a:defRPr sz="1200" kern="1200">
+                <a:solidFill>
+                  <a:schemeClr val="tx1">
+                    <a:lumMod val="75000"/>
+                    <a:lumOff val="25000"/>
+                  </a:schemeClr>
+                </a:solidFill>
+                <a:latin typeface="+mn-lt"/>
+                <a:ea typeface="+mn-ea"/>
+                <a:cs typeface="+mn-cs"/>
+              </a:defRPr>
+            </a:lvl4pPr>
+            <a:lvl5pPr marL="2057400" indent="-228600" algn="l" defTabSz="457200" rtl="0" eaLnBrk="1" latinLnBrk="0" hangingPunct="1">
+              <a:spcBef>
+                <a:spcPts val="1000"/>
+              </a:spcBef>
+              <a:spcAft>
+                <a:spcPts val="0"/>
+              </a:spcAft>
+              <a:buClr>
+                <a:schemeClr val="accent1"/>
+              </a:buClr>
+              <a:buSzPct val="80000"/>
+              <a:buFont typeface="Wingdings 3" charset="2"/>
+              <a:buChar char=""/>
+              <a:defRPr sz="1200" kern="1200">
+                <a:solidFill>
+                  <a:schemeClr val="tx1">
+                    <a:lumMod val="75000"/>
+                    <a:lumOff val="25000"/>
+                  </a:schemeClr>
+                </a:solidFill>
+                <a:latin typeface="+mn-lt"/>
+                <a:ea typeface="+mn-ea"/>
+                <a:cs typeface="+mn-cs"/>
+              </a:defRPr>
+            </a:lvl5pPr>
+            <a:lvl6pPr marL="2514600" indent="-228600" algn="l" defTabSz="457200" rtl="0" eaLnBrk="1" latinLnBrk="0" hangingPunct="1">
+              <a:spcBef>
+                <a:spcPts val="1000"/>
+              </a:spcBef>
+              <a:spcAft>
+                <a:spcPts val="0"/>
+              </a:spcAft>
+              <a:buClr>
+                <a:schemeClr val="accent1"/>
+              </a:buClr>
+              <a:buSzPct val="80000"/>
+              <a:buFont typeface="Wingdings 3" charset="2"/>
+              <a:buChar char=""/>
+              <a:defRPr sz="1200" kern="1200">
+                <a:solidFill>
+                  <a:schemeClr val="tx1">
+                    <a:lumMod val="75000"/>
+                    <a:lumOff val="25000"/>
+                  </a:schemeClr>
+                </a:solidFill>
+                <a:latin typeface="+mn-lt"/>
+                <a:ea typeface="+mn-ea"/>
+                <a:cs typeface="+mn-cs"/>
+              </a:defRPr>
+            </a:lvl6pPr>
+            <a:lvl7pPr marL="2971800" indent="-228600" algn="l" defTabSz="457200" rtl="0" eaLnBrk="1" latinLnBrk="0" hangingPunct="1">
+              <a:spcBef>
+                <a:spcPts val="1000"/>
+              </a:spcBef>
+              <a:spcAft>
+                <a:spcPts val="0"/>
+              </a:spcAft>
+              <a:buClr>
+                <a:schemeClr val="accent1"/>
+              </a:buClr>
+              <a:buSzPct val="80000"/>
+              <a:buFont typeface="Wingdings 3" charset="2"/>
+              <a:buChar char=""/>
+              <a:defRPr sz="1200" kern="1200">
+                <a:solidFill>
+                  <a:schemeClr val="tx1">
+                    <a:lumMod val="75000"/>
+                    <a:lumOff val="25000"/>
+                  </a:schemeClr>
+                </a:solidFill>
+                <a:latin typeface="+mn-lt"/>
+                <a:ea typeface="+mn-ea"/>
+                <a:cs typeface="+mn-cs"/>
+              </a:defRPr>
+            </a:lvl7pPr>
+            <a:lvl8pPr marL="3429000" indent="-228600" algn="l" defTabSz="457200" rtl="0" eaLnBrk="1" latinLnBrk="0" hangingPunct="1">
+              <a:spcBef>
+                <a:spcPts val="1000"/>
+              </a:spcBef>
+              <a:spcAft>
+                <a:spcPts val="0"/>
+              </a:spcAft>
+              <a:buClr>
+                <a:schemeClr val="accent1"/>
+              </a:buClr>
+              <a:buSzPct val="80000"/>
+              <a:buFont typeface="Wingdings 3" charset="2"/>
+              <a:buChar char=""/>
+              <a:defRPr sz="1200" kern="1200">
+                <a:solidFill>
+                  <a:schemeClr val="tx1">
+                    <a:lumMod val="75000"/>
+                    <a:lumOff val="25000"/>
+                  </a:schemeClr>
+                </a:solidFill>
+                <a:latin typeface="+mn-lt"/>
+                <a:ea typeface="+mn-ea"/>
+                <a:cs typeface="+mn-cs"/>
+              </a:defRPr>
+            </a:lvl8pPr>
+            <a:lvl9pPr marL="3886200" indent="-228600" algn="l" defTabSz="457200" rtl="0" eaLnBrk="1" latinLnBrk="0" hangingPunct="1">
+              <a:spcBef>
+                <a:spcPts val="1000"/>
+              </a:spcBef>
+              <a:spcAft>
+                <a:spcPts val="0"/>
+              </a:spcAft>
+              <a:buClr>
+                <a:schemeClr val="accent1"/>
+              </a:buClr>
+              <a:buSzPct val="80000"/>
+              <a:buFont typeface="Wingdings 3" charset="2"/>
+              <a:buChar char=""/>
+              <a:defRPr sz="1200" kern="1200">
+                <a:solidFill>
+                  <a:schemeClr val="tx1">
+                    <a:lumMod val="75000"/>
+                    <a:lumOff val="25000"/>
+                  </a:schemeClr>
+                </a:solidFill>
+                <a:latin typeface="+mn-lt"/>
+                <a:ea typeface="+mn-ea"/>
+                <a:cs typeface="+mn-cs"/>
+              </a:defRPr>
+            </a:lvl9pPr>
+          </a:lstStyle>
+          <a:p>
+            <a:pPr marL="0" indent="0">
+              <a:buNone/>
+            </a:pPr>
+            <a:r>
+              <a:rPr lang="en-US" dirty="0" smtClean="0"/>
+              <a:t>Introduction</a:t>
+            </a:r>
+          </a:p>
+          <a:p>
+            <a:pPr marL="0" indent="0">
+              <a:buNone/>
+            </a:pPr>
+            <a:r>
+              <a:rPr lang="en-US" dirty="0" err="1" smtClean="0"/>
+              <a:t>Pr</a:t>
+            </a:r>
+            <a:r>
+              <a:rPr lang="en-US" dirty="0" err="1"/>
+              <a:t>é</a:t>
+            </a:r>
+            <a:r>
+              <a:rPr lang="en-US" dirty="0" err="1" smtClean="0"/>
+              <a:t>sentation</a:t>
+            </a:r>
+            <a:r>
+              <a:rPr lang="en-US" dirty="0" smtClean="0"/>
+              <a:t> de </a:t>
+            </a:r>
+            <a:r>
+              <a:rPr lang="en-US" dirty="0" err="1" smtClean="0"/>
+              <a:t>l’entreprise</a:t>
+            </a:r>
+            <a:r>
+              <a:rPr lang="en-US" dirty="0" smtClean="0"/>
+              <a:t> </a:t>
+            </a:r>
+            <a:r>
+              <a:rPr lang="en-US" dirty="0"/>
+              <a:t> </a:t>
+            </a:r>
+            <a:r>
+              <a:rPr lang="en-US" dirty="0" err="1" smtClean="0"/>
+              <a:t>d’accueil</a:t>
+            </a:r>
+            <a:endParaRPr lang="en-US" dirty="0" smtClean="0"/>
+          </a:p>
+          <a:p>
+            <a:pPr marL="0" indent="0">
+              <a:lnSpc>
+                <a:spcPct val="150000"/>
+              </a:lnSpc>
+              <a:buNone/>
+            </a:pPr>
+            <a:r>
+              <a:rPr lang="en-US" dirty="0" err="1"/>
+              <a:t>Présentation</a:t>
+            </a:r>
+            <a:r>
+              <a:rPr lang="en-US" dirty="0"/>
+              <a:t> </a:t>
+            </a:r>
+            <a:r>
+              <a:rPr lang="en-US" dirty="0" smtClean="0"/>
+              <a:t>du </a:t>
+            </a:r>
+            <a:r>
+              <a:rPr lang="en-US" dirty="0" err="1" smtClean="0"/>
+              <a:t>projet</a:t>
+            </a:r>
+            <a:endParaRPr lang="en-US" dirty="0"/>
+          </a:p>
+          <a:p>
+            <a:pPr marL="0" indent="0">
+              <a:buNone/>
+            </a:pPr>
+            <a:r>
+              <a:rPr lang="en-US" dirty="0" err="1"/>
+              <a:t>Présentation</a:t>
+            </a:r>
+            <a:r>
+              <a:rPr lang="en-US" dirty="0"/>
+              <a:t> de la solution</a:t>
+            </a:r>
+          </a:p>
+          <a:p>
+            <a:pPr marL="0" indent="0">
+              <a:buNone/>
+            </a:pPr>
+            <a:r>
+              <a:rPr lang="en-US" dirty="0" smtClean="0"/>
+              <a:t>Conclusion</a:t>
+            </a:r>
+          </a:p>
+          <a:p>
+            <a:endParaRPr lang="en-US" dirty="0" smtClean="0"/>
+          </a:p>
+          <a:p>
+            <a:endParaRPr lang="en-US" dirty="0"/>
+          </a:p>
+        </p:txBody>
+      </p:sp>
+    </p:spTree>
+    <p:extLst>
+      <p:ext uri="{BB962C8B-B14F-4D97-AF65-F5344CB8AC3E}">
+        <p14:creationId xmlns:p14="http://schemas.microsoft.com/office/powerpoint/2010/main" val="1371770397"/>
+      </p:ext>
+    </p:extLst>
+  </p:cSld>
+  <p:clrMapOvr>
+    <a:masterClrMapping/>
+  </p:clrMapOvr>
+  <mc:AlternateContent xmlns:mc="http://schemas.openxmlformats.org/markup-compatibility/2006">
+    <mc:Choice xmlns:p14="http://schemas.microsoft.com/office/powerpoint/2010/main" Requires="p14">
+      <p:transition spd="med" p14:dur="700">
+        <p:fade/>
+      </p:transition>
+    </mc:Choice>
+    <mc:Fallback>
+      <p:transition spd="med">
+        <p:fade/>
+      </p:transition>
+    </mc:Fallback>
+  </mc:AlternateContent>
+  <p:timing>
+    <p:tnLst>
+      <p:par>
+        <p:cTn id="1" dur="indefinite" restart="never" nodeType="tmRoot"/>
+      </p:par>
+    </p:tnLst>
+  </p:timing>
+</p:sld>
+</file>
+
+<file path=ppt/slides/slide4.xml><?xml version="1.0" encoding="utf-8"?>
+<p:sld xmlns:a="http://schemas.openxmlformats.org/drawingml/2006/main" xmlns:r="http://schemas.openxmlformats.org/officeDocument/2006/relationships" xmlns:p="http://schemas.openxmlformats.org/presentationml/2006/main">
+  <p:cSld>
+    <p:spTree>
+      <p:nvGrpSpPr>
+        <p:cNvPr id="1" name=""/>
+        <p:cNvGrpSpPr/>
+        <p:nvPr/>
+      </p:nvGrpSpPr>
+      <p:grpSpPr>
+        <a:xfrm>
+          <a:off x="0" y="0"/>
+          <a:ext cx="0" cy="0"/>
+          <a:chOff x="0" y="0"/>
+          <a:chExt cx="0" cy="0"/>
+        </a:xfrm>
+      </p:grpSpPr>
+      <p:sp>
+        <p:nvSpPr>
+          <p:cNvPr id="4" name="Titre 1"/>
+          <p:cNvSpPr txBox="1">
+            <a:spLocks/>
+          </p:cNvSpPr>
+          <p:nvPr/>
+        </p:nvSpPr>
+        <p:spPr>
+          <a:xfrm>
+            <a:off x="247843" y="466437"/>
+            <a:ext cx="7766936" cy="850435"/>
+          </a:xfrm>
+          <a:prstGeom prst="rect">
+            <a:avLst/>
+          </a:prstGeom>
+        </p:spPr>
+        <p:txBody>
+          <a:bodyPr vert="horz" lIns="91440" tIns="45720" rIns="91440" bIns="45720" rtlCol="0" anchor="t">
+            <a:normAutofit/>
+          </a:bodyPr>
+          <a:lstStyle>
+            <a:lvl1pPr algn="l" defTabSz="457200" rtl="0" eaLnBrk="1" latinLnBrk="0" hangingPunct="1">
+              <a:spcBef>
+                <a:spcPct val="0"/>
+              </a:spcBef>
+              <a:buNone/>
+              <a:defRPr sz="3600" kern="1200">
+                <a:solidFill>
+                  <a:schemeClr val="accent1"/>
+                </a:solidFill>
+                <a:latin typeface="+mj-lt"/>
+                <a:ea typeface="+mj-ea"/>
+                <a:cs typeface="+mj-cs"/>
+              </a:defRPr>
+            </a:lvl1pPr>
+            <a:lvl2pPr eaLnBrk="1" hangingPunct="1">
+              <a:defRPr>
+                <a:solidFill>
+                  <a:schemeClr val="tx2"/>
+                </a:solidFill>
+              </a:defRPr>
+            </a:lvl2pPr>
+            <a:lvl3pPr eaLnBrk="1" hangingPunct="1">
+              <a:defRPr>
+                <a:solidFill>
+                  <a:schemeClr val="tx2"/>
+                </a:solidFill>
+              </a:defRPr>
+            </a:lvl3pPr>
+            <a:lvl4pPr eaLnBrk="1" hangingPunct="1">
+              <a:defRPr>
+                <a:solidFill>
+                  <a:schemeClr val="tx2"/>
+                </a:solidFill>
+              </a:defRPr>
+            </a:lvl4pPr>
+            <a:lvl5pPr eaLnBrk="1" hangingPunct="1">
+              <a:defRPr>
+                <a:solidFill>
+                  <a:schemeClr val="tx2"/>
+                </a:solidFill>
+              </a:defRPr>
+            </a:lvl5pPr>
+            <a:lvl6pPr eaLnBrk="1" hangingPunct="1">
+              <a:defRPr>
+                <a:solidFill>
+                  <a:schemeClr val="tx2"/>
+                </a:solidFill>
+              </a:defRPr>
+            </a:lvl6pPr>
+            <a:lvl7pPr eaLnBrk="1" hangingPunct="1">
+              <a:defRPr>
+                <a:solidFill>
+                  <a:schemeClr val="tx2"/>
+                </a:solidFill>
+              </a:defRPr>
+            </a:lvl7pPr>
+            <a:lvl8pPr eaLnBrk="1" hangingPunct="1">
+              <a:defRPr>
+                <a:solidFill>
+                  <a:schemeClr val="tx2"/>
+                </a:solidFill>
+              </a:defRPr>
+            </a:lvl8pPr>
+            <a:lvl9pPr eaLnBrk="1" hangingPunct="1">
+              <a:defRPr>
+                <a:solidFill>
+                  <a:schemeClr val="tx2"/>
+                </a:solidFill>
+              </a:defRPr>
+            </a:lvl9pPr>
+          </a:lstStyle>
+          <a:p>
+            <a:pPr marL="0" marR="0" lvl="0" indent="0" algn="l" defTabSz="457200" rtl="0" eaLnBrk="1" fontAlgn="auto" latinLnBrk="0" hangingPunct="1">
+              <a:lnSpc>
+                <a:spcPct val="100000"/>
+              </a:lnSpc>
+              <a:spcBef>
+                <a:spcPct val="0"/>
+              </a:spcBef>
+              <a:spcAft>
+                <a:spcPts val="0"/>
+              </a:spcAft>
+              <a:buClrTx/>
+              <a:buSzTx/>
+              <a:buFontTx/>
+              <a:buNone/>
+              <a:tabLst/>
+              <a:defRPr/>
+            </a:pPr>
+            <a:r>
+              <a:rPr kumimoji="0" lang="en-US" sz="3600" b="0" i="0" u="none" strike="noStrike" kern="1200" cap="none" spc="0" normalizeH="0" baseline="0" noProof="0" dirty="0" smtClean="0">
+                <a:ln>
+                  <a:noFill/>
+                </a:ln>
+                <a:solidFill>
+                  <a:srgbClr val="90C226"/>
+                </a:solidFill>
+                <a:effectLst/>
+                <a:uLnTx/>
+                <a:uFillTx/>
+                <a:latin typeface="Trebuchet MS" panose="020B0603020202020204"/>
+                <a:ea typeface="+mj-ea"/>
+                <a:cs typeface="+mj-cs"/>
+              </a:rPr>
+              <a:t>Introduction</a:t>
+            </a:r>
+            <a:endParaRPr kumimoji="0" lang="en-US" sz="3600" b="0" i="0" u="none" strike="noStrike" kern="1200" cap="none" spc="0" normalizeH="0" baseline="0" noProof="0" dirty="0">
+              <a:ln>
+                <a:noFill/>
+              </a:ln>
+              <a:solidFill>
+                <a:srgbClr val="90C226"/>
+              </a:solidFill>
+              <a:effectLst/>
+              <a:uLnTx/>
+              <a:uFillTx/>
+              <a:latin typeface="Trebuchet MS" panose="020B0603020202020204"/>
+              <a:ea typeface="+mj-ea"/>
+              <a:cs typeface="+mj-cs"/>
+            </a:endParaRPr>
+          </a:p>
+        </p:txBody>
+      </p:sp>
+      <p:sp>
+        <p:nvSpPr>
+          <p:cNvPr id="6" name="Sous-titre 2"/>
+          <p:cNvSpPr txBox="1">
+            <a:spLocks/>
+          </p:cNvSpPr>
+          <p:nvPr/>
+        </p:nvSpPr>
+        <p:spPr>
+          <a:xfrm>
+            <a:off x="952884" y="2360826"/>
+            <a:ext cx="7766936" cy="2136348"/>
+          </a:xfrm>
+          <a:prstGeom prst="rect">
+            <a:avLst/>
+          </a:prstGeom>
+        </p:spPr>
+        <p:txBody>
+          <a:bodyPr vert="horz" lIns="91440" tIns="45720" rIns="91440" bIns="45720" rtlCol="0">
+            <a:normAutofit/>
+          </a:bodyPr>
+          <a:lstStyle>
+            <a:lvl1pPr marL="342900" indent="-342900" algn="l" defTabSz="457200" rtl="0" eaLnBrk="1" latinLnBrk="0" hangingPunct="1">
+              <a:spcBef>
+                <a:spcPts val="1000"/>
+              </a:spcBef>
+              <a:spcAft>
+                <a:spcPts val="0"/>
+              </a:spcAft>
+              <a:buClr>
+                <a:schemeClr val="accent1"/>
+              </a:buClr>
+              <a:buSzPct val="80000"/>
+              <a:buFont typeface="Wingdings 3" charset="2"/>
+              <a:buChar char=""/>
+              <a:defRPr sz="1800" kern="1200">
+                <a:solidFill>
+                  <a:schemeClr val="tx1">
+                    <a:lumMod val="75000"/>
+                    <a:lumOff val="25000"/>
+                  </a:schemeClr>
+                </a:solidFill>
+                <a:latin typeface="+mn-lt"/>
+                <a:ea typeface="+mn-ea"/>
+                <a:cs typeface="+mn-cs"/>
+              </a:defRPr>
+            </a:lvl1pPr>
+            <a:lvl2pPr marL="742950" indent="-285750" algn="l" defTabSz="457200" rtl="0" eaLnBrk="1" latinLnBrk="0" hangingPunct="1">
+              <a:spcBef>
+                <a:spcPts val="1000"/>
+              </a:spcBef>
+              <a:spcAft>
+                <a:spcPts val="0"/>
+              </a:spcAft>
+              <a:buClr>
+                <a:schemeClr val="accent1"/>
+              </a:buClr>
+              <a:buSzPct val="80000"/>
+              <a:buFont typeface="Wingdings 3" charset="2"/>
+              <a:buChar char=""/>
+              <a:defRPr sz="1600" kern="1200">
+                <a:solidFill>
+                  <a:schemeClr val="tx1">
+                    <a:lumMod val="75000"/>
+                    <a:lumOff val="25000"/>
+                  </a:schemeClr>
+                </a:solidFill>
+                <a:latin typeface="+mn-lt"/>
+                <a:ea typeface="+mn-ea"/>
+                <a:cs typeface="+mn-cs"/>
+              </a:defRPr>
+            </a:lvl2pPr>
+            <a:lvl3pPr marL="1143000" indent="-228600" algn="l" defTabSz="457200" rtl="0" eaLnBrk="1" latinLnBrk="0" hangingPunct="1">
+              <a:spcBef>
+                <a:spcPts val="1000"/>
+              </a:spcBef>
+              <a:spcAft>
+                <a:spcPts val="0"/>
+              </a:spcAft>
+              <a:buClr>
+                <a:schemeClr val="accent1"/>
+              </a:buClr>
+              <a:buSzPct val="80000"/>
+              <a:buFont typeface="Wingdings 3" charset="2"/>
+              <a:buChar char=""/>
+              <a:defRPr sz="1400" kern="1200">
+                <a:solidFill>
+                  <a:schemeClr val="tx1">
+                    <a:lumMod val="75000"/>
+                    <a:lumOff val="25000"/>
+                  </a:schemeClr>
+                </a:solidFill>
+                <a:latin typeface="+mn-lt"/>
+                <a:ea typeface="+mn-ea"/>
+                <a:cs typeface="+mn-cs"/>
+              </a:defRPr>
+            </a:lvl3pPr>
+            <a:lvl4pPr marL="1600200" indent="-228600" algn="l" defTabSz="457200" rtl="0" eaLnBrk="1" latinLnBrk="0" hangingPunct="1">
+              <a:spcBef>
+                <a:spcPts val="1000"/>
+              </a:spcBef>
+              <a:spcAft>
+                <a:spcPts val="0"/>
+              </a:spcAft>
+              <a:buClr>
+                <a:schemeClr val="accent1"/>
+              </a:buClr>
+              <a:buSzPct val="80000"/>
+              <a:buFont typeface="Wingdings 3" charset="2"/>
+              <a:buChar char=""/>
+              <a:defRPr sz="1200" kern="1200">
+                <a:solidFill>
+                  <a:schemeClr val="tx1">
+                    <a:lumMod val="75000"/>
+                    <a:lumOff val="25000"/>
+                  </a:schemeClr>
+                </a:solidFill>
+                <a:latin typeface="+mn-lt"/>
+                <a:ea typeface="+mn-ea"/>
+                <a:cs typeface="+mn-cs"/>
+              </a:defRPr>
+            </a:lvl4pPr>
+            <a:lvl5pPr marL="2057400" indent="-228600" algn="l" defTabSz="457200" rtl="0" eaLnBrk="1" latinLnBrk="0" hangingPunct="1">
+              <a:spcBef>
+                <a:spcPts val="1000"/>
+              </a:spcBef>
+              <a:spcAft>
+                <a:spcPts val="0"/>
+              </a:spcAft>
+              <a:buClr>
+                <a:schemeClr val="accent1"/>
+              </a:buClr>
+              <a:buSzPct val="80000"/>
+              <a:buFont typeface="Wingdings 3" charset="2"/>
+              <a:buChar char=""/>
+              <a:defRPr sz="1200" kern="1200">
+                <a:solidFill>
+                  <a:schemeClr val="tx1">
+                    <a:lumMod val="75000"/>
+                    <a:lumOff val="25000"/>
+                  </a:schemeClr>
+                </a:solidFill>
+                <a:latin typeface="+mn-lt"/>
+                <a:ea typeface="+mn-ea"/>
+                <a:cs typeface="+mn-cs"/>
+              </a:defRPr>
+            </a:lvl5pPr>
+            <a:lvl6pPr marL="2514600" indent="-228600" algn="l" defTabSz="457200" rtl="0" eaLnBrk="1" latinLnBrk="0" hangingPunct="1">
+              <a:spcBef>
+                <a:spcPts val="1000"/>
+              </a:spcBef>
+              <a:spcAft>
+                <a:spcPts val="0"/>
+              </a:spcAft>
+              <a:buClr>
+                <a:schemeClr val="accent1"/>
+              </a:buClr>
+              <a:buSzPct val="80000"/>
+              <a:buFont typeface="Wingdings 3" charset="2"/>
+              <a:buChar char=""/>
+              <a:defRPr sz="1200" kern="1200">
+                <a:solidFill>
+                  <a:schemeClr val="tx1">
+                    <a:lumMod val="75000"/>
+                    <a:lumOff val="25000"/>
+                  </a:schemeClr>
+                </a:solidFill>
+                <a:latin typeface="+mn-lt"/>
+                <a:ea typeface="+mn-ea"/>
+                <a:cs typeface="+mn-cs"/>
+              </a:defRPr>
+            </a:lvl6pPr>
+            <a:lvl7pPr marL="2971800" indent="-228600" algn="l" defTabSz="457200" rtl="0" eaLnBrk="1" latinLnBrk="0" hangingPunct="1">
+              <a:spcBef>
+                <a:spcPts val="1000"/>
+              </a:spcBef>
+              <a:spcAft>
+                <a:spcPts val="0"/>
+              </a:spcAft>
+              <a:buClr>
+                <a:schemeClr val="accent1"/>
+              </a:buClr>
+              <a:buSzPct val="80000"/>
+              <a:buFont typeface="Wingdings 3" charset="2"/>
+              <a:buChar char=""/>
+              <a:defRPr sz="1200" kern="1200">
+                <a:solidFill>
+                  <a:schemeClr val="tx1">
+                    <a:lumMod val="75000"/>
+                    <a:lumOff val="25000"/>
+                  </a:schemeClr>
+                </a:solidFill>
+                <a:latin typeface="+mn-lt"/>
+                <a:ea typeface="+mn-ea"/>
+                <a:cs typeface="+mn-cs"/>
+              </a:defRPr>
+            </a:lvl7pPr>
+            <a:lvl8pPr marL="3429000" indent="-228600" algn="l" defTabSz="457200" rtl="0" eaLnBrk="1" latinLnBrk="0" hangingPunct="1">
+              <a:spcBef>
+                <a:spcPts val="1000"/>
+              </a:spcBef>
+              <a:spcAft>
+                <a:spcPts val="0"/>
+              </a:spcAft>
+              <a:buClr>
+                <a:schemeClr val="accent1"/>
+              </a:buClr>
+              <a:buSzPct val="80000"/>
+              <a:buFont typeface="Wingdings 3" charset="2"/>
+              <a:buChar char=""/>
+              <a:defRPr sz="1200" kern="1200">
+                <a:solidFill>
+                  <a:schemeClr val="tx1">
+                    <a:lumMod val="75000"/>
+                    <a:lumOff val="25000"/>
+                  </a:schemeClr>
+                </a:solidFill>
+                <a:latin typeface="+mn-lt"/>
+                <a:ea typeface="+mn-ea"/>
+                <a:cs typeface="+mn-cs"/>
+              </a:defRPr>
+            </a:lvl8pPr>
+            <a:lvl9pPr marL="3886200" indent="-228600" algn="l" defTabSz="457200" rtl="0" eaLnBrk="1" latinLnBrk="0" hangingPunct="1">
+              <a:spcBef>
+                <a:spcPts val="1000"/>
+              </a:spcBef>
+              <a:spcAft>
+                <a:spcPts val="0"/>
+              </a:spcAft>
+              <a:buClr>
+                <a:schemeClr val="accent1"/>
+              </a:buClr>
+              <a:buSzPct val="80000"/>
+              <a:buFont typeface="Wingdings 3" charset="2"/>
+              <a:buChar char=""/>
+              <a:defRPr sz="1200" kern="1200">
+                <a:solidFill>
+                  <a:schemeClr val="tx1">
+                    <a:lumMod val="75000"/>
+                    <a:lumOff val="25000"/>
+                  </a:schemeClr>
+                </a:solidFill>
+                <a:latin typeface="+mn-lt"/>
+                <a:ea typeface="+mn-ea"/>
+                <a:cs typeface="+mn-cs"/>
+              </a:defRPr>
+            </a:lvl9pPr>
+          </a:lstStyle>
+          <a:p>
+            <a:pPr lvl="0"/>
+            <a:r>
+              <a:rPr lang="nl-NL" dirty="0" err="1"/>
+              <a:t>Pourquoi</a:t>
+            </a:r>
+            <a:r>
+              <a:rPr lang="nl-NL" dirty="0"/>
+              <a:t> </a:t>
+            </a:r>
+            <a:r>
+              <a:rPr lang="nl-NL" dirty="0" err="1"/>
+              <a:t>ce</a:t>
+            </a:r>
+            <a:r>
+              <a:rPr lang="nl-NL" dirty="0"/>
+              <a:t> </a:t>
+            </a:r>
+            <a:r>
+              <a:rPr lang="nl-NL" dirty="0" err="1" smtClean="0"/>
+              <a:t>th</a:t>
+            </a:r>
+            <a:r>
+              <a:rPr lang="en-US" dirty="0"/>
+              <a:t>è</a:t>
+            </a:r>
+            <a:r>
+              <a:rPr lang="nl-NL" dirty="0" smtClean="0"/>
+              <a:t>me ?</a:t>
+            </a:r>
+            <a:endParaRPr lang="en-US" dirty="0"/>
+          </a:p>
+        </p:txBody>
+      </p:sp>
+    </p:spTree>
+    <p:extLst>
+      <p:ext uri="{BB962C8B-B14F-4D97-AF65-F5344CB8AC3E}">
+        <p14:creationId xmlns:p14="http://schemas.microsoft.com/office/powerpoint/2010/main" val="2837378141"/>
+      </p:ext>
+    </p:extLst>
+  </p:cSld>
+  <p:clrMapOvr>
+    <a:masterClrMapping/>
+  </p:clrMapOvr>
+  <mc:AlternateContent xmlns:mc="http://schemas.openxmlformats.org/markup-compatibility/2006">
+    <mc:Choice xmlns:p14="http://schemas.microsoft.com/office/powerpoint/2010/main" Requires="p14">
+      <p:transition spd="med" p14:dur="700">
+        <p:fade/>
+      </p:transition>
+    </mc:Choice>
+    <mc:Fallback>
+      <p:transition spd="med">
+        <p:fade/>
+      </p:transition>
+    </mc:Fallback>
+  </mc:AlternateContent>
+  <p:timing>
+    <p:tnLst>
+      <p:par>
+        <p:cTn id="1" dur="indefinite" restart="never" nodeType="tmRoot"/>
+      </p:par>
+    </p:tnLst>
+  </p:timing>
+</p:sld>
+</file>
+
+<file path=ppt/slides/slide5.xml><?xml version="1.0" encoding="utf-8"?>
+<p:sld xmlns:a="http://schemas.openxmlformats.org/drawingml/2006/main" xmlns:r="http://schemas.openxmlformats.org/officeDocument/2006/relationships" xmlns:p="http://schemas.openxmlformats.org/presentationml/2006/main">
+  <p:cSld>
+    <p:spTree>
+      <p:nvGrpSpPr>
+        <p:cNvPr id="1" name=""/>
+        <p:cNvGrpSpPr/>
+        <p:nvPr/>
+      </p:nvGrpSpPr>
+      <p:grpSpPr>
+        <a:xfrm>
+          <a:off x="0" y="0"/>
+          <a:ext cx="0" cy="0"/>
+          <a:chOff x="0" y="0"/>
+          <a:chExt cx="0" cy="0"/>
+        </a:xfrm>
+      </p:grpSpPr>
+      <p:sp>
+        <p:nvSpPr>
+          <p:cNvPr id="4" name="Titre 1"/>
+          <p:cNvSpPr txBox="1">
+            <a:spLocks/>
+          </p:cNvSpPr>
+          <p:nvPr/>
+        </p:nvSpPr>
+        <p:spPr>
+          <a:xfrm>
+            <a:off x="247843" y="466437"/>
+            <a:ext cx="10253902" cy="850435"/>
+          </a:xfrm>
+          <a:prstGeom prst="rect">
+            <a:avLst/>
+          </a:prstGeom>
+        </p:spPr>
+        <p:txBody>
+          <a:bodyPr vert="horz" lIns="91440" tIns="45720" rIns="91440" bIns="45720" rtlCol="0" anchor="t">
+            <a:normAutofit/>
+          </a:bodyPr>
+          <a:lstStyle>
+            <a:lvl1pPr algn="l" defTabSz="457200" rtl="0" eaLnBrk="1" latinLnBrk="0" hangingPunct="1">
+              <a:spcBef>
+                <a:spcPct val="0"/>
+              </a:spcBef>
+              <a:buNone/>
+              <a:defRPr sz="3600" kern="1200">
+                <a:solidFill>
+                  <a:schemeClr val="accent1"/>
+                </a:solidFill>
+                <a:latin typeface="+mj-lt"/>
+                <a:ea typeface="+mj-ea"/>
+                <a:cs typeface="+mj-cs"/>
+              </a:defRPr>
+            </a:lvl1pPr>
+            <a:lvl2pPr eaLnBrk="1" hangingPunct="1">
+              <a:defRPr>
+                <a:solidFill>
+                  <a:schemeClr val="tx2"/>
+                </a:solidFill>
+              </a:defRPr>
+            </a:lvl2pPr>
+            <a:lvl3pPr eaLnBrk="1" hangingPunct="1">
+              <a:defRPr>
+                <a:solidFill>
+                  <a:schemeClr val="tx2"/>
+                </a:solidFill>
+              </a:defRPr>
+            </a:lvl3pPr>
+            <a:lvl4pPr eaLnBrk="1" hangingPunct="1">
+              <a:defRPr>
+                <a:solidFill>
+                  <a:schemeClr val="tx2"/>
+                </a:solidFill>
+              </a:defRPr>
+            </a:lvl4pPr>
+            <a:lvl5pPr eaLnBrk="1" hangingPunct="1">
+              <a:defRPr>
+                <a:solidFill>
+                  <a:schemeClr val="tx2"/>
+                </a:solidFill>
+              </a:defRPr>
+            </a:lvl5pPr>
+            <a:lvl6pPr eaLnBrk="1" hangingPunct="1">
+              <a:defRPr>
+                <a:solidFill>
+                  <a:schemeClr val="tx2"/>
+                </a:solidFill>
+              </a:defRPr>
+            </a:lvl6pPr>
+            <a:lvl7pPr eaLnBrk="1" hangingPunct="1">
+              <a:defRPr>
+                <a:solidFill>
+                  <a:schemeClr val="tx2"/>
+                </a:solidFill>
+              </a:defRPr>
+            </a:lvl7pPr>
+            <a:lvl8pPr eaLnBrk="1" hangingPunct="1">
+              <a:defRPr>
+                <a:solidFill>
+                  <a:schemeClr val="tx2"/>
+                </a:solidFill>
+              </a:defRPr>
+            </a:lvl8pPr>
+            <a:lvl9pPr eaLnBrk="1" hangingPunct="1">
+              <a:defRPr>
+                <a:solidFill>
+                  <a:schemeClr val="tx2"/>
+                </a:solidFill>
+              </a:defRPr>
+            </a:lvl9pPr>
+          </a:lstStyle>
+          <a:p>
+            <a:r>
+              <a:rPr lang="en-US" dirty="0" err="1"/>
+              <a:t>Présentation</a:t>
+            </a:r>
+            <a:r>
+              <a:rPr lang="en-US" dirty="0"/>
+              <a:t> de </a:t>
+            </a:r>
+            <a:r>
+              <a:rPr lang="en-US" dirty="0" err="1"/>
+              <a:t>l’entreprise</a:t>
+            </a:r>
+            <a:r>
+              <a:rPr lang="en-US" dirty="0"/>
+              <a:t> </a:t>
+            </a:r>
+            <a:r>
+              <a:rPr lang="en-US" dirty="0" err="1" smtClean="0"/>
+              <a:t>d’accueil</a:t>
+            </a:r>
+            <a:endParaRPr lang="en-US" dirty="0"/>
+          </a:p>
+        </p:txBody>
+      </p:sp>
+      <p:sp>
+        <p:nvSpPr>
+          <p:cNvPr id="6" name="Sous-titre 2"/>
+          <p:cNvSpPr txBox="1">
+            <a:spLocks/>
+          </p:cNvSpPr>
+          <p:nvPr/>
+        </p:nvSpPr>
+        <p:spPr>
+          <a:xfrm>
+            <a:off x="952884" y="2360826"/>
+            <a:ext cx="7766936" cy="2136348"/>
+          </a:xfrm>
+          <a:prstGeom prst="rect">
+            <a:avLst/>
+          </a:prstGeom>
+        </p:spPr>
+        <p:txBody>
+          <a:bodyPr vert="horz" lIns="91440" tIns="45720" rIns="91440" bIns="45720" rtlCol="0">
+            <a:normAutofit/>
+          </a:bodyPr>
+          <a:lstStyle>
+            <a:lvl1pPr marL="342900" indent="-342900" algn="l" defTabSz="457200" rtl="0" eaLnBrk="1" latinLnBrk="0" hangingPunct="1">
+              <a:spcBef>
+                <a:spcPts val="1000"/>
+              </a:spcBef>
+              <a:spcAft>
+                <a:spcPts val="0"/>
+              </a:spcAft>
+              <a:buClr>
+                <a:schemeClr val="accent1"/>
+              </a:buClr>
+              <a:buSzPct val="80000"/>
+              <a:buFont typeface="Wingdings 3" charset="2"/>
+              <a:buChar char=""/>
+              <a:defRPr sz="1800" kern="1200">
+                <a:solidFill>
+                  <a:schemeClr val="tx1">
+                    <a:lumMod val="75000"/>
+                    <a:lumOff val="25000"/>
+                  </a:schemeClr>
+                </a:solidFill>
+                <a:latin typeface="+mn-lt"/>
+                <a:ea typeface="+mn-ea"/>
+                <a:cs typeface="+mn-cs"/>
+              </a:defRPr>
+            </a:lvl1pPr>
+            <a:lvl2pPr marL="742950" indent="-285750" algn="l" defTabSz="457200" rtl="0" eaLnBrk="1" latinLnBrk="0" hangingPunct="1">
+              <a:spcBef>
+                <a:spcPts val="1000"/>
+              </a:spcBef>
+              <a:spcAft>
+                <a:spcPts val="0"/>
+              </a:spcAft>
+              <a:buClr>
+                <a:schemeClr val="accent1"/>
+              </a:buClr>
+              <a:buSzPct val="80000"/>
+              <a:buFont typeface="Wingdings 3" charset="2"/>
+              <a:buChar char=""/>
+              <a:defRPr sz="1600" kern="1200">
+                <a:solidFill>
+                  <a:schemeClr val="tx1">
+                    <a:lumMod val="75000"/>
+                    <a:lumOff val="25000"/>
+                  </a:schemeClr>
+                </a:solidFill>
+                <a:latin typeface="+mn-lt"/>
+                <a:ea typeface="+mn-ea"/>
+                <a:cs typeface="+mn-cs"/>
+              </a:defRPr>
+            </a:lvl2pPr>
+            <a:lvl3pPr marL="1143000" indent="-228600" algn="l" defTabSz="457200" rtl="0" eaLnBrk="1" latinLnBrk="0" hangingPunct="1">
+              <a:spcBef>
+                <a:spcPts val="1000"/>
+              </a:spcBef>
+              <a:spcAft>
+                <a:spcPts val="0"/>
+              </a:spcAft>
+              <a:buClr>
+                <a:schemeClr val="accent1"/>
+              </a:buClr>
+              <a:buSzPct val="80000"/>
+              <a:buFont typeface="Wingdings 3" charset="2"/>
+              <a:buChar char=""/>
+              <a:defRPr sz="1400" kern="1200">
+                <a:solidFill>
+                  <a:schemeClr val="tx1">
+                    <a:lumMod val="75000"/>
+                    <a:lumOff val="25000"/>
+                  </a:schemeClr>
+                </a:solidFill>
+                <a:latin typeface="+mn-lt"/>
+                <a:ea typeface="+mn-ea"/>
+                <a:cs typeface="+mn-cs"/>
+              </a:defRPr>
+            </a:lvl3pPr>
+            <a:lvl4pPr marL="1600200" indent="-228600" algn="l" defTabSz="457200" rtl="0" eaLnBrk="1" latinLnBrk="0" hangingPunct="1">
+              <a:spcBef>
+                <a:spcPts val="1000"/>
+              </a:spcBef>
+              <a:spcAft>
+                <a:spcPts val="0"/>
+              </a:spcAft>
+              <a:buClr>
+                <a:schemeClr val="accent1"/>
+              </a:buClr>
+              <a:buSzPct val="80000"/>
+              <a:buFont typeface="Wingdings 3" charset="2"/>
+              <a:buChar char=""/>
+              <a:defRPr sz="1200" kern="1200">
+                <a:solidFill>
+                  <a:schemeClr val="tx1">
+                    <a:lumMod val="75000"/>
+                    <a:lumOff val="25000"/>
+                  </a:schemeClr>
+                </a:solidFill>
+                <a:latin typeface="+mn-lt"/>
+                <a:ea typeface="+mn-ea"/>
+                <a:cs typeface="+mn-cs"/>
+              </a:defRPr>
+            </a:lvl4pPr>
+            <a:lvl5pPr marL="2057400" indent="-228600" algn="l" defTabSz="457200" rtl="0" eaLnBrk="1" latinLnBrk="0" hangingPunct="1">
+              <a:spcBef>
+                <a:spcPts val="1000"/>
+              </a:spcBef>
+              <a:spcAft>
+                <a:spcPts val="0"/>
+              </a:spcAft>
+              <a:buClr>
+                <a:schemeClr val="accent1"/>
+              </a:buClr>
+              <a:buSzPct val="80000"/>
+              <a:buFont typeface="Wingdings 3" charset="2"/>
+              <a:buChar char=""/>
+              <a:defRPr sz="1200" kern="1200">
+                <a:solidFill>
+                  <a:schemeClr val="tx1">
+                    <a:lumMod val="75000"/>
+                    <a:lumOff val="25000"/>
+                  </a:schemeClr>
+                </a:solidFill>
+                <a:latin typeface="+mn-lt"/>
+                <a:ea typeface="+mn-ea"/>
+                <a:cs typeface="+mn-cs"/>
+              </a:defRPr>
+            </a:lvl5pPr>
+            <a:lvl6pPr marL="2514600" indent="-228600" algn="l" defTabSz="457200" rtl="0" eaLnBrk="1" latinLnBrk="0" hangingPunct="1">
+              <a:spcBef>
+                <a:spcPts val="1000"/>
+              </a:spcBef>
+              <a:spcAft>
+                <a:spcPts val="0"/>
+              </a:spcAft>
+              <a:buClr>
+                <a:schemeClr val="accent1"/>
+              </a:buClr>
+              <a:buSzPct val="80000"/>
+              <a:buFont typeface="Wingdings 3" charset="2"/>
+              <a:buChar char=""/>
+              <a:defRPr sz="1200" kern="1200">
+                <a:solidFill>
+                  <a:schemeClr val="tx1">
+                    <a:lumMod val="75000"/>
+                    <a:lumOff val="25000"/>
+                  </a:schemeClr>
+                </a:solidFill>
+                <a:latin typeface="+mn-lt"/>
+                <a:ea typeface="+mn-ea"/>
+                <a:cs typeface="+mn-cs"/>
+              </a:defRPr>
+            </a:lvl6pPr>
+            <a:lvl7pPr marL="2971800" indent="-228600" algn="l" defTabSz="457200" rtl="0" eaLnBrk="1" latinLnBrk="0" hangingPunct="1">
+              <a:spcBef>
+                <a:spcPts val="1000"/>
+              </a:spcBef>
+              <a:spcAft>
+                <a:spcPts val="0"/>
+              </a:spcAft>
+              <a:buClr>
+                <a:schemeClr val="accent1"/>
+              </a:buClr>
+              <a:buSzPct val="80000"/>
+              <a:buFont typeface="Wingdings 3" charset="2"/>
+              <a:buChar char=""/>
+              <a:defRPr sz="1200" kern="1200">
+                <a:solidFill>
+                  <a:schemeClr val="tx1">
+                    <a:lumMod val="75000"/>
+                    <a:lumOff val="25000"/>
+                  </a:schemeClr>
+                </a:solidFill>
+                <a:latin typeface="+mn-lt"/>
+                <a:ea typeface="+mn-ea"/>
+                <a:cs typeface="+mn-cs"/>
+              </a:defRPr>
+            </a:lvl7pPr>
+            <a:lvl8pPr marL="3429000" indent="-228600" algn="l" defTabSz="457200" rtl="0" eaLnBrk="1" latinLnBrk="0" hangingPunct="1">
+              <a:spcBef>
+                <a:spcPts val="1000"/>
+              </a:spcBef>
+              <a:spcAft>
+                <a:spcPts val="0"/>
+              </a:spcAft>
+              <a:buClr>
+                <a:schemeClr val="accent1"/>
+              </a:buClr>
+              <a:buSzPct val="80000"/>
+              <a:buFont typeface="Wingdings 3" charset="2"/>
+              <a:buChar char=""/>
+              <a:defRPr sz="1200" kern="1200">
+                <a:solidFill>
+                  <a:schemeClr val="tx1">
+                    <a:lumMod val="75000"/>
+                    <a:lumOff val="25000"/>
+                  </a:schemeClr>
+                </a:solidFill>
+                <a:latin typeface="+mn-lt"/>
+                <a:ea typeface="+mn-ea"/>
+                <a:cs typeface="+mn-cs"/>
+              </a:defRPr>
+            </a:lvl8pPr>
+            <a:lvl9pPr marL="3886200" indent="-228600" algn="l" defTabSz="457200" rtl="0" eaLnBrk="1" latinLnBrk="0" hangingPunct="1">
+              <a:spcBef>
+                <a:spcPts val="1000"/>
+              </a:spcBef>
+              <a:spcAft>
+                <a:spcPts val="0"/>
+              </a:spcAft>
+              <a:buClr>
+                <a:schemeClr val="accent1"/>
+              </a:buClr>
+              <a:buSzPct val="80000"/>
+              <a:buFont typeface="Wingdings 3" charset="2"/>
+              <a:buChar char=""/>
+              <a:defRPr sz="1200" kern="1200">
+                <a:solidFill>
+                  <a:schemeClr val="tx1">
+                    <a:lumMod val="75000"/>
+                    <a:lumOff val="25000"/>
+                  </a:schemeClr>
+                </a:solidFill>
+                <a:latin typeface="+mn-lt"/>
+                <a:ea typeface="+mn-ea"/>
+                <a:cs typeface="+mn-cs"/>
+              </a:defRPr>
+            </a:lvl9pPr>
+          </a:lstStyle>
+          <a:p>
+            <a:pPr lvl="0"/>
+            <a:r>
+              <a:rPr lang="en-US" dirty="0" err="1" smtClean="0"/>
+              <a:t>Qu’est-ce</a:t>
+            </a:r>
+            <a:r>
+              <a:rPr lang="en-US" dirty="0" smtClean="0"/>
+              <a:t> que </a:t>
+            </a:r>
+            <a:r>
+              <a:rPr lang="en-US" dirty="0" err="1" smtClean="0"/>
+              <a:t>Abodah</a:t>
+            </a:r>
+            <a:r>
+              <a:rPr lang="en-US" dirty="0" smtClean="0"/>
+              <a:t> Corporation </a:t>
+            </a:r>
+            <a:r>
+              <a:rPr lang="nl-NL" dirty="0" smtClean="0"/>
+              <a:t>?</a:t>
+            </a:r>
+          </a:p>
+          <a:p>
+            <a:pPr lvl="0"/>
+            <a:r>
+              <a:rPr lang="nl-NL" dirty="0" err="1" smtClean="0"/>
+              <a:t>Quels</a:t>
+            </a:r>
+            <a:r>
+              <a:rPr lang="nl-NL" dirty="0" smtClean="0"/>
+              <a:t> </a:t>
+            </a:r>
+            <a:r>
+              <a:rPr lang="nl-NL" dirty="0" err="1" smtClean="0"/>
+              <a:t>sont</a:t>
+            </a:r>
+            <a:r>
+              <a:rPr lang="nl-NL" dirty="0" smtClean="0"/>
+              <a:t> </a:t>
+            </a:r>
+            <a:r>
+              <a:rPr lang="nl-NL" dirty="0" err="1" smtClean="0"/>
+              <a:t>ses</a:t>
+            </a:r>
+            <a:r>
+              <a:rPr lang="nl-NL" dirty="0" smtClean="0"/>
+              <a:t> </a:t>
+            </a:r>
+            <a:r>
+              <a:rPr lang="nl-NL" dirty="0" err="1" smtClean="0"/>
+              <a:t>secteurs</a:t>
+            </a:r>
+            <a:r>
+              <a:rPr lang="nl-NL" dirty="0" smtClean="0"/>
+              <a:t> </a:t>
+            </a:r>
+            <a:r>
+              <a:rPr lang="nl-NL" dirty="0" err="1" smtClean="0"/>
+              <a:t>d’activit</a:t>
+            </a:r>
+            <a:r>
+              <a:rPr lang="en-US" dirty="0" smtClean="0"/>
+              <a:t>é ?</a:t>
+            </a:r>
+          </a:p>
+          <a:p>
+            <a:pPr lvl="0"/>
+            <a:r>
+              <a:rPr lang="en-US" dirty="0" err="1"/>
+              <a:t>Qu’est-ce</a:t>
+            </a:r>
+            <a:r>
+              <a:rPr lang="en-US" dirty="0"/>
+              <a:t> que </a:t>
+            </a:r>
+            <a:r>
+              <a:rPr lang="en-US" dirty="0" smtClean="0"/>
+              <a:t>la </a:t>
+            </a:r>
+            <a:r>
+              <a:rPr lang="en-US" dirty="0" err="1" smtClean="0"/>
+              <a:t>Dynamique</a:t>
+            </a:r>
+            <a:r>
+              <a:rPr lang="en-US" dirty="0" smtClean="0"/>
+              <a:t> </a:t>
+            </a:r>
+            <a:r>
+              <a:rPr lang="en-US" dirty="0" err="1" smtClean="0"/>
+              <a:t>Mondiale</a:t>
+            </a:r>
+            <a:r>
+              <a:rPr lang="en-US" dirty="0" smtClean="0"/>
+              <a:t> des </a:t>
+            </a:r>
+            <a:r>
+              <a:rPr lang="en-US" dirty="0" err="1" smtClean="0"/>
+              <a:t>Jeunes</a:t>
+            </a:r>
+            <a:r>
+              <a:rPr lang="en-US" dirty="0" smtClean="0"/>
+              <a:t> </a:t>
+            </a:r>
+            <a:r>
+              <a:rPr lang="nl-NL" dirty="0"/>
+              <a:t>?</a:t>
+            </a:r>
+            <a:endParaRPr lang="en-US" dirty="0"/>
+          </a:p>
+        </p:txBody>
+      </p:sp>
+    </p:spTree>
+    <p:extLst>
+      <p:ext uri="{BB962C8B-B14F-4D97-AF65-F5344CB8AC3E}">
+        <p14:creationId xmlns:p14="http://schemas.microsoft.com/office/powerpoint/2010/main" val="1286462618"/>
+      </p:ext>
+    </p:extLst>
+  </p:cSld>
+  <p:clrMapOvr>
+    <a:masterClrMapping/>
+  </p:clrMapOvr>
+  <mc:AlternateContent xmlns:mc="http://schemas.openxmlformats.org/markup-compatibility/2006">
+    <mc:Choice xmlns:p14="http://schemas.microsoft.com/office/powerpoint/2010/main" Requires="p14">
+      <p:transition spd="med" p14:dur="700">
+        <p:fade/>
+      </p:transition>
+    </mc:Choice>
+    <mc:Fallback>
+      <p:transition spd="med">
+        <p:fade/>
+      </p:transition>
+    </mc:Fallback>
+  </mc:AlternateContent>
+  <p:timing>
+    <p:tnLst>
+      <p:par>
+        <p:cTn id="1" dur="indefinite" restart="never" nodeType="tmRoot"/>
+      </p:par>
+    </p:tnLst>
+  </p:timing>
+</p:sld>
+</file>
+
+<file path=ppt/slides/slide6.xml><?xml version="1.0" encoding="utf-8"?>
+<p:sld xmlns:a="http://schemas.openxmlformats.org/drawingml/2006/main" xmlns:r="http://schemas.openxmlformats.org/officeDocument/2006/relationships" xmlns:p="http://schemas.openxmlformats.org/presentationml/2006/main">
+  <p:cSld>
+    <p:spTree>
+      <p:nvGrpSpPr>
+        <p:cNvPr id="1" name=""/>
+        <p:cNvGrpSpPr/>
+        <p:nvPr/>
+      </p:nvGrpSpPr>
+      <p:grpSpPr>
+        <a:xfrm>
+          <a:off x="0" y="0"/>
+          <a:ext cx="0" cy="0"/>
+          <a:chOff x="0" y="0"/>
+          <a:chExt cx="0" cy="0"/>
+        </a:xfrm>
+      </p:grpSpPr>
+      <p:sp>
+        <p:nvSpPr>
+          <p:cNvPr id="4" name="Titre 1"/>
+          <p:cNvSpPr txBox="1">
+            <a:spLocks/>
+          </p:cNvSpPr>
+          <p:nvPr/>
+        </p:nvSpPr>
+        <p:spPr>
+          <a:xfrm>
+            <a:off x="247843" y="466437"/>
+            <a:ext cx="10253902" cy="850435"/>
+          </a:xfrm>
+          <a:prstGeom prst="rect">
+            <a:avLst/>
+          </a:prstGeom>
+        </p:spPr>
+        <p:txBody>
+          <a:bodyPr vert="horz" lIns="91440" tIns="45720" rIns="91440" bIns="45720" rtlCol="0" anchor="t">
+            <a:normAutofit/>
+          </a:bodyPr>
+          <a:lstStyle>
+            <a:lvl1pPr algn="l" defTabSz="457200" rtl="0" eaLnBrk="1" latinLnBrk="0" hangingPunct="1">
+              <a:spcBef>
+                <a:spcPct val="0"/>
+              </a:spcBef>
+              <a:buNone/>
+              <a:defRPr sz="3600" kern="1200">
+                <a:solidFill>
+                  <a:schemeClr val="accent1"/>
+                </a:solidFill>
+                <a:latin typeface="+mj-lt"/>
+                <a:ea typeface="+mj-ea"/>
+                <a:cs typeface="+mj-cs"/>
+              </a:defRPr>
+            </a:lvl1pPr>
+            <a:lvl2pPr eaLnBrk="1" hangingPunct="1">
+              <a:defRPr>
+                <a:solidFill>
+                  <a:schemeClr val="tx2"/>
+                </a:solidFill>
+              </a:defRPr>
+            </a:lvl2pPr>
+            <a:lvl3pPr eaLnBrk="1" hangingPunct="1">
+              <a:defRPr>
+                <a:solidFill>
+                  <a:schemeClr val="tx2"/>
+                </a:solidFill>
+              </a:defRPr>
+            </a:lvl3pPr>
+            <a:lvl4pPr eaLnBrk="1" hangingPunct="1">
+              <a:defRPr>
+                <a:solidFill>
+                  <a:schemeClr val="tx2"/>
+                </a:solidFill>
+              </a:defRPr>
+            </a:lvl4pPr>
+            <a:lvl5pPr eaLnBrk="1" hangingPunct="1">
+              <a:defRPr>
+                <a:solidFill>
+                  <a:schemeClr val="tx2"/>
+                </a:solidFill>
+              </a:defRPr>
+            </a:lvl5pPr>
+            <a:lvl6pPr eaLnBrk="1" hangingPunct="1">
+              <a:defRPr>
+                <a:solidFill>
+                  <a:schemeClr val="tx2"/>
+                </a:solidFill>
+              </a:defRPr>
+            </a:lvl6pPr>
+            <a:lvl7pPr eaLnBrk="1" hangingPunct="1">
+              <a:defRPr>
+                <a:solidFill>
+                  <a:schemeClr val="tx2"/>
+                </a:solidFill>
+              </a:defRPr>
+            </a:lvl7pPr>
+            <a:lvl8pPr eaLnBrk="1" hangingPunct="1">
+              <a:defRPr>
+                <a:solidFill>
+                  <a:schemeClr val="tx2"/>
+                </a:solidFill>
+              </a:defRPr>
+            </a:lvl8pPr>
+            <a:lvl9pPr eaLnBrk="1" hangingPunct="1">
+              <a:defRPr>
+                <a:solidFill>
+                  <a:schemeClr val="tx2"/>
+                </a:solidFill>
+              </a:defRPr>
+            </a:lvl9pPr>
+          </a:lstStyle>
+          <a:p>
+            <a:pPr marL="0" marR="0" lvl="0" indent="0" algn="l" defTabSz="457200" rtl="0" eaLnBrk="1" fontAlgn="auto" latinLnBrk="0" hangingPunct="1">
+              <a:lnSpc>
+                <a:spcPct val="100000"/>
+              </a:lnSpc>
+              <a:spcBef>
+                <a:spcPct val="0"/>
+              </a:spcBef>
+              <a:spcAft>
+                <a:spcPts val="0"/>
+              </a:spcAft>
+              <a:buClrTx/>
+              <a:buSzTx/>
+              <a:buFontTx/>
+              <a:buNone/>
+              <a:tabLst/>
+              <a:defRPr/>
+            </a:pPr>
+            <a:r>
+              <a:rPr kumimoji="0" lang="en-US" sz="3600" b="0" i="0" u="none" strike="noStrike" kern="1200" cap="none" spc="0" normalizeH="0" baseline="0" noProof="0" dirty="0" err="1">
+                <a:ln>
+                  <a:noFill/>
+                </a:ln>
+                <a:solidFill>
+                  <a:srgbClr val="90C226"/>
+                </a:solidFill>
+                <a:effectLst/>
+                <a:uLnTx/>
+                <a:uFillTx/>
+                <a:latin typeface="Trebuchet MS" panose="020B0603020202020204"/>
+                <a:ea typeface="+mj-ea"/>
+                <a:cs typeface="+mj-cs"/>
+              </a:rPr>
+              <a:t>Présentation</a:t>
+            </a:r>
+            <a:r>
+              <a:rPr kumimoji="0" lang="en-US" sz="3600" b="0" i="0" u="none" strike="noStrike" kern="1200" cap="none" spc="0" normalizeH="0" baseline="0" noProof="0" dirty="0">
+                <a:ln>
+                  <a:noFill/>
+                </a:ln>
+                <a:solidFill>
+                  <a:srgbClr val="90C226"/>
+                </a:solidFill>
+                <a:effectLst/>
+                <a:uLnTx/>
+                <a:uFillTx/>
+                <a:latin typeface="Trebuchet MS" panose="020B0603020202020204"/>
+                <a:ea typeface="+mj-ea"/>
+                <a:cs typeface="+mj-cs"/>
+              </a:rPr>
+              <a:t> de </a:t>
+            </a:r>
+            <a:r>
+              <a:rPr kumimoji="0" lang="en-US" sz="3600" b="0" i="0" u="none" strike="noStrike" kern="1200" cap="none" spc="0" normalizeH="0" baseline="0" noProof="0" dirty="0" err="1">
+                <a:ln>
+                  <a:noFill/>
+                </a:ln>
+                <a:solidFill>
+                  <a:srgbClr val="90C226"/>
+                </a:solidFill>
+                <a:effectLst/>
+                <a:uLnTx/>
+                <a:uFillTx/>
+                <a:latin typeface="Trebuchet MS" panose="020B0603020202020204"/>
+                <a:ea typeface="+mj-ea"/>
+                <a:cs typeface="+mj-cs"/>
+              </a:rPr>
+              <a:t>l’entreprise</a:t>
+            </a:r>
+            <a:r>
+              <a:rPr kumimoji="0" lang="en-US" sz="3600" b="0" i="0" u="none" strike="noStrike" kern="1200" cap="none" spc="0" normalizeH="0" baseline="0" noProof="0" dirty="0">
+                <a:ln>
+                  <a:noFill/>
+                </a:ln>
+                <a:solidFill>
+                  <a:srgbClr val="90C226"/>
+                </a:solidFill>
+                <a:effectLst/>
+                <a:uLnTx/>
+                <a:uFillTx/>
+                <a:latin typeface="Trebuchet MS" panose="020B0603020202020204"/>
+                <a:ea typeface="+mj-ea"/>
+                <a:cs typeface="+mj-cs"/>
+              </a:rPr>
+              <a:t> </a:t>
+            </a:r>
+            <a:r>
+              <a:rPr kumimoji="0" lang="en-US" sz="3600" b="0" i="0" u="none" strike="noStrike" kern="1200" cap="none" spc="0" normalizeH="0" baseline="0" noProof="0" dirty="0" err="1" smtClean="0">
+                <a:ln>
+                  <a:noFill/>
+                </a:ln>
+                <a:solidFill>
+                  <a:srgbClr val="90C226"/>
+                </a:solidFill>
+                <a:effectLst/>
+                <a:uLnTx/>
+                <a:uFillTx/>
+                <a:latin typeface="Trebuchet MS" panose="020B0603020202020204"/>
+                <a:ea typeface="+mj-ea"/>
+                <a:cs typeface="+mj-cs"/>
+              </a:rPr>
+              <a:t>d’accueil</a:t>
+            </a:r>
+            <a:endParaRPr kumimoji="0" lang="en-US" sz="3600" b="0" i="0" u="none" strike="noStrike" kern="1200" cap="none" spc="0" normalizeH="0" baseline="0" noProof="0" dirty="0">
+              <a:ln>
+                <a:noFill/>
+              </a:ln>
+              <a:solidFill>
+                <a:srgbClr val="90C226"/>
+              </a:solidFill>
+              <a:effectLst/>
+              <a:uLnTx/>
+              <a:uFillTx/>
+              <a:latin typeface="Trebuchet MS" panose="020B0603020202020204"/>
+              <a:ea typeface="+mj-ea"/>
+              <a:cs typeface="+mj-cs"/>
+            </a:endParaRPr>
+          </a:p>
+        </p:txBody>
+      </p:sp>
+      <p:sp>
+        <p:nvSpPr>
+          <p:cNvPr id="6" name="Sous-titre 2"/>
+          <p:cNvSpPr txBox="1">
+            <a:spLocks/>
+          </p:cNvSpPr>
+          <p:nvPr/>
+        </p:nvSpPr>
+        <p:spPr>
+          <a:xfrm>
+            <a:off x="952884" y="2360826"/>
+            <a:ext cx="7766936" cy="2136348"/>
+          </a:xfrm>
+          <a:prstGeom prst="rect">
+            <a:avLst/>
+          </a:prstGeom>
+        </p:spPr>
+        <p:txBody>
+          <a:bodyPr vert="horz" lIns="91440" tIns="45720" rIns="91440" bIns="45720" rtlCol="0">
+            <a:normAutofit fontScale="92500" lnSpcReduction="20000"/>
+          </a:bodyPr>
+          <a:lstStyle>
+            <a:lvl1pPr marL="342900" indent="-342900" algn="l" defTabSz="457200" rtl="0" eaLnBrk="1" latinLnBrk="0" hangingPunct="1">
+              <a:spcBef>
+                <a:spcPts val="1000"/>
+              </a:spcBef>
+              <a:spcAft>
+                <a:spcPts val="0"/>
+              </a:spcAft>
+              <a:buClr>
+                <a:schemeClr val="accent1"/>
+              </a:buClr>
+              <a:buSzPct val="80000"/>
+              <a:buFont typeface="Wingdings 3" charset="2"/>
+              <a:buChar char=""/>
+              <a:defRPr sz="1800" kern="1200">
+                <a:solidFill>
+                  <a:schemeClr val="tx1">
+                    <a:lumMod val="75000"/>
+                    <a:lumOff val="25000"/>
+                  </a:schemeClr>
+                </a:solidFill>
+                <a:latin typeface="+mn-lt"/>
+                <a:ea typeface="+mn-ea"/>
+                <a:cs typeface="+mn-cs"/>
+              </a:defRPr>
+            </a:lvl1pPr>
+            <a:lvl2pPr marL="742950" indent="-285750" algn="l" defTabSz="457200" rtl="0" eaLnBrk="1" latinLnBrk="0" hangingPunct="1">
+              <a:spcBef>
+                <a:spcPts val="1000"/>
+              </a:spcBef>
+              <a:spcAft>
+                <a:spcPts val="0"/>
+              </a:spcAft>
+              <a:buClr>
+                <a:schemeClr val="accent1"/>
+              </a:buClr>
+              <a:buSzPct val="80000"/>
+              <a:buFont typeface="Wingdings 3" charset="2"/>
+              <a:buChar char=""/>
+              <a:defRPr sz="1600" kern="1200">
+                <a:solidFill>
+                  <a:schemeClr val="tx1">
+                    <a:lumMod val="75000"/>
+                    <a:lumOff val="25000"/>
+                  </a:schemeClr>
+                </a:solidFill>
+                <a:latin typeface="+mn-lt"/>
+                <a:ea typeface="+mn-ea"/>
+                <a:cs typeface="+mn-cs"/>
+              </a:defRPr>
+            </a:lvl2pPr>
+            <a:lvl3pPr marL="1143000" indent="-228600" algn="l" defTabSz="457200" rtl="0" eaLnBrk="1" latinLnBrk="0" hangingPunct="1">
+              <a:spcBef>
+                <a:spcPts val="1000"/>
+              </a:spcBef>
+              <a:spcAft>
+                <a:spcPts val="0"/>
+              </a:spcAft>
+              <a:buClr>
+                <a:schemeClr val="accent1"/>
+              </a:buClr>
+              <a:buSzPct val="80000"/>
+              <a:buFont typeface="Wingdings 3" charset="2"/>
+              <a:buChar char=""/>
+              <a:defRPr sz="1400" kern="1200">
+                <a:solidFill>
+                  <a:schemeClr val="tx1">
+                    <a:lumMod val="75000"/>
+                    <a:lumOff val="25000"/>
+                  </a:schemeClr>
+                </a:solidFill>
+                <a:latin typeface="+mn-lt"/>
+                <a:ea typeface="+mn-ea"/>
+                <a:cs typeface="+mn-cs"/>
+              </a:defRPr>
+            </a:lvl3pPr>
+            <a:lvl4pPr marL="1600200" indent="-228600" algn="l" defTabSz="457200" rtl="0" eaLnBrk="1" latinLnBrk="0" hangingPunct="1">
+              <a:spcBef>
+                <a:spcPts val="1000"/>
+              </a:spcBef>
+              <a:spcAft>
+                <a:spcPts val="0"/>
+              </a:spcAft>
+              <a:buClr>
+                <a:schemeClr val="accent1"/>
+              </a:buClr>
+              <a:buSzPct val="80000"/>
+              <a:buFont typeface="Wingdings 3" charset="2"/>
+              <a:buChar char=""/>
+              <a:defRPr sz="1200" kern="1200">
+                <a:solidFill>
+                  <a:schemeClr val="tx1">
+                    <a:lumMod val="75000"/>
+                    <a:lumOff val="25000"/>
+                  </a:schemeClr>
+                </a:solidFill>
+                <a:latin typeface="+mn-lt"/>
+                <a:ea typeface="+mn-ea"/>
+                <a:cs typeface="+mn-cs"/>
+              </a:defRPr>
+            </a:lvl4pPr>
+            <a:lvl5pPr marL="2057400" indent="-228600" algn="l" defTabSz="457200" rtl="0" eaLnBrk="1" latinLnBrk="0" hangingPunct="1">
+              <a:spcBef>
+                <a:spcPts val="1000"/>
+              </a:spcBef>
+              <a:spcAft>
+                <a:spcPts val="0"/>
+              </a:spcAft>
+              <a:buClr>
+                <a:schemeClr val="accent1"/>
+              </a:buClr>
+              <a:buSzPct val="80000"/>
+              <a:buFont typeface="Wingdings 3" charset="2"/>
+              <a:buChar char=""/>
+              <a:defRPr sz="1200" kern="1200">
+                <a:solidFill>
+                  <a:schemeClr val="tx1">
+                    <a:lumMod val="75000"/>
+                    <a:lumOff val="25000"/>
+                  </a:schemeClr>
+                </a:solidFill>
+                <a:latin typeface="+mn-lt"/>
+                <a:ea typeface="+mn-ea"/>
+                <a:cs typeface="+mn-cs"/>
+              </a:defRPr>
+            </a:lvl5pPr>
+            <a:lvl6pPr marL="2514600" indent="-228600" algn="l" defTabSz="457200" rtl="0" eaLnBrk="1" latinLnBrk="0" hangingPunct="1">
+              <a:spcBef>
+                <a:spcPts val="1000"/>
+              </a:spcBef>
+              <a:spcAft>
+                <a:spcPts val="0"/>
+              </a:spcAft>
+              <a:buClr>
+                <a:schemeClr val="accent1"/>
+              </a:buClr>
+              <a:buSzPct val="80000"/>
+              <a:buFont typeface="Wingdings 3" charset="2"/>
+              <a:buChar char=""/>
+              <a:defRPr sz="1200" kern="1200">
+                <a:solidFill>
+                  <a:schemeClr val="tx1">
+                    <a:lumMod val="75000"/>
+                    <a:lumOff val="25000"/>
+                  </a:schemeClr>
+                </a:solidFill>
+                <a:latin typeface="+mn-lt"/>
+                <a:ea typeface="+mn-ea"/>
+                <a:cs typeface="+mn-cs"/>
+              </a:defRPr>
+            </a:lvl6pPr>
+            <a:lvl7pPr marL="2971800" indent="-228600" algn="l" defTabSz="457200" rtl="0" eaLnBrk="1" latinLnBrk="0" hangingPunct="1">
+              <a:spcBef>
+                <a:spcPts val="1000"/>
+              </a:spcBef>
+              <a:spcAft>
+                <a:spcPts val="0"/>
+              </a:spcAft>
+              <a:buClr>
+                <a:schemeClr val="accent1"/>
+              </a:buClr>
+              <a:buSzPct val="80000"/>
+              <a:buFont typeface="Wingdings 3" charset="2"/>
+              <a:buChar char=""/>
+              <a:defRPr sz="1200" kern="1200">
+                <a:solidFill>
+                  <a:schemeClr val="tx1">
+                    <a:lumMod val="75000"/>
+                    <a:lumOff val="25000"/>
+                  </a:schemeClr>
+                </a:solidFill>
+                <a:latin typeface="+mn-lt"/>
+                <a:ea typeface="+mn-ea"/>
+                <a:cs typeface="+mn-cs"/>
+              </a:defRPr>
+            </a:lvl7pPr>
+            <a:lvl8pPr marL="3429000" indent="-228600" algn="l" defTabSz="457200" rtl="0" eaLnBrk="1" latinLnBrk="0" hangingPunct="1">
+              <a:spcBef>
+                <a:spcPts val="1000"/>
+              </a:spcBef>
+              <a:spcAft>
+                <a:spcPts val="0"/>
+              </a:spcAft>
+              <a:buClr>
+                <a:schemeClr val="accent1"/>
+              </a:buClr>
+              <a:buSzPct val="80000"/>
+              <a:buFont typeface="Wingdings 3" charset="2"/>
+              <a:buChar char=""/>
+              <a:defRPr sz="1200" kern="1200">
+                <a:solidFill>
+                  <a:schemeClr val="tx1">
+                    <a:lumMod val="75000"/>
+                    <a:lumOff val="25000"/>
+                  </a:schemeClr>
+                </a:solidFill>
+                <a:latin typeface="+mn-lt"/>
+                <a:ea typeface="+mn-ea"/>
+                <a:cs typeface="+mn-cs"/>
+              </a:defRPr>
+            </a:lvl8pPr>
+            <a:lvl9pPr marL="3886200" indent="-228600" algn="l" defTabSz="457200" rtl="0" eaLnBrk="1" latinLnBrk="0" hangingPunct="1">
+              <a:spcBef>
+                <a:spcPts val="1000"/>
+              </a:spcBef>
+              <a:spcAft>
+                <a:spcPts val="0"/>
+              </a:spcAft>
+              <a:buClr>
+                <a:schemeClr val="accent1"/>
+              </a:buClr>
+              <a:buSzPct val="80000"/>
+              <a:buFont typeface="Wingdings 3" charset="2"/>
+              <a:buChar char=""/>
+              <a:defRPr sz="1200" kern="1200">
+                <a:solidFill>
+                  <a:schemeClr val="tx1">
+                    <a:lumMod val="75000"/>
+                    <a:lumOff val="25000"/>
+                  </a:schemeClr>
+                </a:solidFill>
+                <a:latin typeface="+mn-lt"/>
+                <a:ea typeface="+mn-ea"/>
+                <a:cs typeface="+mn-cs"/>
+              </a:defRPr>
+            </a:lvl9pPr>
+          </a:lstStyle>
+          <a:p>
+            <a:pPr marL="0" lvl="0" indent="0">
+              <a:lnSpc>
+                <a:spcPct val="150000"/>
+              </a:lnSpc>
+              <a:buClr>
+                <a:srgbClr val="90C226"/>
+              </a:buClr>
+              <a:buNone/>
+            </a:pPr>
+            <a:r>
+              <a:rPr lang="fr-CM" dirty="0"/>
+              <a:t>ABODAH Corporation est une entreprise classée au rang de </a:t>
+            </a:r>
+            <a:r>
+              <a:rPr lang="fr-CM" dirty="0" smtClean="0"/>
+              <a:t>start-up,</a:t>
+            </a:r>
+            <a:r>
+              <a:rPr lang="fr-CM" dirty="0"/>
+              <a:t> Elle mène des activités orientées cloud par des technologies innovantes de travail </a:t>
+            </a:r>
+            <a:r>
+              <a:rPr lang="fr-CM" dirty="0" smtClean="0"/>
+              <a:t>collaboratif à distance.</a:t>
+            </a:r>
+          </a:p>
+          <a:p>
+            <a:pPr marL="0" lvl="0" indent="0">
+              <a:lnSpc>
+                <a:spcPct val="150000"/>
+              </a:lnSpc>
+              <a:buClr>
+                <a:srgbClr val="90C226"/>
+              </a:buClr>
+              <a:buNone/>
+            </a:pPr>
+            <a:endParaRPr kumimoji="0" lang="fr-CM" sz="1800" b="0" i="0" u="none" strike="noStrike" kern="1200" cap="none" spc="0" normalizeH="0" baseline="0" noProof="0" dirty="0">
+              <a:ln>
+                <a:noFill/>
+              </a:ln>
+              <a:solidFill>
+                <a:prstClr val="white">
+                  <a:lumMod val="75000"/>
+                  <a:lumOff val="25000"/>
+                </a:prstClr>
+              </a:solidFill>
+              <a:effectLst/>
+              <a:uLnTx/>
+              <a:uFillTx/>
+              <a:latin typeface="Trebuchet MS" panose="020B0603020202020204"/>
+              <a:ea typeface="+mn-ea"/>
+              <a:cs typeface="+mn-cs"/>
+            </a:endParaRPr>
+          </a:p>
+          <a:p>
+            <a:pPr marL="0" lvl="0" indent="0">
+              <a:lnSpc>
+                <a:spcPct val="150000"/>
+              </a:lnSpc>
+              <a:buClr>
+                <a:srgbClr val="90C226"/>
+              </a:buClr>
+              <a:buNone/>
+            </a:pPr>
+            <a:r>
+              <a:rPr kumimoji="0" lang="en-US" sz="1800" b="0" i="0" u="none" strike="noStrike" kern="1200" cap="none" spc="0" normalizeH="0" baseline="0" noProof="0" dirty="0" smtClean="0">
+                <a:ln>
+                  <a:noFill/>
+                </a:ln>
+                <a:solidFill>
+                  <a:prstClr val="white">
+                    <a:lumMod val="75000"/>
+                    <a:lumOff val="25000"/>
+                  </a:prstClr>
+                </a:solidFill>
+                <a:effectLst/>
+                <a:uLnTx/>
+                <a:uFillTx/>
+                <a:latin typeface="Trebuchet MS" panose="020B0603020202020204"/>
+                <a:ea typeface="+mn-ea"/>
+                <a:cs typeface="+mn-cs"/>
+              </a:rPr>
+              <a:t>Elle </a:t>
+            </a:r>
+            <a:r>
+              <a:rPr lang="fr-CM" dirty="0"/>
+              <a:t>voit le jour en 2016 suite par M. TSE Martial et M. TEUNKAM Steve Ruben.</a:t>
+            </a:r>
+            <a:endParaRPr kumimoji="0" lang="en-US" sz="1800" b="0" i="0" u="none" strike="noStrike" kern="1200" cap="none" spc="0" normalizeH="0" baseline="0" noProof="0" dirty="0">
+              <a:ln>
+                <a:noFill/>
+              </a:ln>
+              <a:solidFill>
+                <a:prstClr val="white">
+                  <a:lumMod val="75000"/>
+                  <a:lumOff val="25000"/>
+                </a:prstClr>
+              </a:solidFill>
+              <a:effectLst/>
+              <a:uLnTx/>
+              <a:uFillTx/>
+              <a:latin typeface="Trebuchet MS" panose="020B0603020202020204"/>
+              <a:ea typeface="+mn-ea"/>
+              <a:cs typeface="+mn-cs"/>
+            </a:endParaRPr>
+          </a:p>
+        </p:txBody>
+      </p:sp>
+      <p:pic>
+        <p:nvPicPr>
+          <p:cNvPr id="2" name="Image 1"/>
+          <p:cNvPicPr>
+            <a:picLocks noChangeAspect="1"/>
+          </p:cNvPicPr>
+          <p:nvPr/>
+        </p:nvPicPr>
+        <p:blipFill>
+          <a:blip r:embed="rId2">
+            <a:extLst>
+              <a:ext uri="{28A0092B-C50C-407E-A947-70E740481C1C}">
+                <a14:useLocalDpi xmlns:a14="http://schemas.microsoft.com/office/drawing/2010/main" val="0"/>
+              </a:ext>
+            </a:extLst>
+          </a:blip>
+          <a:stretch>
+            <a:fillRect/>
+          </a:stretch>
+        </p:blipFill>
+        <p:spPr>
+          <a:xfrm>
+            <a:off x="1893127" y="4798178"/>
+            <a:ext cx="5886450" cy="1485900"/>
+          </a:xfrm>
+          <a:prstGeom prst="rect">
+            <a:avLst/>
+          </a:prstGeom>
+        </p:spPr>
+      </p:pic>
+    </p:spTree>
+    <p:extLst>
+      <p:ext uri="{BB962C8B-B14F-4D97-AF65-F5344CB8AC3E}">
+        <p14:creationId xmlns:p14="http://schemas.microsoft.com/office/powerpoint/2010/main" val="688095803"/>
+      </p:ext>
+    </p:extLst>
+  </p:cSld>
+  <p:clrMapOvr>
+    <a:masterClrMapping/>
+  </p:clrMapOvr>
+  <mc:AlternateContent xmlns:mc="http://schemas.openxmlformats.org/markup-compatibility/2006">
+    <mc:Choice xmlns:p14="http://schemas.microsoft.com/office/powerpoint/2010/main" Requires="p14">
+      <p:transition spd="med" p14:dur="700">
+        <p:fade/>
+      </p:transition>
+    </mc:Choice>
+    <mc:Fallback>
+      <p:transition spd="med">
+        <p:fade/>
+      </p:transition>
+    </mc:Fallback>
+  </mc:AlternateContent>
+  <p:timing>
+    <p:tnLst>
+      <p:par>
+        <p:cTn id="1" dur="indefinite" restart="never" nodeType="tmRoot"/>
+      </p:par>
+    </p:tnLst>
+  </p:timing>
+</p:sld>
+</file>
+
+<file path=ppt/slides/slide7.xml><?xml version="1.0" encoding="utf-8"?>
+<p:sld xmlns:a="http://schemas.openxmlformats.org/drawingml/2006/main" xmlns:r="http://schemas.openxmlformats.org/officeDocument/2006/relationships" xmlns:p="http://schemas.openxmlformats.org/presentationml/2006/main">
+  <p:cSld>
+    <p:spTree>
+      <p:nvGrpSpPr>
+        <p:cNvPr id="1" name=""/>
+        <p:cNvGrpSpPr/>
+        <p:nvPr/>
+      </p:nvGrpSpPr>
+      <p:grpSpPr>
+        <a:xfrm>
+          <a:off x="0" y="0"/>
+          <a:ext cx="0" cy="0"/>
+          <a:chOff x="0" y="0"/>
+          <a:chExt cx="0" cy="0"/>
+        </a:xfrm>
+      </p:grpSpPr>
+      <p:sp>
+        <p:nvSpPr>
+          <p:cNvPr id="4" name="Titre 1"/>
+          <p:cNvSpPr txBox="1">
+            <a:spLocks/>
+          </p:cNvSpPr>
+          <p:nvPr/>
+        </p:nvSpPr>
+        <p:spPr>
+          <a:xfrm>
+            <a:off x="247843" y="466437"/>
+            <a:ext cx="10253902" cy="850435"/>
+          </a:xfrm>
+          <a:prstGeom prst="rect">
+            <a:avLst/>
+          </a:prstGeom>
+        </p:spPr>
+        <p:txBody>
+          <a:bodyPr vert="horz" lIns="91440" tIns="45720" rIns="91440" bIns="45720" rtlCol="0" anchor="t">
+            <a:normAutofit/>
+          </a:bodyPr>
+          <a:lstStyle>
+            <a:lvl1pPr algn="l" defTabSz="457200" rtl="0" eaLnBrk="1" latinLnBrk="0" hangingPunct="1">
+              <a:spcBef>
+                <a:spcPct val="0"/>
+              </a:spcBef>
+              <a:buNone/>
+              <a:defRPr sz="3600" kern="1200">
+                <a:solidFill>
+                  <a:schemeClr val="accent1"/>
+                </a:solidFill>
+                <a:latin typeface="+mj-lt"/>
+                <a:ea typeface="+mj-ea"/>
+                <a:cs typeface="+mj-cs"/>
+              </a:defRPr>
+            </a:lvl1pPr>
+            <a:lvl2pPr eaLnBrk="1" hangingPunct="1">
+              <a:defRPr>
+                <a:solidFill>
+                  <a:schemeClr val="tx2"/>
+                </a:solidFill>
+              </a:defRPr>
+            </a:lvl2pPr>
+            <a:lvl3pPr eaLnBrk="1" hangingPunct="1">
+              <a:defRPr>
+                <a:solidFill>
+                  <a:schemeClr val="tx2"/>
+                </a:solidFill>
+              </a:defRPr>
+            </a:lvl3pPr>
+            <a:lvl4pPr eaLnBrk="1" hangingPunct="1">
+              <a:defRPr>
+                <a:solidFill>
+                  <a:schemeClr val="tx2"/>
+                </a:solidFill>
+              </a:defRPr>
+            </a:lvl4pPr>
+            <a:lvl5pPr eaLnBrk="1" hangingPunct="1">
+              <a:defRPr>
+                <a:solidFill>
+                  <a:schemeClr val="tx2"/>
+                </a:solidFill>
+              </a:defRPr>
+            </a:lvl5pPr>
+            <a:lvl6pPr eaLnBrk="1" hangingPunct="1">
+              <a:defRPr>
+                <a:solidFill>
+                  <a:schemeClr val="tx2"/>
+                </a:solidFill>
+              </a:defRPr>
+            </a:lvl6pPr>
+            <a:lvl7pPr eaLnBrk="1" hangingPunct="1">
+              <a:defRPr>
+                <a:solidFill>
+                  <a:schemeClr val="tx2"/>
+                </a:solidFill>
+              </a:defRPr>
+            </a:lvl7pPr>
+            <a:lvl8pPr eaLnBrk="1" hangingPunct="1">
+              <a:defRPr>
+                <a:solidFill>
+                  <a:schemeClr val="tx2"/>
+                </a:solidFill>
+              </a:defRPr>
+            </a:lvl8pPr>
+            <a:lvl9pPr eaLnBrk="1" hangingPunct="1">
+              <a:defRPr>
+                <a:solidFill>
+                  <a:schemeClr val="tx2"/>
+                </a:solidFill>
+              </a:defRPr>
+            </a:lvl9pPr>
+          </a:lstStyle>
+          <a:p>
+            <a:pPr marL="0" marR="0" lvl="0" indent="0" algn="l" defTabSz="457200" rtl="0" eaLnBrk="1" fontAlgn="auto" latinLnBrk="0" hangingPunct="1">
+              <a:lnSpc>
+                <a:spcPct val="100000"/>
+              </a:lnSpc>
+              <a:spcBef>
+                <a:spcPct val="0"/>
+              </a:spcBef>
+              <a:spcAft>
+                <a:spcPts val="0"/>
+              </a:spcAft>
+              <a:buClrTx/>
+              <a:buSzTx/>
+              <a:buFontTx/>
+              <a:buNone/>
+              <a:tabLst/>
+              <a:defRPr/>
+            </a:pPr>
+            <a:r>
+              <a:rPr kumimoji="0" lang="en-US" sz="3600" b="0" i="0" u="none" strike="noStrike" kern="1200" cap="none" spc="0" normalizeH="0" baseline="0" noProof="0" dirty="0" err="1">
+                <a:ln>
+                  <a:noFill/>
+                </a:ln>
+                <a:solidFill>
+                  <a:srgbClr val="90C226"/>
+                </a:solidFill>
+                <a:effectLst/>
+                <a:uLnTx/>
+                <a:uFillTx/>
+                <a:latin typeface="Trebuchet MS" panose="020B0603020202020204"/>
+                <a:ea typeface="+mj-ea"/>
+                <a:cs typeface="+mj-cs"/>
+              </a:rPr>
+              <a:t>Présentation</a:t>
+            </a:r>
+            <a:r>
+              <a:rPr kumimoji="0" lang="en-US" sz="3600" b="0" i="0" u="none" strike="noStrike" kern="1200" cap="none" spc="0" normalizeH="0" baseline="0" noProof="0" dirty="0">
+                <a:ln>
+                  <a:noFill/>
+                </a:ln>
+                <a:solidFill>
+                  <a:srgbClr val="90C226"/>
+                </a:solidFill>
+                <a:effectLst/>
+                <a:uLnTx/>
+                <a:uFillTx/>
+                <a:latin typeface="Trebuchet MS" panose="020B0603020202020204"/>
+                <a:ea typeface="+mj-ea"/>
+                <a:cs typeface="+mj-cs"/>
+              </a:rPr>
+              <a:t> de </a:t>
+            </a:r>
+            <a:r>
+              <a:rPr kumimoji="0" lang="en-US" sz="3600" b="0" i="0" u="none" strike="noStrike" kern="1200" cap="none" spc="0" normalizeH="0" baseline="0" noProof="0" dirty="0" err="1">
+                <a:ln>
+                  <a:noFill/>
+                </a:ln>
+                <a:solidFill>
+                  <a:srgbClr val="90C226"/>
+                </a:solidFill>
+                <a:effectLst/>
+                <a:uLnTx/>
+                <a:uFillTx/>
+                <a:latin typeface="Trebuchet MS" panose="020B0603020202020204"/>
+                <a:ea typeface="+mj-ea"/>
+                <a:cs typeface="+mj-cs"/>
+              </a:rPr>
+              <a:t>l’entreprise</a:t>
+            </a:r>
+            <a:r>
+              <a:rPr kumimoji="0" lang="en-US" sz="3600" b="0" i="0" u="none" strike="noStrike" kern="1200" cap="none" spc="0" normalizeH="0" baseline="0" noProof="0" dirty="0">
+                <a:ln>
+                  <a:noFill/>
+                </a:ln>
+                <a:solidFill>
+                  <a:srgbClr val="90C226"/>
+                </a:solidFill>
+                <a:effectLst/>
+                <a:uLnTx/>
+                <a:uFillTx/>
+                <a:latin typeface="Trebuchet MS" panose="020B0603020202020204"/>
+                <a:ea typeface="+mj-ea"/>
+                <a:cs typeface="+mj-cs"/>
+              </a:rPr>
+              <a:t> </a:t>
+            </a:r>
+            <a:r>
+              <a:rPr kumimoji="0" lang="en-US" sz="3600" b="0" i="0" u="none" strike="noStrike" kern="1200" cap="none" spc="0" normalizeH="0" baseline="0" noProof="0" dirty="0" err="1" smtClean="0">
+                <a:ln>
+                  <a:noFill/>
+                </a:ln>
+                <a:solidFill>
+                  <a:srgbClr val="90C226"/>
+                </a:solidFill>
+                <a:effectLst/>
+                <a:uLnTx/>
+                <a:uFillTx/>
+                <a:latin typeface="Trebuchet MS" panose="020B0603020202020204"/>
+                <a:ea typeface="+mj-ea"/>
+                <a:cs typeface="+mj-cs"/>
+              </a:rPr>
+              <a:t>d’accueil</a:t>
+            </a:r>
+            <a:endParaRPr kumimoji="0" lang="en-US" sz="3600" b="0" i="0" u="none" strike="noStrike" kern="1200" cap="none" spc="0" normalizeH="0" baseline="0" noProof="0" dirty="0">
+              <a:ln>
+                <a:noFill/>
+              </a:ln>
+              <a:solidFill>
+                <a:srgbClr val="90C226"/>
+              </a:solidFill>
+              <a:effectLst/>
+              <a:uLnTx/>
+              <a:uFillTx/>
+              <a:latin typeface="Trebuchet MS" panose="020B0603020202020204"/>
+              <a:ea typeface="+mj-ea"/>
+              <a:cs typeface="+mj-cs"/>
+            </a:endParaRPr>
+          </a:p>
+        </p:txBody>
+      </p:sp>
+      <p:sp>
+        <p:nvSpPr>
+          <p:cNvPr id="6" name="Sous-titre 2"/>
+          <p:cNvSpPr txBox="1">
+            <a:spLocks/>
+          </p:cNvSpPr>
+          <p:nvPr/>
+        </p:nvSpPr>
+        <p:spPr>
+          <a:xfrm>
+            <a:off x="952884" y="1984917"/>
+            <a:ext cx="7766936" cy="4348975"/>
+          </a:xfrm>
+          <a:prstGeom prst="rect">
+            <a:avLst/>
+          </a:prstGeom>
+        </p:spPr>
+        <p:txBody>
+          <a:bodyPr vert="horz" lIns="91440" tIns="45720" rIns="91440" bIns="45720" rtlCol="0">
+            <a:normAutofit fontScale="85000" lnSpcReduction="10000"/>
+          </a:bodyPr>
+          <a:lstStyle>
+            <a:lvl1pPr marL="342900" indent="-342900" algn="l" defTabSz="457200" rtl="0" eaLnBrk="1" latinLnBrk="0" hangingPunct="1">
+              <a:spcBef>
+                <a:spcPts val="1000"/>
+              </a:spcBef>
+              <a:spcAft>
+                <a:spcPts val="0"/>
+              </a:spcAft>
+              <a:buClr>
+                <a:schemeClr val="accent1"/>
+              </a:buClr>
+              <a:buSzPct val="80000"/>
+              <a:buFont typeface="Wingdings 3" charset="2"/>
+              <a:buChar char=""/>
+              <a:defRPr sz="1800" kern="1200">
+                <a:solidFill>
+                  <a:schemeClr val="tx1">
+                    <a:lumMod val="75000"/>
+                    <a:lumOff val="25000"/>
+                  </a:schemeClr>
+                </a:solidFill>
+                <a:latin typeface="+mn-lt"/>
+                <a:ea typeface="+mn-ea"/>
+                <a:cs typeface="+mn-cs"/>
+              </a:defRPr>
+            </a:lvl1pPr>
+            <a:lvl2pPr marL="742950" indent="-285750" algn="l" defTabSz="457200" rtl="0" eaLnBrk="1" latinLnBrk="0" hangingPunct="1">
+              <a:spcBef>
+                <a:spcPts val="1000"/>
+              </a:spcBef>
+              <a:spcAft>
+                <a:spcPts val="0"/>
+              </a:spcAft>
+              <a:buClr>
+                <a:schemeClr val="accent1"/>
+              </a:buClr>
+              <a:buSzPct val="80000"/>
+              <a:buFont typeface="Wingdings 3" charset="2"/>
+              <a:buChar char=""/>
+              <a:defRPr sz="1600" kern="1200">
+                <a:solidFill>
+                  <a:schemeClr val="tx1">
+                    <a:lumMod val="75000"/>
+                    <a:lumOff val="25000"/>
+                  </a:schemeClr>
+                </a:solidFill>
+                <a:latin typeface="+mn-lt"/>
+                <a:ea typeface="+mn-ea"/>
+                <a:cs typeface="+mn-cs"/>
+              </a:defRPr>
+            </a:lvl2pPr>
+            <a:lvl3pPr marL="1143000" indent="-228600" algn="l" defTabSz="457200" rtl="0" eaLnBrk="1" latinLnBrk="0" hangingPunct="1">
+              <a:spcBef>
+                <a:spcPts val="1000"/>
+              </a:spcBef>
+              <a:spcAft>
+                <a:spcPts val="0"/>
+              </a:spcAft>
+              <a:buClr>
+                <a:schemeClr val="accent1"/>
+              </a:buClr>
+              <a:buSzPct val="80000"/>
+              <a:buFont typeface="Wingdings 3" charset="2"/>
+              <a:buChar char=""/>
+              <a:defRPr sz="1400" kern="1200">
+                <a:solidFill>
+                  <a:schemeClr val="tx1">
+                    <a:lumMod val="75000"/>
+                    <a:lumOff val="25000"/>
+                  </a:schemeClr>
+                </a:solidFill>
+                <a:latin typeface="+mn-lt"/>
+                <a:ea typeface="+mn-ea"/>
+                <a:cs typeface="+mn-cs"/>
+              </a:defRPr>
+            </a:lvl3pPr>
+            <a:lvl4pPr marL="1600200" indent="-228600" algn="l" defTabSz="457200" rtl="0" eaLnBrk="1" latinLnBrk="0" hangingPunct="1">
+              <a:spcBef>
+                <a:spcPts val="1000"/>
+              </a:spcBef>
+              <a:spcAft>
+                <a:spcPts val="0"/>
+              </a:spcAft>
+              <a:buClr>
+                <a:schemeClr val="accent1"/>
+              </a:buClr>
+              <a:buSzPct val="80000"/>
+              <a:buFont typeface="Wingdings 3" charset="2"/>
+              <a:buChar char=""/>
+              <a:defRPr sz="1200" kern="1200">
+                <a:solidFill>
+                  <a:schemeClr val="tx1">
+                    <a:lumMod val="75000"/>
+                    <a:lumOff val="25000"/>
+                  </a:schemeClr>
+                </a:solidFill>
+                <a:latin typeface="+mn-lt"/>
+                <a:ea typeface="+mn-ea"/>
+                <a:cs typeface="+mn-cs"/>
+              </a:defRPr>
+            </a:lvl4pPr>
+            <a:lvl5pPr marL="2057400" indent="-228600" algn="l" defTabSz="457200" rtl="0" eaLnBrk="1" latinLnBrk="0" hangingPunct="1">
+              <a:spcBef>
+                <a:spcPts val="1000"/>
+              </a:spcBef>
+              <a:spcAft>
+                <a:spcPts val="0"/>
+              </a:spcAft>
+              <a:buClr>
+                <a:schemeClr val="accent1"/>
+              </a:buClr>
+              <a:buSzPct val="80000"/>
+              <a:buFont typeface="Wingdings 3" charset="2"/>
+              <a:buChar char=""/>
+              <a:defRPr sz="1200" kern="1200">
+                <a:solidFill>
+                  <a:schemeClr val="tx1">
+                    <a:lumMod val="75000"/>
+                    <a:lumOff val="25000"/>
+                  </a:schemeClr>
+                </a:solidFill>
+                <a:latin typeface="+mn-lt"/>
+                <a:ea typeface="+mn-ea"/>
+                <a:cs typeface="+mn-cs"/>
+              </a:defRPr>
+            </a:lvl5pPr>
+            <a:lvl6pPr marL="2514600" indent="-228600" algn="l" defTabSz="457200" rtl="0" eaLnBrk="1" latinLnBrk="0" hangingPunct="1">
+              <a:spcBef>
+                <a:spcPts val="1000"/>
+              </a:spcBef>
+              <a:spcAft>
+                <a:spcPts val="0"/>
+              </a:spcAft>
+              <a:buClr>
+                <a:schemeClr val="accent1"/>
+              </a:buClr>
+              <a:buSzPct val="80000"/>
+              <a:buFont typeface="Wingdings 3" charset="2"/>
+              <a:buChar char=""/>
+              <a:defRPr sz="1200" kern="1200">
+                <a:solidFill>
+                  <a:schemeClr val="tx1">
+                    <a:lumMod val="75000"/>
+                    <a:lumOff val="25000"/>
+                  </a:schemeClr>
+                </a:solidFill>
+                <a:latin typeface="+mn-lt"/>
+                <a:ea typeface="+mn-ea"/>
+                <a:cs typeface="+mn-cs"/>
+              </a:defRPr>
+            </a:lvl6pPr>
+            <a:lvl7pPr marL="2971800" indent="-228600" algn="l" defTabSz="457200" rtl="0" eaLnBrk="1" latinLnBrk="0" hangingPunct="1">
+              <a:spcBef>
+                <a:spcPts val="1000"/>
+              </a:spcBef>
+              <a:spcAft>
+                <a:spcPts val="0"/>
+              </a:spcAft>
+              <a:buClr>
+                <a:schemeClr val="accent1"/>
+              </a:buClr>
+              <a:buSzPct val="80000"/>
+              <a:buFont typeface="Wingdings 3" charset="2"/>
+              <a:buChar char=""/>
+              <a:defRPr sz="1200" kern="1200">
+                <a:solidFill>
+                  <a:schemeClr val="tx1">
+                    <a:lumMod val="75000"/>
+                    <a:lumOff val="25000"/>
+                  </a:schemeClr>
+                </a:solidFill>
+                <a:latin typeface="+mn-lt"/>
+                <a:ea typeface="+mn-ea"/>
+                <a:cs typeface="+mn-cs"/>
+              </a:defRPr>
+            </a:lvl7pPr>
+            <a:lvl8pPr marL="3429000" indent="-228600" algn="l" defTabSz="457200" rtl="0" eaLnBrk="1" latinLnBrk="0" hangingPunct="1">
+              <a:spcBef>
+                <a:spcPts val="1000"/>
+              </a:spcBef>
+              <a:spcAft>
+                <a:spcPts val="0"/>
+              </a:spcAft>
+              <a:buClr>
+                <a:schemeClr val="accent1"/>
+              </a:buClr>
+              <a:buSzPct val="80000"/>
+              <a:buFont typeface="Wingdings 3" charset="2"/>
+              <a:buChar char=""/>
+              <a:defRPr sz="1200" kern="1200">
+                <a:solidFill>
+                  <a:schemeClr val="tx1">
+                    <a:lumMod val="75000"/>
+                    <a:lumOff val="25000"/>
+                  </a:schemeClr>
+                </a:solidFill>
+                <a:latin typeface="+mn-lt"/>
+                <a:ea typeface="+mn-ea"/>
+                <a:cs typeface="+mn-cs"/>
+              </a:defRPr>
+            </a:lvl8pPr>
+            <a:lvl9pPr marL="3886200" indent="-228600" algn="l" defTabSz="457200" rtl="0" eaLnBrk="1" latinLnBrk="0" hangingPunct="1">
+              <a:spcBef>
+                <a:spcPts val="1000"/>
+              </a:spcBef>
+              <a:spcAft>
+                <a:spcPts val="0"/>
+              </a:spcAft>
+              <a:buClr>
+                <a:schemeClr val="accent1"/>
+              </a:buClr>
+              <a:buSzPct val="80000"/>
+              <a:buFont typeface="Wingdings 3" charset="2"/>
+              <a:buChar char=""/>
+              <a:defRPr sz="1200" kern="1200">
+                <a:solidFill>
+                  <a:schemeClr val="tx1">
+                    <a:lumMod val="75000"/>
+                    <a:lumOff val="25000"/>
+                  </a:schemeClr>
+                </a:solidFill>
+                <a:latin typeface="+mn-lt"/>
+                <a:ea typeface="+mn-ea"/>
+                <a:cs typeface="+mn-cs"/>
+              </a:defRPr>
+            </a:lvl9pPr>
+          </a:lstStyle>
+          <a:p>
+            <a:pPr marL="0" marR="0" lvl="0" indent="0" algn="l" defTabSz="457200" rtl="0" eaLnBrk="1" fontAlgn="auto" latinLnBrk="0" hangingPunct="1">
+              <a:lnSpc>
+                <a:spcPct val="160000"/>
+              </a:lnSpc>
+              <a:spcBef>
+                <a:spcPts val="1000"/>
+              </a:spcBef>
+              <a:spcAft>
+                <a:spcPts val="0"/>
+              </a:spcAft>
+              <a:buClr>
+                <a:srgbClr val="90C226"/>
+              </a:buClr>
+              <a:buSzPct val="80000"/>
+              <a:buFont typeface="Wingdings 3" charset="2"/>
+              <a:buNone/>
+              <a:tabLst/>
+              <a:defRPr/>
+            </a:pPr>
+            <a:r>
+              <a:rPr kumimoji="0" lang="fr-CM" sz="1800" b="0" i="0" u="none" strike="noStrike" kern="1200" cap="none" spc="0" normalizeH="0" baseline="0" noProof="0" dirty="0" smtClean="0">
+                <a:ln>
+                  <a:noFill/>
+                </a:ln>
+                <a:solidFill>
+                  <a:prstClr val="white">
+                    <a:lumMod val="75000"/>
+                    <a:lumOff val="25000"/>
+                  </a:prstClr>
+                </a:solidFill>
+                <a:effectLst/>
+                <a:uLnTx/>
+                <a:uFillTx/>
+                <a:latin typeface="Trebuchet MS" panose="020B0603020202020204"/>
+                <a:ea typeface="+mn-ea"/>
+                <a:cs typeface="+mn-cs"/>
+              </a:rPr>
+              <a:t>Elle</a:t>
+            </a:r>
+            <a:r>
+              <a:rPr kumimoji="0" lang="fr-CM" sz="1800" b="0" i="0" u="none" strike="noStrike" kern="1200" cap="none" spc="0" normalizeH="0" noProof="0" dirty="0" smtClean="0">
+                <a:ln>
+                  <a:noFill/>
+                </a:ln>
+                <a:solidFill>
+                  <a:prstClr val="white">
+                    <a:lumMod val="75000"/>
+                    <a:lumOff val="25000"/>
+                  </a:prstClr>
+                </a:solidFill>
+                <a:effectLst/>
+                <a:uLnTx/>
+                <a:uFillTx/>
+                <a:latin typeface="Trebuchet MS" panose="020B0603020202020204"/>
+                <a:ea typeface="+mn-ea"/>
+                <a:cs typeface="+mn-cs"/>
+              </a:rPr>
+              <a:t> offre comme services</a:t>
+            </a:r>
+            <a:r>
+              <a:rPr kumimoji="0" lang="fr-CM" sz="1800" b="0" i="0" u="none" strike="noStrike" kern="1200" cap="none" spc="0" normalizeH="0" baseline="0" noProof="0" dirty="0" smtClean="0">
+                <a:ln>
+                  <a:noFill/>
+                </a:ln>
+                <a:solidFill>
+                  <a:prstClr val="white">
+                    <a:lumMod val="75000"/>
+                    <a:lumOff val="25000"/>
+                  </a:prstClr>
+                </a:solidFill>
+                <a:effectLst/>
+                <a:uLnTx/>
+                <a:uFillTx/>
+                <a:latin typeface="Trebuchet MS" panose="020B0603020202020204"/>
+                <a:ea typeface="+mn-ea"/>
+                <a:cs typeface="+mn-cs"/>
+              </a:rPr>
+              <a:t>:</a:t>
+            </a:r>
+          </a:p>
+          <a:p>
+            <a:pPr lvl="0">
+              <a:lnSpc>
+                <a:spcPct val="160000"/>
+              </a:lnSpc>
+            </a:pPr>
+            <a:r>
+              <a:rPr lang="en-US" dirty="0"/>
+              <a:t>Le </a:t>
+            </a:r>
+            <a:r>
+              <a:rPr lang="en-US" dirty="0" err="1"/>
+              <a:t>conseil</a:t>
+            </a:r>
+            <a:r>
+              <a:rPr lang="en-US" dirty="0"/>
+              <a:t> </a:t>
+            </a:r>
+            <a:r>
+              <a:rPr lang="en-US" dirty="0" err="1"/>
+              <a:t>en</a:t>
+            </a:r>
+            <a:r>
+              <a:rPr lang="en-US" dirty="0"/>
+              <a:t> </a:t>
+            </a:r>
+            <a:r>
+              <a:rPr lang="en-US" dirty="0" err="1"/>
+              <a:t>informatique</a:t>
+            </a:r>
+            <a:r>
+              <a:rPr lang="en-US" dirty="0"/>
+              <a:t>.</a:t>
+            </a:r>
+          </a:p>
+          <a:p>
+            <a:pPr lvl="0">
+              <a:lnSpc>
+                <a:spcPct val="160000"/>
+              </a:lnSpc>
+            </a:pPr>
+            <a:r>
+              <a:rPr lang="fr-CM" dirty="0"/>
+              <a:t>Conception des bases de données, des solutions de cartographie et des SIG.</a:t>
+            </a:r>
+            <a:endParaRPr lang="en-US" dirty="0"/>
+          </a:p>
+          <a:p>
+            <a:pPr lvl="0">
+              <a:lnSpc>
+                <a:spcPct val="160000"/>
+              </a:lnSpc>
+            </a:pPr>
+            <a:r>
+              <a:rPr lang="en-US" dirty="0"/>
+              <a:t>Les formations</a:t>
+            </a:r>
+          </a:p>
+          <a:p>
+            <a:pPr lvl="1">
+              <a:lnSpc>
+                <a:spcPct val="160000"/>
+              </a:lnSpc>
+            </a:pPr>
+            <a:r>
+              <a:rPr lang="en-US" dirty="0"/>
+              <a:t>Au Leadership, </a:t>
+            </a:r>
+          </a:p>
+          <a:p>
+            <a:pPr lvl="1">
+              <a:lnSpc>
+                <a:spcPct val="160000"/>
+              </a:lnSpc>
+            </a:pPr>
+            <a:r>
+              <a:rPr lang="en-US" dirty="0"/>
+              <a:t>À </a:t>
+            </a:r>
+            <a:r>
+              <a:rPr lang="en-US" dirty="0" err="1"/>
+              <a:t>l’informatique</a:t>
+            </a:r>
+            <a:r>
+              <a:rPr lang="en-US" dirty="0"/>
+              <a:t>, </a:t>
+            </a:r>
+          </a:p>
+          <a:p>
+            <a:pPr lvl="1">
+              <a:lnSpc>
+                <a:spcPct val="160000"/>
+              </a:lnSpc>
+            </a:pPr>
+            <a:r>
+              <a:rPr lang="en-US" dirty="0"/>
+              <a:t>À la </a:t>
+            </a:r>
+            <a:r>
+              <a:rPr lang="en-US" dirty="0" err="1"/>
+              <a:t>géomatique</a:t>
+            </a:r>
+            <a:r>
+              <a:rPr lang="en-US" dirty="0"/>
+              <a:t>, </a:t>
+            </a:r>
+          </a:p>
+          <a:p>
+            <a:pPr lvl="1">
+              <a:lnSpc>
+                <a:spcPct val="160000"/>
+              </a:lnSpc>
+            </a:pPr>
+            <a:r>
+              <a:rPr lang="en-US" dirty="0"/>
+              <a:t>Au </a:t>
+            </a:r>
+            <a:r>
+              <a:rPr lang="en-US" dirty="0" err="1"/>
+              <a:t>crithical</a:t>
+            </a:r>
+            <a:r>
+              <a:rPr lang="en-US" dirty="0"/>
+              <a:t> and design thinking</a:t>
+            </a:r>
+          </a:p>
+          <a:p>
+            <a:pPr lvl="0">
+              <a:lnSpc>
+                <a:spcPct val="160000"/>
+              </a:lnSpc>
+            </a:pPr>
+            <a:r>
+              <a:rPr lang="fr-CM" dirty="0"/>
+              <a:t>Le développement d’application informatique (site web et application Android).</a:t>
+            </a:r>
+            <a:r>
+              <a:rPr lang="fr-CM" sz="2000" dirty="0"/>
+              <a:t> </a:t>
+            </a:r>
+            <a:endParaRPr lang="en-US" dirty="0"/>
+          </a:p>
+          <a:p>
+            <a:pPr marL="0" marR="0" lvl="0" indent="0" algn="l" defTabSz="457200" rtl="0" eaLnBrk="1" fontAlgn="auto" latinLnBrk="0" hangingPunct="1">
+              <a:lnSpc>
+                <a:spcPct val="150000"/>
+              </a:lnSpc>
+              <a:spcBef>
+                <a:spcPts val="1000"/>
+              </a:spcBef>
+              <a:spcAft>
+                <a:spcPts val="0"/>
+              </a:spcAft>
+              <a:buClr>
+                <a:srgbClr val="90C226"/>
+              </a:buClr>
+              <a:buSzPct val="80000"/>
+              <a:buFont typeface="Wingdings 3" charset="2"/>
+              <a:buNone/>
+              <a:tabLst/>
+              <a:defRPr/>
+            </a:pPr>
+            <a:endParaRPr kumimoji="0" lang="en-US" sz="1800" b="0" i="0" u="none" strike="noStrike" kern="1200" cap="none" spc="0" normalizeH="0" baseline="0" noProof="0" dirty="0">
+              <a:ln>
+                <a:noFill/>
+              </a:ln>
+              <a:solidFill>
+                <a:prstClr val="white">
+                  <a:lumMod val="75000"/>
+                  <a:lumOff val="25000"/>
+                </a:prstClr>
+              </a:solidFill>
+              <a:effectLst/>
+              <a:uLnTx/>
+              <a:uFillTx/>
+              <a:latin typeface="Trebuchet MS" panose="020B0603020202020204"/>
+              <a:ea typeface="+mn-ea"/>
+              <a:cs typeface="+mn-cs"/>
+            </a:endParaRPr>
+          </a:p>
+        </p:txBody>
+      </p:sp>
+    </p:spTree>
+    <p:extLst>
+      <p:ext uri="{BB962C8B-B14F-4D97-AF65-F5344CB8AC3E}">
+        <p14:creationId xmlns:p14="http://schemas.microsoft.com/office/powerpoint/2010/main" val="837977300"/>
+      </p:ext>
+    </p:extLst>
+  </p:cSld>
+  <p:clrMapOvr>
+    <a:masterClrMapping/>
+  </p:clrMapOvr>
+  <mc:AlternateContent xmlns:mc="http://schemas.openxmlformats.org/markup-compatibility/2006">
+    <mc:Choice xmlns:p14="http://schemas.microsoft.com/office/powerpoint/2010/main" Requires="p14">
+      <p:transition spd="med" p14:dur="700">
+        <p:fade/>
+      </p:transition>
+    </mc:Choice>
+    <mc:Fallback>
+      <p:transition spd="med">
+        <p:fade/>
+      </p:transition>
+    </mc:Fallback>
+  </mc:AlternateContent>
+  <p:timing>
+    <p:tnLst>
+      <p:par>
+        <p:cTn id="1" dur="indefinite" restart="never" nodeType="tmRoot"/>
+      </p:par>
+    </p:tnLst>
+  </p:timing>
+</p:sld>
+</file>
+
+<file path=ppt/slides/slide8.xml><?xml version="1.0" encoding="utf-8"?>
+<p:sld xmlns:a="http://schemas.openxmlformats.org/drawingml/2006/main" xmlns:r="http://schemas.openxmlformats.org/officeDocument/2006/relationships" xmlns:p="http://schemas.openxmlformats.org/presentationml/2006/main">
+  <p:cSld>
+    <p:spTree>
+      <p:nvGrpSpPr>
+        <p:cNvPr id="1" name=""/>
+        <p:cNvGrpSpPr/>
+        <p:nvPr/>
+      </p:nvGrpSpPr>
+      <p:grpSpPr>
+        <a:xfrm>
+          <a:off x="0" y="0"/>
+          <a:ext cx="0" cy="0"/>
+          <a:chOff x="0" y="0"/>
+          <a:chExt cx="0" cy="0"/>
+        </a:xfrm>
+      </p:grpSpPr>
+      <p:sp>
+        <p:nvSpPr>
+          <p:cNvPr id="4" name="Titre 1"/>
+          <p:cNvSpPr txBox="1">
+            <a:spLocks/>
+          </p:cNvSpPr>
+          <p:nvPr/>
+        </p:nvSpPr>
+        <p:spPr>
+          <a:xfrm>
+            <a:off x="247843" y="466437"/>
+            <a:ext cx="10253902" cy="850435"/>
+          </a:xfrm>
+          <a:prstGeom prst="rect">
+            <a:avLst/>
+          </a:prstGeom>
+        </p:spPr>
+        <p:txBody>
+          <a:bodyPr vert="horz" lIns="91440" tIns="45720" rIns="91440" bIns="45720" rtlCol="0" anchor="t">
+            <a:normAutofit/>
+          </a:bodyPr>
+          <a:lstStyle>
+            <a:lvl1pPr algn="l" defTabSz="457200" rtl="0" eaLnBrk="1" latinLnBrk="0" hangingPunct="1">
+              <a:spcBef>
+                <a:spcPct val="0"/>
+              </a:spcBef>
+              <a:buNone/>
+              <a:defRPr sz="3600" kern="1200">
+                <a:solidFill>
+                  <a:schemeClr val="accent1"/>
+                </a:solidFill>
+                <a:latin typeface="+mj-lt"/>
+                <a:ea typeface="+mj-ea"/>
+                <a:cs typeface="+mj-cs"/>
+              </a:defRPr>
+            </a:lvl1pPr>
+            <a:lvl2pPr eaLnBrk="1" hangingPunct="1">
+              <a:defRPr>
+                <a:solidFill>
+                  <a:schemeClr val="tx2"/>
+                </a:solidFill>
+              </a:defRPr>
+            </a:lvl2pPr>
+            <a:lvl3pPr eaLnBrk="1" hangingPunct="1">
+              <a:defRPr>
+                <a:solidFill>
+                  <a:schemeClr val="tx2"/>
+                </a:solidFill>
+              </a:defRPr>
+            </a:lvl3pPr>
+            <a:lvl4pPr eaLnBrk="1" hangingPunct="1">
+              <a:defRPr>
+                <a:solidFill>
+                  <a:schemeClr val="tx2"/>
+                </a:solidFill>
+              </a:defRPr>
+            </a:lvl4pPr>
+            <a:lvl5pPr eaLnBrk="1" hangingPunct="1">
+              <a:defRPr>
+                <a:solidFill>
+                  <a:schemeClr val="tx2"/>
+                </a:solidFill>
+              </a:defRPr>
+            </a:lvl5pPr>
+            <a:lvl6pPr eaLnBrk="1" hangingPunct="1">
+              <a:defRPr>
+                <a:solidFill>
+                  <a:schemeClr val="tx2"/>
+                </a:solidFill>
+              </a:defRPr>
+            </a:lvl6pPr>
+            <a:lvl7pPr eaLnBrk="1" hangingPunct="1">
+              <a:defRPr>
+                <a:solidFill>
+                  <a:schemeClr val="tx2"/>
+                </a:solidFill>
+              </a:defRPr>
+            </a:lvl7pPr>
+            <a:lvl8pPr eaLnBrk="1" hangingPunct="1">
+              <a:defRPr>
+                <a:solidFill>
+                  <a:schemeClr val="tx2"/>
+                </a:solidFill>
+              </a:defRPr>
+            </a:lvl8pPr>
+            <a:lvl9pPr eaLnBrk="1" hangingPunct="1">
+              <a:defRPr>
+                <a:solidFill>
+                  <a:schemeClr val="tx2"/>
+                </a:solidFill>
+              </a:defRPr>
+            </a:lvl9pPr>
+          </a:lstStyle>
+          <a:p>
+            <a:r>
+              <a:rPr lang="en-US" dirty="0" err="1" smtClean="0">
+                <a:solidFill>
+                  <a:srgbClr val="90C226"/>
+                </a:solidFill>
+              </a:rPr>
+              <a:t>Présentation</a:t>
+            </a:r>
+            <a:r>
+              <a:rPr lang="en-US" dirty="0" smtClean="0">
+                <a:solidFill>
+                  <a:srgbClr val="90C226"/>
+                </a:solidFill>
+              </a:rPr>
+              <a:t> </a:t>
+            </a:r>
+            <a:r>
+              <a:rPr lang="en-US" dirty="0">
+                <a:solidFill>
+                  <a:srgbClr val="90C226"/>
+                </a:solidFill>
+              </a:rPr>
+              <a:t>de </a:t>
+            </a:r>
+            <a:r>
+              <a:rPr lang="en-US" dirty="0" err="1">
+                <a:solidFill>
+                  <a:srgbClr val="90C226"/>
+                </a:solidFill>
+              </a:rPr>
+              <a:t>l’entreprise</a:t>
+            </a:r>
+            <a:r>
+              <a:rPr lang="en-US" dirty="0">
+                <a:solidFill>
+                  <a:srgbClr val="90C226"/>
+                </a:solidFill>
+              </a:rPr>
+              <a:t> </a:t>
+            </a:r>
+            <a:r>
+              <a:rPr lang="en-US" dirty="0" err="1">
+                <a:solidFill>
+                  <a:srgbClr val="90C226"/>
+                </a:solidFill>
+              </a:rPr>
+              <a:t>d’accueil</a:t>
+            </a:r>
+            <a:endParaRPr lang="en-US" dirty="0">
+              <a:solidFill>
+                <a:srgbClr val="90C226"/>
+              </a:solidFill>
+            </a:endParaRPr>
+          </a:p>
+          <a:p>
+            <a:pPr marL="0" marR="0" lvl="0" indent="0" algn="l" defTabSz="457200" rtl="0" eaLnBrk="1" fontAlgn="auto" latinLnBrk="0" hangingPunct="1">
+              <a:lnSpc>
+                <a:spcPct val="100000"/>
+              </a:lnSpc>
+              <a:spcBef>
+                <a:spcPct val="0"/>
+              </a:spcBef>
+              <a:spcAft>
+                <a:spcPts val="0"/>
+              </a:spcAft>
+              <a:buClrTx/>
+              <a:buSzTx/>
+              <a:buFontTx/>
+              <a:buNone/>
+              <a:tabLst/>
+              <a:defRPr/>
+            </a:pPr>
+            <a:endParaRPr kumimoji="0" lang="en-US" sz="3600" b="0" i="0" u="none" strike="noStrike" kern="1200" cap="none" spc="0" normalizeH="0" baseline="0" noProof="0" dirty="0">
+              <a:ln>
+                <a:noFill/>
+              </a:ln>
+              <a:solidFill>
+                <a:srgbClr val="90C226"/>
+              </a:solidFill>
+              <a:effectLst/>
+              <a:uLnTx/>
+              <a:uFillTx/>
+              <a:latin typeface="Trebuchet MS" panose="020B0603020202020204"/>
+              <a:ea typeface="+mj-ea"/>
+              <a:cs typeface="+mj-cs"/>
+            </a:endParaRPr>
+          </a:p>
+        </p:txBody>
+      </p:sp>
+      <p:sp>
+        <p:nvSpPr>
+          <p:cNvPr id="6" name="Sous-titre 2"/>
+          <p:cNvSpPr txBox="1">
+            <a:spLocks/>
+          </p:cNvSpPr>
+          <p:nvPr/>
+        </p:nvSpPr>
+        <p:spPr>
+          <a:xfrm>
+            <a:off x="952884" y="2360826"/>
+            <a:ext cx="7766936" cy="4062276"/>
+          </a:xfrm>
+          <a:prstGeom prst="rect">
+            <a:avLst/>
+          </a:prstGeom>
+        </p:spPr>
+        <p:txBody>
+          <a:bodyPr vert="horz" lIns="91440" tIns="45720" rIns="91440" bIns="45720" rtlCol="0">
+            <a:normAutofit/>
+          </a:bodyPr>
+          <a:lstStyle>
+            <a:lvl1pPr marL="342900" indent="-342900" algn="l" defTabSz="457200" rtl="0" eaLnBrk="1" latinLnBrk="0" hangingPunct="1">
+              <a:spcBef>
+                <a:spcPts val="1000"/>
+              </a:spcBef>
+              <a:spcAft>
+                <a:spcPts val="0"/>
+              </a:spcAft>
+              <a:buClr>
+                <a:schemeClr val="accent1"/>
+              </a:buClr>
+              <a:buSzPct val="80000"/>
+              <a:buFont typeface="Wingdings 3" charset="2"/>
+              <a:buChar char=""/>
+              <a:defRPr sz="1800" kern="1200">
+                <a:solidFill>
+                  <a:schemeClr val="tx1">
+                    <a:lumMod val="75000"/>
+                    <a:lumOff val="25000"/>
+                  </a:schemeClr>
+                </a:solidFill>
+                <a:latin typeface="+mn-lt"/>
+                <a:ea typeface="+mn-ea"/>
+                <a:cs typeface="+mn-cs"/>
+              </a:defRPr>
+            </a:lvl1pPr>
+            <a:lvl2pPr marL="742950" indent="-285750" algn="l" defTabSz="457200" rtl="0" eaLnBrk="1" latinLnBrk="0" hangingPunct="1">
+              <a:spcBef>
+                <a:spcPts val="1000"/>
+              </a:spcBef>
+              <a:spcAft>
+                <a:spcPts val="0"/>
+              </a:spcAft>
+              <a:buClr>
+                <a:schemeClr val="accent1"/>
+              </a:buClr>
+              <a:buSzPct val="80000"/>
+              <a:buFont typeface="Wingdings 3" charset="2"/>
+              <a:buChar char=""/>
+              <a:defRPr sz="1600" kern="1200">
+                <a:solidFill>
+                  <a:schemeClr val="tx1">
+                    <a:lumMod val="75000"/>
+                    <a:lumOff val="25000"/>
+                  </a:schemeClr>
+                </a:solidFill>
+                <a:latin typeface="+mn-lt"/>
+                <a:ea typeface="+mn-ea"/>
+                <a:cs typeface="+mn-cs"/>
+              </a:defRPr>
+            </a:lvl2pPr>
+            <a:lvl3pPr marL="1143000" indent="-228600" algn="l" defTabSz="457200" rtl="0" eaLnBrk="1" latinLnBrk="0" hangingPunct="1">
+              <a:spcBef>
+                <a:spcPts val="1000"/>
+              </a:spcBef>
+              <a:spcAft>
+                <a:spcPts val="0"/>
+              </a:spcAft>
+              <a:buClr>
+                <a:schemeClr val="accent1"/>
+              </a:buClr>
+              <a:buSzPct val="80000"/>
+              <a:buFont typeface="Wingdings 3" charset="2"/>
+              <a:buChar char=""/>
+              <a:defRPr sz="1400" kern="1200">
+                <a:solidFill>
+                  <a:schemeClr val="tx1">
+                    <a:lumMod val="75000"/>
+                    <a:lumOff val="25000"/>
+                  </a:schemeClr>
+                </a:solidFill>
+                <a:latin typeface="+mn-lt"/>
+                <a:ea typeface="+mn-ea"/>
+                <a:cs typeface="+mn-cs"/>
+              </a:defRPr>
+            </a:lvl3pPr>
+            <a:lvl4pPr marL="1600200" indent="-228600" algn="l" defTabSz="457200" rtl="0" eaLnBrk="1" latinLnBrk="0" hangingPunct="1">
+              <a:spcBef>
+                <a:spcPts val="1000"/>
+              </a:spcBef>
+              <a:spcAft>
+                <a:spcPts val="0"/>
+              </a:spcAft>
+              <a:buClr>
+                <a:schemeClr val="accent1"/>
+              </a:buClr>
+              <a:buSzPct val="80000"/>
+              <a:buFont typeface="Wingdings 3" charset="2"/>
+              <a:buChar char=""/>
+              <a:defRPr sz="1200" kern="1200">
+                <a:solidFill>
+                  <a:schemeClr val="tx1">
+                    <a:lumMod val="75000"/>
+                    <a:lumOff val="25000"/>
+                  </a:schemeClr>
+                </a:solidFill>
+                <a:latin typeface="+mn-lt"/>
+                <a:ea typeface="+mn-ea"/>
+                <a:cs typeface="+mn-cs"/>
+              </a:defRPr>
+            </a:lvl4pPr>
+            <a:lvl5pPr marL="2057400" indent="-228600" algn="l" defTabSz="457200" rtl="0" eaLnBrk="1" latinLnBrk="0" hangingPunct="1">
+              <a:spcBef>
+                <a:spcPts val="1000"/>
+              </a:spcBef>
+              <a:spcAft>
+                <a:spcPts val="0"/>
+              </a:spcAft>
+              <a:buClr>
+                <a:schemeClr val="accent1"/>
+              </a:buClr>
+              <a:buSzPct val="80000"/>
+              <a:buFont typeface="Wingdings 3" charset="2"/>
+              <a:buChar char=""/>
+              <a:defRPr sz="1200" kern="1200">
+                <a:solidFill>
+                  <a:schemeClr val="tx1">
+                    <a:lumMod val="75000"/>
+                    <a:lumOff val="25000"/>
+                  </a:schemeClr>
+                </a:solidFill>
+                <a:latin typeface="+mn-lt"/>
+                <a:ea typeface="+mn-ea"/>
+                <a:cs typeface="+mn-cs"/>
+              </a:defRPr>
+            </a:lvl5pPr>
+            <a:lvl6pPr marL="2514600" indent="-228600" algn="l" defTabSz="457200" rtl="0" eaLnBrk="1" latinLnBrk="0" hangingPunct="1">
+              <a:spcBef>
+                <a:spcPts val="1000"/>
+              </a:spcBef>
+              <a:spcAft>
+                <a:spcPts val="0"/>
+              </a:spcAft>
+              <a:buClr>
+                <a:schemeClr val="accent1"/>
+              </a:buClr>
+              <a:buSzPct val="80000"/>
+              <a:buFont typeface="Wingdings 3" charset="2"/>
+              <a:buChar char=""/>
+              <a:defRPr sz="1200" kern="1200">
+                <a:solidFill>
+                  <a:schemeClr val="tx1">
+                    <a:lumMod val="75000"/>
+                    <a:lumOff val="25000"/>
+                  </a:schemeClr>
+                </a:solidFill>
+                <a:latin typeface="+mn-lt"/>
+                <a:ea typeface="+mn-ea"/>
+                <a:cs typeface="+mn-cs"/>
+              </a:defRPr>
+            </a:lvl6pPr>
+            <a:lvl7pPr marL="2971800" indent="-228600" algn="l" defTabSz="457200" rtl="0" eaLnBrk="1" latinLnBrk="0" hangingPunct="1">
+              <a:spcBef>
+                <a:spcPts val="1000"/>
+              </a:spcBef>
+              <a:spcAft>
+                <a:spcPts val="0"/>
+              </a:spcAft>
+              <a:buClr>
+                <a:schemeClr val="accent1"/>
+              </a:buClr>
+              <a:buSzPct val="80000"/>
+              <a:buFont typeface="Wingdings 3" charset="2"/>
+              <a:buChar char=""/>
+              <a:defRPr sz="1200" kern="1200">
+                <a:solidFill>
+                  <a:schemeClr val="tx1">
+                    <a:lumMod val="75000"/>
+                    <a:lumOff val="25000"/>
+                  </a:schemeClr>
+                </a:solidFill>
+                <a:latin typeface="+mn-lt"/>
+                <a:ea typeface="+mn-ea"/>
+                <a:cs typeface="+mn-cs"/>
+              </a:defRPr>
+            </a:lvl7pPr>
+            <a:lvl8pPr marL="3429000" indent="-228600" algn="l" defTabSz="457200" rtl="0" eaLnBrk="1" latinLnBrk="0" hangingPunct="1">
+              <a:spcBef>
+                <a:spcPts val="1000"/>
+              </a:spcBef>
+              <a:spcAft>
+                <a:spcPts val="0"/>
+              </a:spcAft>
+              <a:buClr>
+                <a:schemeClr val="accent1"/>
+              </a:buClr>
+              <a:buSzPct val="80000"/>
+              <a:buFont typeface="Wingdings 3" charset="2"/>
+              <a:buChar char=""/>
+              <a:defRPr sz="1200" kern="1200">
+                <a:solidFill>
+                  <a:schemeClr val="tx1">
+                    <a:lumMod val="75000"/>
+                    <a:lumOff val="25000"/>
+                  </a:schemeClr>
+                </a:solidFill>
+                <a:latin typeface="+mn-lt"/>
+                <a:ea typeface="+mn-ea"/>
+                <a:cs typeface="+mn-cs"/>
+              </a:defRPr>
+            </a:lvl8pPr>
+            <a:lvl9pPr marL="3886200" indent="-228600" algn="l" defTabSz="457200" rtl="0" eaLnBrk="1" latinLnBrk="0" hangingPunct="1">
+              <a:spcBef>
+                <a:spcPts val="1000"/>
+              </a:spcBef>
+              <a:spcAft>
+                <a:spcPts val="0"/>
+              </a:spcAft>
+              <a:buClr>
+                <a:schemeClr val="accent1"/>
+              </a:buClr>
+              <a:buSzPct val="80000"/>
+              <a:buFont typeface="Wingdings 3" charset="2"/>
+              <a:buChar char=""/>
+              <a:defRPr sz="1200" kern="1200">
+                <a:solidFill>
+                  <a:schemeClr val="tx1">
+                    <a:lumMod val="75000"/>
+                    <a:lumOff val="25000"/>
+                  </a:schemeClr>
+                </a:solidFill>
+                <a:latin typeface="+mn-lt"/>
+                <a:ea typeface="+mn-ea"/>
+                <a:cs typeface="+mn-cs"/>
+              </a:defRPr>
+            </a:lvl9pPr>
+          </a:lstStyle>
+          <a:p>
+            <a:pPr lvl="0">
+              <a:lnSpc>
+                <a:spcPct val="150000"/>
+              </a:lnSpc>
+              <a:buClr>
+                <a:srgbClr val="90C226"/>
+              </a:buClr>
+            </a:pPr>
+            <a:r>
+              <a:rPr lang="fr-CM" dirty="0"/>
+              <a:t>La DMJ est une ONG qui aide les jeunes dans leurs différentes actions civiques et patriotiques, les startups dans leur croissance notamment par l’accompagnement de ces dernières </a:t>
+            </a:r>
+            <a:r>
+              <a:rPr lang="fr-CM" dirty="0" smtClean="0"/>
+              <a:t>sur </a:t>
+            </a:r>
+            <a:r>
+              <a:rPr lang="fr-CM" dirty="0"/>
+              <a:t>plusieurs plans. </a:t>
+            </a:r>
+            <a:endParaRPr kumimoji="0" lang="en-US" sz="1800" b="0" i="0" u="none" strike="noStrike" kern="1200" cap="none" spc="0" normalizeH="0" baseline="0" noProof="0" dirty="0">
+              <a:ln>
+                <a:noFill/>
+              </a:ln>
+              <a:solidFill>
+                <a:prstClr val="white">
+                  <a:lumMod val="75000"/>
+                  <a:lumOff val="25000"/>
+                </a:prstClr>
+              </a:solidFill>
+              <a:effectLst/>
+              <a:uLnTx/>
+              <a:uFillTx/>
+              <a:latin typeface="Trebuchet MS" panose="020B0603020202020204"/>
+              <a:ea typeface="+mn-ea"/>
+              <a:cs typeface="+mn-cs"/>
+            </a:endParaRPr>
+          </a:p>
+        </p:txBody>
+      </p:sp>
+      <p:pic>
+        <p:nvPicPr>
+          <p:cNvPr id="5" name="Image 4"/>
+          <p:cNvPicPr/>
+          <p:nvPr/>
+        </p:nvPicPr>
+        <p:blipFill>
+          <a:blip r:embed="rId2">
+            <a:extLst>
+              <a:ext uri="{28A0092B-C50C-407E-A947-70E740481C1C}">
+                <a14:useLocalDpi xmlns:a14="http://schemas.microsoft.com/office/drawing/2010/main" val="0"/>
+              </a:ext>
+            </a:extLst>
+          </a:blip>
+          <a:stretch>
+            <a:fillRect/>
+          </a:stretch>
+        </p:blipFill>
+        <p:spPr>
+          <a:xfrm>
+            <a:off x="2887258" y="3640873"/>
+            <a:ext cx="3898188" cy="3072161"/>
+          </a:xfrm>
+          <a:prstGeom prst="rect">
+            <a:avLst/>
+          </a:prstGeom>
+        </p:spPr>
+      </p:pic>
+    </p:spTree>
+    <p:extLst>
+      <p:ext uri="{BB962C8B-B14F-4D97-AF65-F5344CB8AC3E}">
+        <p14:creationId xmlns:p14="http://schemas.microsoft.com/office/powerpoint/2010/main" val="3931008095"/>
+      </p:ext>
+    </p:extLst>
+  </p:cSld>
+  <p:clrMapOvr>
+    <a:masterClrMapping/>
+  </p:clrMapOvr>
+  <mc:AlternateContent xmlns:mc="http://schemas.openxmlformats.org/markup-compatibility/2006">
+    <mc:Choice xmlns:p14="http://schemas.microsoft.com/office/powerpoint/2010/main" Requires="p14">
+      <p:transition spd="med" p14:dur="700">
+        <p:fade/>
+      </p:transition>
+    </mc:Choice>
+    <mc:Fallback>
+      <p:transition spd="med">
+        <p:fade/>
+      </p:transition>
+    </mc:Fallback>
+  </mc:AlternateContent>
+  <p:timing>
+    <p:tnLst>
+      <p:par>
+        <p:cTn id="1" dur="indefinite" restart="never" nodeType="tmRoot"/>
+      </p:par>
+    </p:tnLst>
+  </p:timing>
+</p:sld>
+</file>
+
+<file path=ppt/slides/slide9.xml><?xml version="1.0" encoding="utf-8"?>
+<p:sld xmlns:a="http://schemas.openxmlformats.org/drawingml/2006/main" xmlns:r="http://schemas.openxmlformats.org/officeDocument/2006/relationships" xmlns:p="http://schemas.openxmlformats.org/presentationml/2006/main">
+  <p:cSld>
+    <p:spTree>
+      <p:nvGrpSpPr>
+        <p:cNvPr id="1" name=""/>
+        <p:cNvGrpSpPr/>
+        <p:nvPr/>
+      </p:nvGrpSpPr>
+      <p:grpSpPr>
+        <a:xfrm>
+          <a:off x="0" y="0"/>
+          <a:ext cx="0" cy="0"/>
+          <a:chOff x="0" y="0"/>
+          <a:chExt cx="0" cy="0"/>
+        </a:xfrm>
+      </p:grpSpPr>
+      <p:sp>
+        <p:nvSpPr>
+          <p:cNvPr id="4" name="Titre 1"/>
+          <p:cNvSpPr txBox="1">
+            <a:spLocks/>
+          </p:cNvSpPr>
+          <p:nvPr/>
+        </p:nvSpPr>
+        <p:spPr>
+          <a:xfrm>
+            <a:off x="247843" y="466437"/>
+            <a:ext cx="10253902" cy="850435"/>
+          </a:xfrm>
+          <a:prstGeom prst="rect">
+            <a:avLst/>
+          </a:prstGeom>
+        </p:spPr>
+        <p:txBody>
+          <a:bodyPr vert="horz" lIns="91440" tIns="45720" rIns="91440" bIns="45720" rtlCol="0" anchor="t">
+            <a:normAutofit/>
+          </a:bodyPr>
+          <a:lstStyle>
+            <a:lvl1pPr algn="l" defTabSz="457200" rtl="0" eaLnBrk="1" latinLnBrk="0" hangingPunct="1">
+              <a:spcBef>
+                <a:spcPct val="0"/>
+              </a:spcBef>
+              <a:buNone/>
+              <a:defRPr sz="3600" kern="1200">
+                <a:solidFill>
+                  <a:schemeClr val="accent1"/>
+                </a:solidFill>
+                <a:latin typeface="+mj-lt"/>
+                <a:ea typeface="+mj-ea"/>
+                <a:cs typeface="+mj-cs"/>
+              </a:defRPr>
+            </a:lvl1pPr>
+            <a:lvl2pPr eaLnBrk="1" hangingPunct="1">
+              <a:defRPr>
+                <a:solidFill>
+                  <a:schemeClr val="tx2"/>
+                </a:solidFill>
+              </a:defRPr>
+            </a:lvl2pPr>
+            <a:lvl3pPr eaLnBrk="1" hangingPunct="1">
+              <a:defRPr>
+                <a:solidFill>
+                  <a:schemeClr val="tx2"/>
+                </a:solidFill>
+              </a:defRPr>
+            </a:lvl3pPr>
+            <a:lvl4pPr eaLnBrk="1" hangingPunct="1">
+              <a:defRPr>
+                <a:solidFill>
+                  <a:schemeClr val="tx2"/>
+                </a:solidFill>
+              </a:defRPr>
+            </a:lvl4pPr>
+            <a:lvl5pPr eaLnBrk="1" hangingPunct="1">
+              <a:defRPr>
+                <a:solidFill>
+                  <a:schemeClr val="tx2"/>
+                </a:solidFill>
+              </a:defRPr>
+            </a:lvl5pPr>
+            <a:lvl6pPr eaLnBrk="1" hangingPunct="1">
+              <a:defRPr>
+                <a:solidFill>
+                  <a:schemeClr val="tx2"/>
+                </a:solidFill>
+              </a:defRPr>
+            </a:lvl6pPr>
+            <a:lvl7pPr eaLnBrk="1" hangingPunct="1">
+              <a:defRPr>
+                <a:solidFill>
+                  <a:schemeClr val="tx2"/>
+                </a:solidFill>
+              </a:defRPr>
+            </a:lvl7pPr>
+            <a:lvl8pPr eaLnBrk="1" hangingPunct="1">
+              <a:defRPr>
+                <a:solidFill>
+                  <a:schemeClr val="tx2"/>
+                </a:solidFill>
+              </a:defRPr>
+            </a:lvl8pPr>
+            <a:lvl9pPr eaLnBrk="1" hangingPunct="1">
+              <a:defRPr>
+                <a:solidFill>
+                  <a:schemeClr val="tx2"/>
+                </a:solidFill>
+              </a:defRPr>
+            </a:lvl9pPr>
+          </a:lstStyle>
+          <a:p>
+            <a:pPr marL="0" marR="0" lvl="0" indent="0" algn="l" defTabSz="457200" rtl="0" eaLnBrk="1" fontAlgn="auto" latinLnBrk="0" hangingPunct="1">
+              <a:lnSpc>
+                <a:spcPct val="100000"/>
+              </a:lnSpc>
+              <a:spcBef>
+                <a:spcPct val="0"/>
+              </a:spcBef>
+              <a:spcAft>
+                <a:spcPts val="0"/>
+              </a:spcAft>
+              <a:buClrTx/>
+              <a:buSzTx/>
+              <a:buFontTx/>
+              <a:buNone/>
+              <a:tabLst/>
+              <a:defRPr/>
+            </a:pPr>
+            <a:r>
+              <a:rPr kumimoji="0" lang="en-US" sz="3600" b="0" i="0" u="none" strike="noStrike" kern="1200" cap="none" spc="0" normalizeH="0" baseline="0" noProof="0" dirty="0" err="1">
+                <a:ln>
+                  <a:noFill/>
+                </a:ln>
+                <a:solidFill>
+                  <a:srgbClr val="90C226"/>
+                </a:solidFill>
+                <a:effectLst/>
+                <a:uLnTx/>
+                <a:uFillTx/>
+                <a:latin typeface="Trebuchet MS" panose="020B0603020202020204"/>
+                <a:ea typeface="+mj-ea"/>
+                <a:cs typeface="+mj-cs"/>
+              </a:rPr>
+              <a:t>Présentation</a:t>
+            </a:r>
+            <a:r>
+              <a:rPr kumimoji="0" lang="en-US" sz="3600" b="0" i="0" u="none" strike="noStrike" kern="1200" cap="none" spc="0" normalizeH="0" baseline="0" noProof="0" dirty="0">
+                <a:ln>
+                  <a:noFill/>
+                </a:ln>
+                <a:solidFill>
+                  <a:srgbClr val="90C226"/>
+                </a:solidFill>
+                <a:effectLst/>
+                <a:uLnTx/>
+                <a:uFillTx/>
+                <a:latin typeface="Trebuchet MS" panose="020B0603020202020204"/>
+                <a:ea typeface="+mj-ea"/>
+                <a:cs typeface="+mj-cs"/>
+              </a:rPr>
+              <a:t> </a:t>
+            </a:r>
+            <a:r>
+              <a:rPr kumimoji="0" lang="en-US" sz="3600" b="0" i="0" u="none" strike="noStrike" kern="1200" cap="none" spc="0" normalizeH="0" baseline="0" noProof="0" dirty="0" smtClean="0">
+                <a:ln>
+                  <a:noFill/>
+                </a:ln>
+                <a:solidFill>
+                  <a:srgbClr val="90C226"/>
+                </a:solidFill>
+                <a:effectLst/>
+                <a:uLnTx/>
+                <a:uFillTx/>
+                <a:latin typeface="Trebuchet MS" panose="020B0603020202020204"/>
+                <a:ea typeface="+mj-ea"/>
+                <a:cs typeface="+mj-cs"/>
+              </a:rPr>
+              <a:t>du </a:t>
+            </a:r>
+            <a:r>
+              <a:rPr kumimoji="0" lang="en-US" sz="3600" b="0" i="0" u="none" strike="noStrike" kern="1200" cap="none" spc="0" normalizeH="0" baseline="0" noProof="0" dirty="0" err="1" smtClean="0">
+                <a:ln>
+                  <a:noFill/>
+                </a:ln>
+                <a:solidFill>
+                  <a:srgbClr val="90C226"/>
+                </a:solidFill>
+                <a:effectLst/>
+                <a:uLnTx/>
+                <a:uFillTx/>
+                <a:latin typeface="Trebuchet MS" panose="020B0603020202020204"/>
+                <a:ea typeface="+mj-ea"/>
+                <a:cs typeface="+mj-cs"/>
+              </a:rPr>
+              <a:t>projet</a:t>
+            </a:r>
+            <a:endParaRPr kumimoji="0" lang="en-US" sz="3600" b="0" i="0" u="none" strike="noStrike" kern="1200" cap="none" spc="0" normalizeH="0" baseline="0" noProof="0" dirty="0">
+              <a:ln>
+                <a:noFill/>
+              </a:ln>
+              <a:solidFill>
+                <a:srgbClr val="90C226"/>
+              </a:solidFill>
+              <a:effectLst/>
+              <a:uLnTx/>
+              <a:uFillTx/>
+              <a:latin typeface="Trebuchet MS" panose="020B0603020202020204"/>
+              <a:ea typeface="+mj-ea"/>
+              <a:cs typeface="+mj-cs"/>
+            </a:endParaRPr>
+          </a:p>
+        </p:txBody>
+      </p:sp>
+      <p:sp>
+        <p:nvSpPr>
+          <p:cNvPr id="6" name="Sous-titre 2"/>
+          <p:cNvSpPr txBox="1">
+            <a:spLocks/>
+          </p:cNvSpPr>
+          <p:nvPr/>
+        </p:nvSpPr>
+        <p:spPr>
+          <a:xfrm>
+            <a:off x="952884" y="2360826"/>
+            <a:ext cx="7766936" cy="2501106"/>
+          </a:xfrm>
+          <a:prstGeom prst="rect">
+            <a:avLst/>
+          </a:prstGeom>
+        </p:spPr>
+        <p:txBody>
+          <a:bodyPr vert="horz" lIns="91440" tIns="45720" rIns="91440" bIns="45720" rtlCol="0">
+            <a:normAutofit/>
+          </a:bodyPr>
+          <a:lstStyle>
+            <a:lvl1pPr marL="342900" indent="-342900" algn="l" defTabSz="457200" rtl="0" eaLnBrk="1" latinLnBrk="0" hangingPunct="1">
+              <a:spcBef>
+                <a:spcPts val="1000"/>
+              </a:spcBef>
+              <a:spcAft>
+                <a:spcPts val="0"/>
+              </a:spcAft>
+              <a:buClr>
+                <a:schemeClr val="accent1"/>
+              </a:buClr>
+              <a:buSzPct val="80000"/>
+              <a:buFont typeface="Wingdings 3" charset="2"/>
+              <a:buChar char=""/>
+              <a:defRPr sz="1800" kern="1200">
+                <a:solidFill>
+                  <a:schemeClr val="tx1">
+                    <a:lumMod val="75000"/>
+                    <a:lumOff val="25000"/>
+                  </a:schemeClr>
+                </a:solidFill>
+                <a:latin typeface="+mn-lt"/>
+                <a:ea typeface="+mn-ea"/>
+                <a:cs typeface="+mn-cs"/>
+              </a:defRPr>
+            </a:lvl1pPr>
+            <a:lvl2pPr marL="742950" indent="-285750" algn="l" defTabSz="457200" rtl="0" eaLnBrk="1" latinLnBrk="0" hangingPunct="1">
+              <a:spcBef>
+                <a:spcPts val="1000"/>
+              </a:spcBef>
+              <a:spcAft>
+                <a:spcPts val="0"/>
+              </a:spcAft>
+              <a:buClr>
+                <a:schemeClr val="accent1"/>
+              </a:buClr>
+              <a:buSzPct val="80000"/>
+              <a:buFont typeface="Wingdings 3" charset="2"/>
+              <a:buChar char=""/>
+              <a:defRPr sz="1600" kern="1200">
+                <a:solidFill>
+                  <a:schemeClr val="tx1">
+                    <a:lumMod val="75000"/>
+                    <a:lumOff val="25000"/>
+                  </a:schemeClr>
+                </a:solidFill>
+                <a:latin typeface="+mn-lt"/>
+                <a:ea typeface="+mn-ea"/>
+                <a:cs typeface="+mn-cs"/>
+              </a:defRPr>
+            </a:lvl2pPr>
+            <a:lvl3pPr marL="1143000" indent="-228600" algn="l" defTabSz="457200" rtl="0" eaLnBrk="1" latinLnBrk="0" hangingPunct="1">
+              <a:spcBef>
+                <a:spcPts val="1000"/>
+              </a:spcBef>
+              <a:spcAft>
+                <a:spcPts val="0"/>
+              </a:spcAft>
+              <a:buClr>
+                <a:schemeClr val="accent1"/>
+              </a:buClr>
+              <a:buSzPct val="80000"/>
+              <a:buFont typeface="Wingdings 3" charset="2"/>
+              <a:buChar char=""/>
+              <a:defRPr sz="1400" kern="1200">
+                <a:solidFill>
+                  <a:schemeClr val="tx1">
+                    <a:lumMod val="75000"/>
+                    <a:lumOff val="25000"/>
+                  </a:schemeClr>
+                </a:solidFill>
+                <a:latin typeface="+mn-lt"/>
+                <a:ea typeface="+mn-ea"/>
+                <a:cs typeface="+mn-cs"/>
+              </a:defRPr>
+            </a:lvl3pPr>
+            <a:lvl4pPr marL="1600200" indent="-228600" algn="l" defTabSz="457200" rtl="0" eaLnBrk="1" latinLnBrk="0" hangingPunct="1">
+              <a:spcBef>
+                <a:spcPts val="1000"/>
+              </a:spcBef>
+              <a:spcAft>
+                <a:spcPts val="0"/>
+              </a:spcAft>
+              <a:buClr>
+                <a:schemeClr val="accent1"/>
+              </a:buClr>
+              <a:buSzPct val="80000"/>
+              <a:buFont typeface="Wingdings 3" charset="2"/>
+              <a:buChar char=""/>
+              <a:defRPr sz="1200" kern="1200">
+                <a:solidFill>
+                  <a:schemeClr val="tx1">
+                    <a:lumMod val="75000"/>
+                    <a:lumOff val="25000"/>
+                  </a:schemeClr>
+                </a:solidFill>
+                <a:latin typeface="+mn-lt"/>
+                <a:ea typeface="+mn-ea"/>
+                <a:cs typeface="+mn-cs"/>
+              </a:defRPr>
+            </a:lvl4pPr>
+            <a:lvl5pPr marL="2057400" indent="-228600" algn="l" defTabSz="457200" rtl="0" eaLnBrk="1" latinLnBrk="0" hangingPunct="1">
+              <a:spcBef>
+                <a:spcPts val="1000"/>
+              </a:spcBef>
+              <a:spcAft>
+                <a:spcPts val="0"/>
+              </a:spcAft>
+              <a:buClr>
+                <a:schemeClr val="accent1"/>
+              </a:buClr>
+              <a:buSzPct val="80000"/>
+              <a:buFont typeface="Wingdings 3" charset="2"/>
+              <a:buChar char=""/>
+              <a:defRPr sz="1200" kern="1200">
+                <a:solidFill>
+                  <a:schemeClr val="tx1">
+                    <a:lumMod val="75000"/>
+                    <a:lumOff val="25000"/>
+                  </a:schemeClr>
+                </a:solidFill>
+                <a:latin typeface="+mn-lt"/>
+                <a:ea typeface="+mn-ea"/>
+                <a:cs typeface="+mn-cs"/>
+              </a:defRPr>
+            </a:lvl5pPr>
+            <a:lvl6pPr marL="2514600" indent="-228600" algn="l" defTabSz="457200" rtl="0" eaLnBrk="1" latinLnBrk="0" hangingPunct="1">
+              <a:spcBef>
+                <a:spcPts val="1000"/>
+              </a:spcBef>
+              <a:spcAft>
+                <a:spcPts val="0"/>
+              </a:spcAft>
+              <a:buClr>
+                <a:schemeClr val="accent1"/>
+              </a:buClr>
+              <a:buSzPct val="80000"/>
+              <a:buFont typeface="Wingdings 3" charset="2"/>
+              <a:buChar char=""/>
+              <a:defRPr sz="1200" kern="1200">
+                <a:solidFill>
+                  <a:schemeClr val="tx1">
+                    <a:lumMod val="75000"/>
+                    <a:lumOff val="25000"/>
+                  </a:schemeClr>
+                </a:solidFill>
+                <a:latin typeface="+mn-lt"/>
+                <a:ea typeface="+mn-ea"/>
+                <a:cs typeface="+mn-cs"/>
+              </a:defRPr>
+            </a:lvl6pPr>
+            <a:lvl7pPr marL="2971800" indent="-228600" algn="l" defTabSz="457200" rtl="0" eaLnBrk="1" latinLnBrk="0" hangingPunct="1">
+              <a:spcBef>
+                <a:spcPts val="1000"/>
+              </a:spcBef>
+              <a:spcAft>
+                <a:spcPts val="0"/>
+              </a:spcAft>
+              <a:buClr>
+                <a:schemeClr val="accent1"/>
+              </a:buClr>
+              <a:buSzPct val="80000"/>
+              <a:buFont typeface="Wingdings 3" charset="2"/>
+              <a:buChar char=""/>
+              <a:defRPr sz="1200" kern="1200">
+                <a:solidFill>
+                  <a:schemeClr val="tx1">
+                    <a:lumMod val="75000"/>
+                    <a:lumOff val="25000"/>
+                  </a:schemeClr>
+                </a:solidFill>
+                <a:latin typeface="+mn-lt"/>
+                <a:ea typeface="+mn-ea"/>
+                <a:cs typeface="+mn-cs"/>
+              </a:defRPr>
+            </a:lvl7pPr>
+            <a:lvl8pPr marL="3429000" indent="-228600" algn="l" defTabSz="457200" rtl="0" eaLnBrk="1" latinLnBrk="0" hangingPunct="1">
+              <a:spcBef>
+                <a:spcPts val="1000"/>
+              </a:spcBef>
+              <a:spcAft>
+                <a:spcPts val="0"/>
+              </a:spcAft>
+              <a:buClr>
+                <a:schemeClr val="accent1"/>
+              </a:buClr>
+              <a:buSzPct val="80000"/>
+              <a:buFont typeface="Wingdings 3" charset="2"/>
+              <a:buChar char=""/>
+              <a:defRPr sz="1200" kern="1200">
+                <a:solidFill>
+                  <a:schemeClr val="tx1">
+                    <a:lumMod val="75000"/>
+                    <a:lumOff val="25000"/>
+                  </a:schemeClr>
+                </a:solidFill>
+                <a:latin typeface="+mn-lt"/>
+                <a:ea typeface="+mn-ea"/>
+                <a:cs typeface="+mn-cs"/>
+              </a:defRPr>
+            </a:lvl8pPr>
+            <a:lvl9pPr marL="3886200" indent="-228600" algn="l" defTabSz="457200" rtl="0" eaLnBrk="1" latinLnBrk="0" hangingPunct="1">
+              <a:spcBef>
+                <a:spcPts val="1000"/>
+              </a:spcBef>
+              <a:spcAft>
+                <a:spcPts val="0"/>
+              </a:spcAft>
+              <a:buClr>
+                <a:schemeClr val="accent1"/>
+              </a:buClr>
+              <a:buSzPct val="80000"/>
+              <a:buFont typeface="Wingdings 3" charset="2"/>
+              <a:buChar char=""/>
+              <a:defRPr sz="1200" kern="1200">
+                <a:solidFill>
+                  <a:schemeClr val="tx1">
+                    <a:lumMod val="75000"/>
+                    <a:lumOff val="25000"/>
+                  </a:schemeClr>
+                </a:solidFill>
+                <a:latin typeface="+mn-lt"/>
+                <a:ea typeface="+mn-ea"/>
+                <a:cs typeface="+mn-cs"/>
+              </a:defRPr>
+            </a:lvl9pPr>
+          </a:lstStyle>
+          <a:p>
+            <a:pPr lvl="0">
+              <a:lnSpc>
+                <a:spcPct val="150000"/>
+              </a:lnSpc>
+            </a:pPr>
+            <a:r>
+              <a:rPr lang="en-US" dirty="0" err="1"/>
+              <a:t>Qu’est-ce</a:t>
+            </a:r>
+            <a:r>
+              <a:rPr lang="en-US" dirty="0"/>
+              <a:t> que </a:t>
+            </a:r>
+            <a:r>
+              <a:rPr lang="en-US" dirty="0" smtClean="0"/>
+              <a:t>le </a:t>
+            </a:r>
+            <a:r>
+              <a:rPr lang="en-US" dirty="0" err="1" smtClean="0"/>
+              <a:t>financement</a:t>
+            </a:r>
+            <a:r>
+              <a:rPr lang="en-US" dirty="0" smtClean="0"/>
+              <a:t> </a:t>
+            </a:r>
+            <a:r>
+              <a:rPr lang="en-US" dirty="0" err="1" smtClean="0"/>
+              <a:t>participatif</a:t>
+            </a:r>
+            <a:r>
+              <a:rPr lang="nl-NL" dirty="0" smtClean="0"/>
+              <a:t>?</a:t>
+            </a:r>
+          </a:p>
+          <a:p>
+            <a:pPr>
+              <a:lnSpc>
+                <a:spcPct val="150000"/>
+              </a:lnSpc>
+            </a:pPr>
+            <a:r>
+              <a:rPr lang="en-US" dirty="0" err="1" smtClean="0"/>
+              <a:t>Quelles</a:t>
+            </a:r>
+            <a:r>
+              <a:rPr lang="en-US" dirty="0" smtClean="0"/>
+              <a:t> </a:t>
+            </a:r>
+            <a:r>
+              <a:rPr lang="en-US" dirty="0" err="1" smtClean="0"/>
+              <a:t>sont</a:t>
+            </a:r>
+            <a:r>
+              <a:rPr lang="en-US" dirty="0" smtClean="0"/>
+              <a:t> </a:t>
+            </a:r>
+            <a:r>
+              <a:rPr lang="en-US" dirty="0" err="1" smtClean="0"/>
+              <a:t>ses</a:t>
+            </a:r>
+            <a:r>
+              <a:rPr lang="en-US" dirty="0" smtClean="0"/>
+              <a:t> </a:t>
+            </a:r>
+            <a:r>
+              <a:rPr lang="en-US" dirty="0" err="1" smtClean="0"/>
+              <a:t>origines</a:t>
+            </a:r>
+            <a:r>
+              <a:rPr lang="en-US" dirty="0" smtClean="0"/>
+              <a:t> </a:t>
+            </a:r>
+            <a:r>
+              <a:rPr lang="nl-NL" dirty="0" smtClean="0"/>
+              <a:t>?</a:t>
+            </a:r>
+            <a:endParaRPr lang="nl-NL" dirty="0"/>
+          </a:p>
+          <a:p>
+            <a:pPr lvl="0">
+              <a:lnSpc>
+                <a:spcPct val="150000"/>
+              </a:lnSpc>
+            </a:pPr>
+            <a:r>
+              <a:rPr lang="en-US" dirty="0" smtClean="0"/>
+              <a:t>Son impact sur le </a:t>
+            </a:r>
+            <a:r>
+              <a:rPr lang="en-US" dirty="0" err="1" smtClean="0"/>
+              <a:t>d</a:t>
+            </a:r>
+            <a:r>
+              <a:rPr lang="en-US" dirty="0" err="1"/>
+              <a:t>é</a:t>
+            </a:r>
+            <a:r>
+              <a:rPr lang="en-US" dirty="0" err="1" smtClean="0"/>
+              <a:t>veloppement</a:t>
+            </a:r>
+            <a:r>
+              <a:rPr lang="en-US" dirty="0" smtClean="0"/>
+              <a:t> </a:t>
+            </a:r>
+            <a:r>
+              <a:rPr lang="en-US" dirty="0" err="1" smtClean="0"/>
+              <a:t>économique</a:t>
+            </a:r>
+            <a:endParaRPr lang="en-US" dirty="0"/>
+          </a:p>
+        </p:txBody>
+      </p:sp>
+    </p:spTree>
+    <p:extLst>
+      <p:ext uri="{BB962C8B-B14F-4D97-AF65-F5344CB8AC3E}">
+        <p14:creationId xmlns:p14="http://schemas.microsoft.com/office/powerpoint/2010/main" val="469198670"/>
+      </p:ext>
+    </p:extLst>
+  </p:cSld>
+  <p:clrMapOvr>
+    <a:masterClrMapping/>
+  </p:clrMapOvr>
+  <mc:AlternateContent xmlns:mc="http://schemas.openxmlformats.org/markup-compatibility/2006">
+    <mc:Choice xmlns:p14="http://schemas.microsoft.com/office/powerpoint/2010/main" Requires="p14">
+      <p:transition spd="med" p14:dur="700">
+        <p:fade/>
+      </p:transition>
+    </mc:Choice>
+    <mc:Fallback>
+      <p:transition spd="med">
+        <p:fade/>
+      </p:transition>
+    </mc:Fallback>
+  </mc:AlternateContent>
+  <p:timing>
+    <p:tnLst>
+      <p:par>
+        <p:cTn id="1" dur="indefinite" restart="never" nodeType="tmRoot"/>
+      </p:par>
+    </p:tnLst>
+  </p:timing>
 </p:sld>
 </file>
 
